--- a/Shofiyyah57_Patricia65_ProstateCancer (Final).pptx
+++ b/Shofiyyah57_Patricia65_ProstateCancer (Final).pptx
@@ -5,10 +5,10 @@
     <p:sldMasterId id="2147484067" r:id="rId1"/>
   </p:sldMasterIdLst>
   <p:notesMasterIdLst>
-    <p:notesMasterId r:id="rId14"/>
+    <p:notesMasterId r:id="rId17"/>
   </p:notesMasterIdLst>
   <p:handoutMasterIdLst>
-    <p:handoutMasterId r:id="rId15"/>
+    <p:handoutMasterId r:id="rId18"/>
   </p:handoutMasterIdLst>
   <p:sldIdLst>
     <p:sldId id="663" r:id="rId2"/>
@@ -17,12 +17,15 @@
     <p:sldId id="668" r:id="rId5"/>
     <p:sldId id="667" r:id="rId6"/>
     <p:sldId id="671" r:id="rId7"/>
-    <p:sldId id="679" r:id="rId8"/>
-    <p:sldId id="680" r:id="rId9"/>
-    <p:sldId id="681" r:id="rId10"/>
-    <p:sldId id="672" r:id="rId11"/>
-    <p:sldId id="669" r:id="rId12"/>
-    <p:sldId id="665" r:id="rId13"/>
+    <p:sldId id="682" r:id="rId8"/>
+    <p:sldId id="683" r:id="rId9"/>
+    <p:sldId id="679" r:id="rId10"/>
+    <p:sldId id="684" r:id="rId11"/>
+    <p:sldId id="680" r:id="rId12"/>
+    <p:sldId id="681" r:id="rId13"/>
+    <p:sldId id="672" r:id="rId14"/>
+    <p:sldId id="669" r:id="rId15"/>
+    <p:sldId id="665" r:id="rId16"/>
   </p:sldIdLst>
   <p:sldSz cx="24377650" cy="13716000"/>
   <p:notesSz cx="6858000" cy="9144000"/>
@@ -1202,7 +1205,7 @@
           <a:p>
             <a:fld id="{0ED8A9B0-80EF-A34D-B345-E2DEC5501E01}" type="slidenum">
               <a:rPr lang="en-US" smtClean="0"/>
-              <a:t>12</a:t>
+              <a:t>15</a:t>
             </a:fld>
             <a:endParaRPr lang="en-US"/>
           </a:p>
@@ -2665,7 +2668,7 @@
                 </a:solidFill>
                 <a:latin typeface="Lato" panose="020F0502020204030203" pitchFamily="34" charset="0"/>
               </a:rPr>
-              <a:t>Patricia Joanne – 140811060065</a:t>
+              <a:t>Patricia Joanne – 140810160065</a:t>
             </a:r>
           </a:p>
         </p:txBody>
@@ -2684,6 +2687,3321 @@
 </file>
 
 <file path=ppt/slides/slide10.xml><?xml version="1.0" encoding="utf-8"?>
+<p:sld xmlns:a="http://schemas.openxmlformats.org/drawingml/2006/main" xmlns:r="http://schemas.openxmlformats.org/officeDocument/2006/relationships" xmlns:p="http://schemas.openxmlformats.org/presentationml/2006/main">
+  <p:cSld>
+    <p:spTree>
+      <p:nvGrpSpPr>
+        <p:cNvPr id="1" name=""/>
+        <p:cNvGrpSpPr/>
+        <p:nvPr/>
+      </p:nvGrpSpPr>
+      <p:grpSpPr>
+        <a:xfrm>
+          <a:off x="0" y="0"/>
+          <a:ext cx="0" cy="0"/>
+          <a:chOff x="0" y="0"/>
+          <a:chExt cx="0" cy="0"/>
+        </a:xfrm>
+      </p:grpSpPr>
+      <p:sp>
+        <p:nvSpPr>
+          <p:cNvPr id="42" name="Rectangle 41"/>
+          <p:cNvSpPr/>
+          <p:nvPr/>
+        </p:nvSpPr>
+        <p:spPr>
+          <a:xfrm>
+            <a:off x="1" y="0"/>
+            <a:ext cx="24377650" cy="13715998"/>
+          </a:xfrm>
+          <a:prstGeom prst="rect">
+            <a:avLst/>
+          </a:prstGeom>
+          <a:solidFill>
+            <a:schemeClr val="accent1"/>
+          </a:solidFill>
+          <a:ln>
+            <a:noFill/>
+          </a:ln>
+        </p:spPr>
+        <p:style>
+          <a:lnRef idx="2">
+            <a:schemeClr val="accent1">
+              <a:shade val="50000"/>
+            </a:schemeClr>
+          </a:lnRef>
+          <a:fillRef idx="1">
+            <a:schemeClr val="accent1"/>
+          </a:fillRef>
+          <a:effectRef idx="0">
+            <a:schemeClr val="accent1"/>
+          </a:effectRef>
+          <a:fontRef idx="minor">
+            <a:schemeClr val="lt1"/>
+          </a:fontRef>
+        </p:style>
+        <p:txBody>
+          <a:bodyPr rtlCol="0" anchor="ctr"/>
+          <a:lstStyle/>
+          <a:p>
+            <a:pPr marL="0" marR="0" lvl="0" indent="0" algn="ctr" defTabSz="1828434" rtl="0" eaLnBrk="1" fontAlgn="auto" latinLnBrk="0" hangingPunct="1">
+              <a:lnSpc>
+                <a:spcPct val="100000"/>
+              </a:lnSpc>
+              <a:spcBef>
+                <a:spcPts val="0"/>
+              </a:spcBef>
+              <a:spcAft>
+                <a:spcPts val="0"/>
+              </a:spcAft>
+              <a:buClrTx/>
+              <a:buSzTx/>
+              <a:buFontTx/>
+              <a:buNone/>
+              <a:tabLst/>
+              <a:defRPr/>
+            </a:pPr>
+            <a:endParaRPr kumimoji="0" lang="en-US" sz="3600" b="0" i="0" u="none" strike="noStrike" kern="1200" cap="none" spc="0" normalizeH="0" baseline="0" noProof="0">
+              <a:ln>
+                <a:noFill/>
+              </a:ln>
+              <a:solidFill>
+                <a:srgbClr val="FFFFFF"/>
+              </a:solidFill>
+              <a:effectLst/>
+              <a:uLnTx/>
+              <a:uFillTx/>
+              <a:latin typeface="Calibri" panose="020F0502020204030204"/>
+              <a:ea typeface="+mn-ea"/>
+              <a:cs typeface="+mn-cs"/>
+            </a:endParaRPr>
+          </a:p>
+        </p:txBody>
+      </p:sp>
+      <p:sp>
+        <p:nvSpPr>
+          <p:cNvPr id="10" name="TextBox 9"/>
+          <p:cNvSpPr txBox="1"/>
+          <p:nvPr/>
+        </p:nvSpPr>
+        <p:spPr>
+          <a:xfrm>
+            <a:off x="16360514" y="936444"/>
+            <a:ext cx="6944530" cy="1015663"/>
+          </a:xfrm>
+          <a:prstGeom prst="rect">
+            <a:avLst/>
+          </a:prstGeom>
+          <a:noFill/>
+        </p:spPr>
+        <p:txBody>
+          <a:bodyPr wrap="none" rtlCol="0">
+            <a:spAutoFit/>
+          </a:bodyPr>
+          <a:lstStyle/>
+          <a:p>
+            <a:pPr marL="0" marR="0" lvl="0" indent="0" algn="l" defTabSz="1828434" rtl="0" eaLnBrk="1" fontAlgn="auto" latinLnBrk="0" hangingPunct="1">
+              <a:lnSpc>
+                <a:spcPct val="100000"/>
+              </a:lnSpc>
+              <a:spcBef>
+                <a:spcPts val="0"/>
+              </a:spcBef>
+              <a:spcAft>
+                <a:spcPts val="0"/>
+              </a:spcAft>
+              <a:buClrTx/>
+              <a:buSzTx/>
+              <a:buFontTx/>
+              <a:buNone/>
+              <a:tabLst/>
+              <a:defRPr/>
+            </a:pPr>
+            <a:r>
+              <a:rPr lang="en-US" sz="6000" b="1" dirty="0">
+                <a:solidFill>
+                  <a:srgbClr val="3D5476"/>
+                </a:solidFill>
+                <a:latin typeface="Lato" charset="0"/>
+                <a:ea typeface="Lato" charset="0"/>
+                <a:cs typeface="Lato" charset="0"/>
+              </a:rPr>
+              <a:t>HASIL PENELITIAN</a:t>
+            </a:r>
+            <a:endParaRPr kumimoji="0" lang="en-US" sz="6000" b="1" i="0" u="none" strike="noStrike" kern="1200" cap="none" spc="0" normalizeH="0" baseline="0" noProof="0" dirty="0">
+              <a:ln>
+                <a:noFill/>
+              </a:ln>
+              <a:solidFill>
+                <a:srgbClr val="3D5476"/>
+              </a:solidFill>
+              <a:effectLst/>
+              <a:uLnTx/>
+              <a:uFillTx/>
+              <a:latin typeface="Lato" charset="0"/>
+              <a:ea typeface="Lato" charset="0"/>
+              <a:cs typeface="Lato" charset="0"/>
+            </a:endParaRPr>
+          </a:p>
+        </p:txBody>
+      </p:sp>
+      <p:grpSp>
+        <p:nvGrpSpPr>
+          <p:cNvPr id="12" name="Group 11"/>
+          <p:cNvGrpSpPr/>
+          <p:nvPr/>
+        </p:nvGrpSpPr>
+        <p:grpSpPr>
+          <a:xfrm>
+            <a:off x="0" y="838200"/>
+            <a:ext cx="7266215" cy="1118191"/>
+            <a:chOff x="0" y="838200"/>
+            <a:chExt cx="7266215" cy="1118191"/>
+          </a:xfrm>
+        </p:grpSpPr>
+        <p:sp>
+          <p:nvSpPr>
+            <p:cNvPr id="13" name="Rectangle 12"/>
+            <p:cNvSpPr/>
+            <p:nvPr/>
+          </p:nvSpPr>
+          <p:spPr>
+            <a:xfrm>
+              <a:off x="1" y="838200"/>
+              <a:ext cx="7266214" cy="629093"/>
+            </a:xfrm>
+            <a:prstGeom prst="rect">
+              <a:avLst/>
+            </a:prstGeom>
+            <a:solidFill>
+              <a:schemeClr val="accent2"/>
+            </a:solidFill>
+            <a:ln>
+              <a:noFill/>
+            </a:ln>
+          </p:spPr>
+          <p:style>
+            <a:lnRef idx="2">
+              <a:schemeClr val="accent1">
+                <a:shade val="50000"/>
+              </a:schemeClr>
+            </a:lnRef>
+            <a:fillRef idx="1">
+              <a:schemeClr val="accent1"/>
+            </a:fillRef>
+            <a:effectRef idx="0">
+              <a:schemeClr val="accent1"/>
+            </a:effectRef>
+            <a:fontRef idx="minor">
+              <a:schemeClr val="lt1"/>
+            </a:fontRef>
+          </p:style>
+          <p:txBody>
+            <a:bodyPr rtlCol="0" anchor="ctr"/>
+            <a:lstStyle/>
+            <a:p>
+              <a:pPr marL="0" marR="0" lvl="0" indent="0" algn="ctr" defTabSz="1828434" rtl="0" eaLnBrk="1" fontAlgn="auto" latinLnBrk="0" hangingPunct="1">
+                <a:lnSpc>
+                  <a:spcPct val="100000"/>
+                </a:lnSpc>
+                <a:spcBef>
+                  <a:spcPts val="0"/>
+                </a:spcBef>
+                <a:spcAft>
+                  <a:spcPts val="0"/>
+                </a:spcAft>
+                <a:buClrTx/>
+                <a:buSzTx/>
+                <a:buFontTx/>
+                <a:buNone/>
+                <a:tabLst/>
+                <a:defRPr/>
+              </a:pPr>
+              <a:endParaRPr kumimoji="0" lang="en-US" sz="3600" b="0" i="0" u="none" strike="noStrike" kern="1200" cap="none" spc="0" normalizeH="0" baseline="0" noProof="0">
+                <a:ln>
+                  <a:noFill/>
+                </a:ln>
+                <a:solidFill>
+                  <a:srgbClr val="FFFFFF"/>
+                </a:solidFill>
+                <a:effectLst/>
+                <a:uLnTx/>
+                <a:uFillTx/>
+                <a:latin typeface="Calibri" panose="020F0502020204030204"/>
+                <a:ea typeface="+mn-ea"/>
+                <a:cs typeface="+mn-cs"/>
+              </a:endParaRPr>
+            </a:p>
+          </p:txBody>
+        </p:sp>
+        <p:sp>
+          <p:nvSpPr>
+            <p:cNvPr id="14" name="Rectangle 13"/>
+            <p:cNvSpPr/>
+            <p:nvPr/>
+          </p:nvSpPr>
+          <p:spPr>
+            <a:xfrm>
+              <a:off x="0" y="1667540"/>
+              <a:ext cx="4678878" cy="288851"/>
+            </a:xfrm>
+            <a:prstGeom prst="rect">
+              <a:avLst/>
+            </a:prstGeom>
+            <a:solidFill>
+              <a:schemeClr val="accent3"/>
+            </a:solidFill>
+            <a:ln>
+              <a:noFill/>
+            </a:ln>
+          </p:spPr>
+          <p:style>
+            <a:lnRef idx="2">
+              <a:schemeClr val="accent1">
+                <a:shade val="50000"/>
+              </a:schemeClr>
+            </a:lnRef>
+            <a:fillRef idx="1">
+              <a:schemeClr val="accent1"/>
+            </a:fillRef>
+            <a:effectRef idx="0">
+              <a:schemeClr val="accent1"/>
+            </a:effectRef>
+            <a:fontRef idx="minor">
+              <a:schemeClr val="lt1"/>
+            </a:fontRef>
+          </p:style>
+          <p:txBody>
+            <a:bodyPr rtlCol="0" anchor="ctr"/>
+            <a:lstStyle/>
+            <a:p>
+              <a:pPr marL="0" marR="0" lvl="0" indent="0" algn="ctr" defTabSz="1828434" rtl="0" eaLnBrk="1" fontAlgn="auto" latinLnBrk="0" hangingPunct="1">
+                <a:lnSpc>
+                  <a:spcPct val="100000"/>
+                </a:lnSpc>
+                <a:spcBef>
+                  <a:spcPts val="0"/>
+                </a:spcBef>
+                <a:spcAft>
+                  <a:spcPts val="0"/>
+                </a:spcAft>
+                <a:buClrTx/>
+                <a:buSzTx/>
+                <a:buFontTx/>
+                <a:buNone/>
+                <a:tabLst/>
+                <a:defRPr/>
+              </a:pPr>
+              <a:endParaRPr kumimoji="0" lang="en-US" sz="3600" b="0" i="0" u="none" strike="noStrike" kern="1200" cap="none" spc="0" normalizeH="0" baseline="0" noProof="0">
+                <a:ln>
+                  <a:noFill/>
+                </a:ln>
+                <a:solidFill>
+                  <a:srgbClr val="FFFFFF"/>
+                </a:solidFill>
+                <a:effectLst/>
+                <a:uLnTx/>
+                <a:uFillTx/>
+                <a:latin typeface="Calibri" panose="020F0502020204030204"/>
+                <a:ea typeface="+mn-ea"/>
+                <a:cs typeface="+mn-cs"/>
+              </a:endParaRPr>
+            </a:p>
+          </p:txBody>
+        </p:sp>
+      </p:grpSp>
+      <p:sp>
+        <p:nvSpPr>
+          <p:cNvPr id="3" name="Rectangle 2">
+            <a:extLst>
+              <a:ext uri="{FF2B5EF4-FFF2-40B4-BE49-F238E27FC236}">
+                <a16:creationId xmlns:a16="http://schemas.microsoft.com/office/drawing/2014/main" id="{6B897D3A-FD2E-4329-BE36-323BCDE79BF6}"/>
+              </a:ext>
+            </a:extLst>
+          </p:cNvPr>
+          <p:cNvSpPr/>
+          <p:nvPr/>
+        </p:nvSpPr>
+        <p:spPr>
+          <a:xfrm>
+            <a:off x="1264461" y="3353761"/>
+            <a:ext cx="20953172" cy="8956298"/>
+          </a:xfrm>
+          <a:prstGeom prst="rect">
+            <a:avLst/>
+          </a:prstGeom>
+        </p:spPr>
+        <p:txBody>
+          <a:bodyPr wrap="none">
+            <a:spAutoFit/>
+          </a:bodyPr>
+          <a:lstStyle/>
+          <a:p>
+            <a:r>
+              <a:rPr lang="id-ID" dirty="0">
+                <a:solidFill>
+                  <a:schemeClr val="tx2"/>
+                </a:solidFill>
+                <a:latin typeface="Consolas" panose="020B0609020204030204" pitchFamily="49" charset="0"/>
+              </a:rPr>
+              <a:t>LEARNING PROCESS</a:t>
+            </a:r>
+            <a:endParaRPr lang="en-US" dirty="0">
+              <a:solidFill>
+                <a:schemeClr val="tx2"/>
+              </a:solidFill>
+              <a:latin typeface="Consolas" panose="020B0609020204030204" pitchFamily="49" charset="0"/>
+            </a:endParaRPr>
+          </a:p>
+          <a:p>
+            <a:r>
+              <a:rPr lang="id-ID" dirty="0" err="1">
+                <a:solidFill>
+                  <a:schemeClr val="tx2"/>
+                </a:solidFill>
+                <a:latin typeface="Consolas" panose="020B0609020204030204" pitchFamily="49" charset="0"/>
+              </a:rPr>
+              <a:t>Verification</a:t>
+            </a:r>
+            <a:r>
+              <a:rPr lang="id-ID" dirty="0">
+                <a:solidFill>
+                  <a:schemeClr val="tx2"/>
+                </a:solidFill>
+                <a:latin typeface="Consolas" panose="020B0609020204030204" pitchFamily="49" charset="0"/>
+              </a:rPr>
+              <a:t> </a:t>
+            </a:r>
+            <a:r>
+              <a:rPr lang="id-ID" dirty="0" err="1">
+                <a:solidFill>
+                  <a:schemeClr val="tx2"/>
+                </a:solidFill>
+                <a:latin typeface="Consolas" panose="020B0609020204030204" pitchFamily="49" charset="0"/>
+              </a:rPr>
+              <a:t>of</a:t>
+            </a:r>
+            <a:r>
+              <a:rPr lang="id-ID" dirty="0">
+                <a:solidFill>
+                  <a:schemeClr val="tx2"/>
+                </a:solidFill>
+                <a:latin typeface="Consolas" panose="020B0609020204030204" pitchFamily="49" charset="0"/>
+              </a:rPr>
+              <a:t> </a:t>
+            </a:r>
+            <a:r>
+              <a:rPr lang="id-ID" dirty="0" err="1">
+                <a:solidFill>
+                  <a:schemeClr val="tx2"/>
+                </a:solidFill>
+                <a:latin typeface="Consolas" panose="020B0609020204030204" pitchFamily="49" charset="0"/>
+              </a:rPr>
+              <a:t>condition</a:t>
+            </a:r>
+            <a:r>
+              <a:rPr lang="id-ID" dirty="0">
+                <a:solidFill>
+                  <a:schemeClr val="tx2"/>
+                </a:solidFill>
+                <a:latin typeface="Consolas" panose="020B0609020204030204" pitchFamily="49" charset="0"/>
+              </a:rPr>
+              <a:t> </a:t>
+            </a:r>
+            <a:r>
+              <a:rPr lang="id-ID" dirty="0" err="1">
+                <a:solidFill>
+                  <a:schemeClr val="tx2"/>
+                </a:solidFill>
+                <a:latin typeface="Consolas" panose="020B0609020204030204" pitchFamily="49" charset="0"/>
+              </a:rPr>
+              <a:t>Potential</a:t>
+            </a:r>
+            <a:r>
+              <a:rPr lang="id-ID" dirty="0">
+                <a:solidFill>
+                  <a:schemeClr val="tx2"/>
+                </a:solidFill>
+                <a:latin typeface="Consolas" panose="020B0609020204030204" pitchFamily="49" charset="0"/>
+              </a:rPr>
+              <a:t>(k)&lt;</a:t>
+            </a:r>
+            <a:r>
+              <a:rPr lang="id-ID" dirty="0" err="1">
+                <a:solidFill>
+                  <a:schemeClr val="tx2"/>
+                </a:solidFill>
+                <a:latin typeface="Consolas" panose="020B0609020204030204" pitchFamily="49" charset="0"/>
+              </a:rPr>
+              <a:t>Potential_Min</a:t>
+            </a:r>
+            <a:r>
+              <a:rPr lang="id-ID" dirty="0">
+                <a:solidFill>
+                  <a:schemeClr val="tx2"/>
+                </a:solidFill>
+                <a:latin typeface="Consolas" panose="020B0609020204030204" pitchFamily="49" charset="0"/>
+              </a:rPr>
+              <a:t>(k): 1 </a:t>
+            </a:r>
+            <a:endParaRPr lang="en-US" dirty="0">
+              <a:solidFill>
+                <a:schemeClr val="tx2"/>
+              </a:solidFill>
+              <a:latin typeface="Consolas" panose="020B0609020204030204" pitchFamily="49" charset="0"/>
+            </a:endParaRPr>
+          </a:p>
+          <a:p>
+            <a:r>
+              <a:rPr lang="id-ID" dirty="0" err="1">
+                <a:solidFill>
+                  <a:schemeClr val="tx2"/>
+                </a:solidFill>
+                <a:latin typeface="Consolas" panose="020B0609020204030204" pitchFamily="49" charset="0"/>
+              </a:rPr>
+              <a:t>Verification</a:t>
+            </a:r>
+            <a:r>
+              <a:rPr lang="id-ID" dirty="0">
+                <a:solidFill>
+                  <a:schemeClr val="tx2"/>
+                </a:solidFill>
+                <a:latin typeface="Consolas" panose="020B0609020204030204" pitchFamily="49" charset="0"/>
+              </a:rPr>
+              <a:t> </a:t>
+            </a:r>
+            <a:r>
+              <a:rPr lang="id-ID" dirty="0" err="1">
+                <a:solidFill>
+                  <a:schemeClr val="tx2"/>
+                </a:solidFill>
+                <a:latin typeface="Consolas" panose="020B0609020204030204" pitchFamily="49" charset="0"/>
+              </a:rPr>
+              <a:t>of</a:t>
+            </a:r>
+            <a:r>
+              <a:rPr lang="id-ID" dirty="0">
+                <a:solidFill>
+                  <a:schemeClr val="tx2"/>
+                </a:solidFill>
+                <a:latin typeface="Consolas" panose="020B0609020204030204" pitchFamily="49" charset="0"/>
+              </a:rPr>
+              <a:t> </a:t>
+            </a:r>
+            <a:r>
+              <a:rPr lang="id-ID" dirty="0" err="1">
+                <a:solidFill>
+                  <a:schemeClr val="tx2"/>
+                </a:solidFill>
+                <a:latin typeface="Consolas" panose="020B0609020204030204" pitchFamily="49" charset="0"/>
+              </a:rPr>
+              <a:t>condition</a:t>
+            </a:r>
+            <a:r>
+              <a:rPr lang="id-ID" dirty="0">
+                <a:solidFill>
+                  <a:schemeClr val="tx2"/>
+                </a:solidFill>
+                <a:latin typeface="Consolas" panose="020B0609020204030204" pitchFamily="49" charset="0"/>
+              </a:rPr>
+              <a:t> </a:t>
+            </a:r>
+            <a:r>
+              <a:rPr lang="id-ID" dirty="0" err="1">
+                <a:solidFill>
+                  <a:schemeClr val="tx2"/>
+                </a:solidFill>
+                <a:latin typeface="Consolas" panose="020B0609020204030204" pitchFamily="49" charset="0"/>
+              </a:rPr>
+              <a:t>Potential</a:t>
+            </a:r>
+            <a:r>
+              <a:rPr lang="id-ID" dirty="0">
+                <a:solidFill>
+                  <a:schemeClr val="tx2"/>
+                </a:solidFill>
+                <a:latin typeface="Consolas" panose="020B0609020204030204" pitchFamily="49" charset="0"/>
+              </a:rPr>
+              <a:t>(k)&gt;</a:t>
+            </a:r>
+            <a:r>
+              <a:rPr lang="id-ID" dirty="0" err="1">
+                <a:solidFill>
+                  <a:schemeClr val="tx2"/>
+                </a:solidFill>
+                <a:latin typeface="Consolas" panose="020B0609020204030204" pitchFamily="49" charset="0"/>
+              </a:rPr>
+              <a:t>Potential_Ref</a:t>
+            </a:r>
+            <a:r>
+              <a:rPr lang="id-ID" dirty="0">
+                <a:solidFill>
+                  <a:schemeClr val="tx2"/>
+                </a:solidFill>
+                <a:latin typeface="Consolas" panose="020B0609020204030204" pitchFamily="49" charset="0"/>
+              </a:rPr>
+              <a:t>(k): 7 </a:t>
+            </a:r>
+            <a:endParaRPr lang="en-US" dirty="0">
+              <a:solidFill>
+                <a:schemeClr val="tx2"/>
+              </a:solidFill>
+              <a:latin typeface="Consolas" panose="020B0609020204030204" pitchFamily="49" charset="0"/>
+            </a:endParaRPr>
+          </a:p>
+          <a:p>
+            <a:r>
+              <a:rPr lang="id-ID" dirty="0" err="1">
+                <a:solidFill>
+                  <a:schemeClr val="tx2"/>
+                </a:solidFill>
+                <a:latin typeface="Consolas" panose="020B0609020204030204" pitchFamily="49" charset="0"/>
+              </a:rPr>
+              <a:t>Number</a:t>
+            </a:r>
+            <a:r>
+              <a:rPr lang="id-ID" dirty="0">
+                <a:solidFill>
+                  <a:schemeClr val="tx2"/>
+                </a:solidFill>
+                <a:latin typeface="Consolas" panose="020B0609020204030204" pitchFamily="49" charset="0"/>
+              </a:rPr>
+              <a:t> </a:t>
+            </a:r>
+            <a:r>
+              <a:rPr lang="id-ID" dirty="0" err="1">
+                <a:solidFill>
+                  <a:schemeClr val="tx2"/>
+                </a:solidFill>
+                <a:latin typeface="Consolas" panose="020B0609020204030204" pitchFamily="49" charset="0"/>
+              </a:rPr>
+              <a:t>of</a:t>
+            </a:r>
+            <a:r>
+              <a:rPr lang="id-ID" dirty="0">
+                <a:solidFill>
+                  <a:schemeClr val="tx2"/>
+                </a:solidFill>
+                <a:latin typeface="Consolas" panose="020B0609020204030204" pitchFamily="49" charset="0"/>
+              </a:rPr>
+              <a:t> </a:t>
+            </a:r>
+            <a:r>
+              <a:rPr lang="id-ID" dirty="0" err="1">
+                <a:solidFill>
+                  <a:schemeClr val="tx2"/>
+                </a:solidFill>
+                <a:latin typeface="Consolas" panose="020B0609020204030204" pitchFamily="49" charset="0"/>
+              </a:rPr>
+              <a:t>rules</a:t>
+            </a:r>
+            <a:r>
+              <a:rPr lang="id-ID" dirty="0">
+                <a:solidFill>
+                  <a:schemeClr val="tx2"/>
+                </a:solidFill>
+                <a:latin typeface="Consolas" panose="020B0609020204030204" pitchFamily="49" charset="0"/>
+              </a:rPr>
+              <a:t> </a:t>
+            </a:r>
+            <a:r>
+              <a:rPr lang="id-ID" dirty="0" err="1">
+                <a:solidFill>
+                  <a:schemeClr val="tx2"/>
+                </a:solidFill>
+                <a:latin typeface="Consolas" panose="020B0609020204030204" pitchFamily="49" charset="0"/>
+              </a:rPr>
+              <a:t>created</a:t>
+            </a:r>
+            <a:r>
+              <a:rPr lang="id-ID" dirty="0">
+                <a:solidFill>
+                  <a:schemeClr val="tx2"/>
+                </a:solidFill>
+                <a:latin typeface="Consolas" panose="020B0609020204030204" pitchFamily="49" charset="0"/>
+              </a:rPr>
+              <a:t>: 9</a:t>
+            </a:r>
+            <a:endParaRPr lang="en-US" dirty="0">
+              <a:solidFill>
+                <a:schemeClr val="tx2"/>
+              </a:solidFill>
+              <a:latin typeface="Consolas" panose="020B0609020204030204" pitchFamily="49" charset="0"/>
+            </a:endParaRPr>
+          </a:p>
+          <a:p>
+            <a:r>
+              <a:rPr lang="id-ID" dirty="0" err="1">
+                <a:solidFill>
+                  <a:schemeClr val="tx2"/>
+                </a:solidFill>
+                <a:latin typeface="Consolas" panose="020B0609020204030204" pitchFamily="49" charset="0"/>
+              </a:rPr>
+              <a:t>Number</a:t>
+            </a:r>
+            <a:r>
+              <a:rPr lang="id-ID" dirty="0">
+                <a:solidFill>
+                  <a:schemeClr val="tx2"/>
+                </a:solidFill>
+                <a:latin typeface="Consolas" panose="020B0609020204030204" pitchFamily="49" charset="0"/>
+              </a:rPr>
+              <a:t> </a:t>
+            </a:r>
+            <a:r>
+              <a:rPr lang="id-ID" dirty="0" err="1">
+                <a:solidFill>
+                  <a:schemeClr val="tx2"/>
+                </a:solidFill>
+                <a:latin typeface="Consolas" panose="020B0609020204030204" pitchFamily="49" charset="0"/>
+              </a:rPr>
+              <a:t>of</a:t>
+            </a:r>
+            <a:r>
+              <a:rPr lang="id-ID" dirty="0">
+                <a:solidFill>
+                  <a:schemeClr val="tx2"/>
+                </a:solidFill>
+                <a:latin typeface="Consolas" panose="020B0609020204030204" pitchFamily="49" charset="0"/>
+              </a:rPr>
+              <a:t> </a:t>
+            </a:r>
+            <a:r>
+              <a:rPr lang="id-ID" dirty="0" err="1">
+                <a:solidFill>
+                  <a:schemeClr val="tx2"/>
+                </a:solidFill>
+                <a:latin typeface="Consolas" panose="020B0609020204030204" pitchFamily="49" charset="0"/>
+              </a:rPr>
+              <a:t>rules</a:t>
+            </a:r>
+            <a:r>
+              <a:rPr lang="id-ID" dirty="0">
+                <a:solidFill>
+                  <a:schemeClr val="tx2"/>
+                </a:solidFill>
+                <a:latin typeface="Consolas" panose="020B0609020204030204" pitchFamily="49" charset="0"/>
+              </a:rPr>
+              <a:t> </a:t>
+            </a:r>
+            <a:r>
+              <a:rPr lang="id-ID" dirty="0" err="1">
+                <a:solidFill>
+                  <a:schemeClr val="tx2"/>
+                </a:solidFill>
+                <a:latin typeface="Consolas" panose="020B0609020204030204" pitchFamily="49" charset="0"/>
+              </a:rPr>
+              <a:t>replaced</a:t>
+            </a:r>
+            <a:r>
+              <a:rPr lang="id-ID" dirty="0">
+                <a:solidFill>
+                  <a:schemeClr val="tx2"/>
+                </a:solidFill>
+                <a:latin typeface="Consolas" panose="020B0609020204030204" pitchFamily="49" charset="0"/>
+              </a:rPr>
+              <a:t>: 0 </a:t>
+            </a:r>
+            <a:endParaRPr lang="en-US" dirty="0">
+              <a:solidFill>
+                <a:schemeClr val="tx2"/>
+              </a:solidFill>
+              <a:latin typeface="Consolas" panose="020B0609020204030204" pitchFamily="49" charset="0"/>
+            </a:endParaRPr>
+          </a:p>
+          <a:p>
+            <a:r>
+              <a:rPr lang="id-ID" dirty="0" err="1">
+                <a:solidFill>
+                  <a:schemeClr val="tx2"/>
+                </a:solidFill>
+                <a:latin typeface="Consolas" panose="020B0609020204030204" pitchFamily="49" charset="0"/>
+              </a:rPr>
+              <a:t>Samples</a:t>
+            </a:r>
+            <a:r>
+              <a:rPr lang="id-ID" dirty="0">
+                <a:solidFill>
+                  <a:schemeClr val="tx2"/>
+                </a:solidFill>
+                <a:latin typeface="Consolas" panose="020B0609020204030204" pitchFamily="49" charset="0"/>
+              </a:rPr>
+              <a:t> </a:t>
+            </a:r>
+            <a:r>
+              <a:rPr lang="id-ID" dirty="0" err="1">
+                <a:solidFill>
+                  <a:schemeClr val="tx2"/>
+                </a:solidFill>
+                <a:latin typeface="Consolas" panose="020B0609020204030204" pitchFamily="49" charset="0"/>
+              </a:rPr>
+              <a:t>that</a:t>
+            </a:r>
+            <a:r>
+              <a:rPr lang="id-ID" dirty="0">
+                <a:solidFill>
+                  <a:schemeClr val="tx2"/>
+                </a:solidFill>
+                <a:latin typeface="Consolas" panose="020B0609020204030204" pitchFamily="49" charset="0"/>
+              </a:rPr>
+              <a:t> </a:t>
+            </a:r>
+            <a:r>
+              <a:rPr lang="id-ID" dirty="0" err="1">
+                <a:solidFill>
+                  <a:schemeClr val="tx2"/>
+                </a:solidFill>
+                <a:latin typeface="Consolas" panose="020B0609020204030204" pitchFamily="49" charset="0"/>
+              </a:rPr>
+              <a:t>originate</a:t>
+            </a:r>
+            <a:r>
+              <a:rPr lang="id-ID" dirty="0">
+                <a:solidFill>
+                  <a:schemeClr val="tx2"/>
+                </a:solidFill>
+                <a:latin typeface="Consolas" panose="020B0609020204030204" pitchFamily="49" charset="0"/>
+              </a:rPr>
+              <a:t> </a:t>
+            </a:r>
+            <a:r>
+              <a:rPr lang="id-ID" dirty="0" err="1">
+                <a:solidFill>
+                  <a:schemeClr val="tx2"/>
+                </a:solidFill>
+                <a:latin typeface="Consolas" panose="020B0609020204030204" pitchFamily="49" charset="0"/>
+              </a:rPr>
+              <a:t>new</a:t>
+            </a:r>
+            <a:r>
+              <a:rPr lang="id-ID" dirty="0">
+                <a:solidFill>
+                  <a:schemeClr val="tx2"/>
+                </a:solidFill>
+                <a:latin typeface="Consolas" panose="020B0609020204030204" pitchFamily="49" charset="0"/>
+              </a:rPr>
+              <a:t> </a:t>
+            </a:r>
+            <a:r>
+              <a:rPr lang="id-ID" dirty="0" err="1">
+                <a:solidFill>
+                  <a:schemeClr val="tx2"/>
+                </a:solidFill>
+                <a:latin typeface="Consolas" panose="020B0609020204030204" pitchFamily="49" charset="0"/>
+              </a:rPr>
+              <a:t>rules</a:t>
+            </a:r>
+            <a:r>
+              <a:rPr lang="id-ID" dirty="0">
+                <a:solidFill>
+                  <a:schemeClr val="tx2"/>
+                </a:solidFill>
+                <a:latin typeface="Consolas" panose="020B0609020204030204" pitchFamily="49" charset="0"/>
+              </a:rPr>
+              <a:t>: 1  2  3  4  5  8  21  29  58  </a:t>
+            </a:r>
+            <a:endParaRPr lang="en-US" dirty="0">
+              <a:solidFill>
+                <a:schemeClr val="tx2"/>
+              </a:solidFill>
+              <a:latin typeface="Consolas" panose="020B0609020204030204" pitchFamily="49" charset="0"/>
+            </a:endParaRPr>
+          </a:p>
+          <a:p>
+            <a:r>
+              <a:rPr lang="id-ID" dirty="0" err="1">
+                <a:solidFill>
+                  <a:schemeClr val="tx2"/>
+                </a:solidFill>
+                <a:latin typeface="Consolas" panose="020B0609020204030204" pitchFamily="49" charset="0"/>
+              </a:rPr>
+              <a:t>Rules</a:t>
+            </a:r>
+            <a:r>
+              <a:rPr lang="id-ID" dirty="0">
+                <a:solidFill>
+                  <a:schemeClr val="tx2"/>
+                </a:solidFill>
+                <a:latin typeface="Consolas" panose="020B0609020204030204" pitchFamily="49" charset="0"/>
+              </a:rPr>
+              <a:t> </a:t>
+            </a:r>
+            <a:r>
+              <a:rPr lang="id-ID" dirty="0" err="1">
+                <a:solidFill>
+                  <a:schemeClr val="tx2"/>
+                </a:solidFill>
+                <a:latin typeface="Consolas" panose="020B0609020204030204" pitchFamily="49" charset="0"/>
+              </a:rPr>
+              <a:t>created</a:t>
+            </a:r>
+            <a:r>
+              <a:rPr lang="id-ID" dirty="0">
+                <a:solidFill>
+                  <a:schemeClr val="tx2"/>
+                </a:solidFill>
+                <a:latin typeface="Consolas" panose="020B0609020204030204" pitchFamily="49" charset="0"/>
+              </a:rPr>
+              <a:t> </a:t>
+            </a:r>
+            <a:r>
+              <a:rPr lang="id-ID" dirty="0" err="1">
+                <a:solidFill>
+                  <a:schemeClr val="tx2"/>
+                </a:solidFill>
+                <a:latin typeface="Consolas" panose="020B0609020204030204" pitchFamily="49" charset="0"/>
+              </a:rPr>
+              <a:t>with</a:t>
+            </a:r>
+            <a:r>
+              <a:rPr lang="id-ID" dirty="0">
+                <a:solidFill>
+                  <a:schemeClr val="tx2"/>
+                </a:solidFill>
+                <a:latin typeface="Consolas" panose="020B0609020204030204" pitchFamily="49" charset="0"/>
+              </a:rPr>
+              <a:t> </a:t>
+            </a:r>
+            <a:r>
+              <a:rPr lang="id-ID" dirty="0" err="1">
+                <a:solidFill>
+                  <a:schemeClr val="tx2"/>
+                </a:solidFill>
+                <a:latin typeface="Consolas" panose="020B0609020204030204" pitchFamily="49" charset="0"/>
+              </a:rPr>
+              <a:t>Potential</a:t>
+            </a:r>
+            <a:r>
+              <a:rPr lang="id-ID" dirty="0">
+                <a:solidFill>
+                  <a:schemeClr val="tx2"/>
+                </a:solidFill>
+                <a:latin typeface="Consolas" panose="020B0609020204030204" pitchFamily="49" charset="0"/>
+              </a:rPr>
+              <a:t>(k)&lt;</a:t>
+            </a:r>
+            <a:r>
+              <a:rPr lang="id-ID" dirty="0" err="1">
+                <a:solidFill>
+                  <a:schemeClr val="tx2"/>
+                </a:solidFill>
+                <a:latin typeface="Consolas" panose="020B0609020204030204" pitchFamily="49" charset="0"/>
+              </a:rPr>
+              <a:t>Potential_Min</a:t>
+            </a:r>
+            <a:r>
+              <a:rPr lang="id-ID" dirty="0">
+                <a:solidFill>
+                  <a:schemeClr val="tx2"/>
+                </a:solidFill>
+                <a:latin typeface="Consolas" panose="020B0609020204030204" pitchFamily="49" charset="0"/>
+              </a:rPr>
+              <a:t>(k): 1 </a:t>
+            </a:r>
+            <a:endParaRPr lang="en-US" dirty="0">
+              <a:solidFill>
+                <a:schemeClr val="tx2"/>
+              </a:solidFill>
+              <a:latin typeface="Consolas" panose="020B0609020204030204" pitchFamily="49" charset="0"/>
+            </a:endParaRPr>
+          </a:p>
+          <a:p>
+            <a:r>
+              <a:rPr lang="id-ID" dirty="0" err="1">
+                <a:solidFill>
+                  <a:schemeClr val="tx2"/>
+                </a:solidFill>
+                <a:latin typeface="Consolas" panose="020B0609020204030204" pitchFamily="49" charset="0"/>
+              </a:rPr>
+              <a:t>Rules</a:t>
+            </a:r>
+            <a:r>
+              <a:rPr lang="id-ID" dirty="0">
+                <a:solidFill>
+                  <a:schemeClr val="tx2"/>
+                </a:solidFill>
+                <a:latin typeface="Consolas" panose="020B0609020204030204" pitchFamily="49" charset="0"/>
+              </a:rPr>
+              <a:t> </a:t>
+            </a:r>
+            <a:r>
+              <a:rPr lang="id-ID" dirty="0" err="1">
+                <a:solidFill>
+                  <a:schemeClr val="tx2"/>
+                </a:solidFill>
+                <a:latin typeface="Consolas" panose="020B0609020204030204" pitchFamily="49" charset="0"/>
+              </a:rPr>
+              <a:t>created</a:t>
+            </a:r>
+            <a:r>
+              <a:rPr lang="id-ID" dirty="0">
+                <a:solidFill>
+                  <a:schemeClr val="tx2"/>
+                </a:solidFill>
+                <a:latin typeface="Consolas" panose="020B0609020204030204" pitchFamily="49" charset="0"/>
+              </a:rPr>
+              <a:t> </a:t>
+            </a:r>
+            <a:r>
+              <a:rPr lang="id-ID" dirty="0" err="1">
+                <a:solidFill>
+                  <a:schemeClr val="tx2"/>
+                </a:solidFill>
+                <a:latin typeface="Consolas" panose="020B0609020204030204" pitchFamily="49" charset="0"/>
+              </a:rPr>
+              <a:t>with</a:t>
+            </a:r>
+            <a:r>
+              <a:rPr lang="id-ID" dirty="0">
+                <a:solidFill>
+                  <a:schemeClr val="tx2"/>
+                </a:solidFill>
+                <a:latin typeface="Consolas" panose="020B0609020204030204" pitchFamily="49" charset="0"/>
+              </a:rPr>
+              <a:t> </a:t>
+            </a:r>
+            <a:r>
+              <a:rPr lang="id-ID" dirty="0" err="1">
+                <a:solidFill>
+                  <a:schemeClr val="tx2"/>
+                </a:solidFill>
+                <a:latin typeface="Consolas" panose="020B0609020204030204" pitchFamily="49" charset="0"/>
+              </a:rPr>
+              <a:t>Potential</a:t>
+            </a:r>
+            <a:r>
+              <a:rPr lang="id-ID" dirty="0">
+                <a:solidFill>
+                  <a:schemeClr val="tx2"/>
+                </a:solidFill>
+                <a:latin typeface="Consolas" panose="020B0609020204030204" pitchFamily="49" charset="0"/>
+              </a:rPr>
+              <a:t>(k)&gt;</a:t>
+            </a:r>
+            <a:r>
+              <a:rPr lang="id-ID" dirty="0" err="1">
+                <a:solidFill>
+                  <a:schemeClr val="tx2"/>
+                </a:solidFill>
+                <a:latin typeface="Consolas" panose="020B0609020204030204" pitchFamily="49" charset="0"/>
+              </a:rPr>
+              <a:t>Potential_Ref</a:t>
+            </a:r>
+            <a:r>
+              <a:rPr lang="id-ID" dirty="0">
+                <a:solidFill>
+                  <a:schemeClr val="tx2"/>
+                </a:solidFill>
+                <a:latin typeface="Consolas" panose="020B0609020204030204" pitchFamily="49" charset="0"/>
+              </a:rPr>
+              <a:t>(k): 7 </a:t>
+            </a:r>
+            <a:endParaRPr lang="en-US" dirty="0">
+              <a:solidFill>
+                <a:schemeClr val="tx2"/>
+              </a:solidFill>
+              <a:latin typeface="Consolas" panose="020B0609020204030204" pitchFamily="49" charset="0"/>
+            </a:endParaRPr>
+          </a:p>
+          <a:p>
+            <a:r>
+              <a:rPr lang="id-ID" dirty="0" err="1">
+                <a:solidFill>
+                  <a:schemeClr val="tx2"/>
+                </a:solidFill>
+                <a:latin typeface="Consolas" panose="020B0609020204030204" pitchFamily="49" charset="0"/>
+              </a:rPr>
+              <a:t>Samples</a:t>
+            </a:r>
+            <a:r>
+              <a:rPr lang="id-ID" dirty="0">
+                <a:solidFill>
+                  <a:schemeClr val="tx2"/>
+                </a:solidFill>
+                <a:latin typeface="Consolas" panose="020B0609020204030204" pitchFamily="49" charset="0"/>
+              </a:rPr>
+              <a:t> </a:t>
+            </a:r>
+            <a:r>
+              <a:rPr lang="id-ID" dirty="0" err="1">
+                <a:solidFill>
+                  <a:schemeClr val="tx2"/>
+                </a:solidFill>
+                <a:latin typeface="Consolas" panose="020B0609020204030204" pitchFamily="49" charset="0"/>
+              </a:rPr>
+              <a:t>that</a:t>
+            </a:r>
+            <a:r>
+              <a:rPr lang="id-ID" dirty="0">
+                <a:solidFill>
+                  <a:schemeClr val="tx2"/>
+                </a:solidFill>
+                <a:latin typeface="Consolas" panose="020B0609020204030204" pitchFamily="49" charset="0"/>
+              </a:rPr>
+              <a:t> </a:t>
+            </a:r>
+            <a:r>
+              <a:rPr lang="id-ID" dirty="0" err="1">
+                <a:solidFill>
+                  <a:schemeClr val="tx2"/>
+                </a:solidFill>
+                <a:latin typeface="Consolas" panose="020B0609020204030204" pitchFamily="49" charset="0"/>
+              </a:rPr>
+              <a:t>originate</a:t>
+            </a:r>
+            <a:r>
+              <a:rPr lang="id-ID" dirty="0">
+                <a:solidFill>
+                  <a:schemeClr val="tx2"/>
+                </a:solidFill>
+                <a:latin typeface="Consolas" panose="020B0609020204030204" pitchFamily="49" charset="0"/>
+              </a:rPr>
+              <a:t> </a:t>
+            </a:r>
+            <a:r>
+              <a:rPr lang="id-ID" dirty="0" err="1">
+                <a:solidFill>
+                  <a:schemeClr val="tx2"/>
+                </a:solidFill>
+                <a:latin typeface="Consolas" panose="020B0609020204030204" pitchFamily="49" charset="0"/>
+              </a:rPr>
+              <a:t>the</a:t>
+            </a:r>
+            <a:r>
+              <a:rPr lang="id-ID" dirty="0">
+                <a:solidFill>
+                  <a:schemeClr val="tx2"/>
+                </a:solidFill>
+                <a:latin typeface="Consolas" panose="020B0609020204030204" pitchFamily="49" charset="0"/>
+              </a:rPr>
+              <a:t> </a:t>
+            </a:r>
+            <a:r>
+              <a:rPr lang="id-ID" dirty="0" err="1">
+                <a:solidFill>
+                  <a:schemeClr val="tx2"/>
+                </a:solidFill>
+                <a:latin typeface="Consolas" panose="020B0609020204030204" pitchFamily="49" charset="0"/>
+              </a:rPr>
+              <a:t>replacement</a:t>
+            </a:r>
+            <a:r>
+              <a:rPr lang="id-ID" dirty="0">
+                <a:solidFill>
+                  <a:schemeClr val="tx2"/>
+                </a:solidFill>
+                <a:latin typeface="Consolas" panose="020B0609020204030204" pitchFamily="49" charset="0"/>
+              </a:rPr>
+              <a:t> </a:t>
+            </a:r>
+            <a:r>
+              <a:rPr lang="id-ID" dirty="0" err="1">
+                <a:solidFill>
+                  <a:schemeClr val="tx2"/>
+                </a:solidFill>
+                <a:latin typeface="Consolas" panose="020B0609020204030204" pitchFamily="49" charset="0"/>
+              </a:rPr>
+              <a:t>of</a:t>
+            </a:r>
+            <a:r>
+              <a:rPr lang="id-ID" dirty="0">
+                <a:solidFill>
+                  <a:schemeClr val="tx2"/>
+                </a:solidFill>
+                <a:latin typeface="Consolas" panose="020B0609020204030204" pitchFamily="49" charset="0"/>
+              </a:rPr>
+              <a:t> </a:t>
+            </a:r>
+            <a:r>
+              <a:rPr lang="id-ID" dirty="0" err="1">
+                <a:solidFill>
+                  <a:schemeClr val="tx2"/>
+                </a:solidFill>
+                <a:latin typeface="Consolas" panose="020B0609020204030204" pitchFamily="49" charset="0"/>
+              </a:rPr>
+              <a:t>rules</a:t>
+            </a:r>
+            <a:r>
+              <a:rPr lang="id-ID" dirty="0">
+                <a:solidFill>
+                  <a:schemeClr val="tx2"/>
+                </a:solidFill>
+                <a:latin typeface="Consolas" panose="020B0609020204030204" pitchFamily="49" charset="0"/>
+              </a:rPr>
+              <a:t>:   </a:t>
+            </a:r>
+            <a:endParaRPr lang="en-US" dirty="0">
+              <a:solidFill>
+                <a:schemeClr val="tx2"/>
+              </a:solidFill>
+              <a:latin typeface="Consolas" panose="020B0609020204030204" pitchFamily="49" charset="0"/>
+            </a:endParaRPr>
+          </a:p>
+          <a:p>
+            <a:r>
+              <a:rPr lang="id-ID" dirty="0" err="1">
+                <a:solidFill>
+                  <a:schemeClr val="tx2"/>
+                </a:solidFill>
+                <a:latin typeface="Consolas" panose="020B0609020204030204" pitchFamily="49" charset="0"/>
+              </a:rPr>
+              <a:t>Samples</a:t>
+            </a:r>
+            <a:r>
+              <a:rPr lang="id-ID" dirty="0">
+                <a:solidFill>
+                  <a:schemeClr val="tx2"/>
+                </a:solidFill>
+                <a:latin typeface="Consolas" panose="020B0609020204030204" pitchFamily="49" charset="0"/>
+              </a:rPr>
+              <a:t> </a:t>
+            </a:r>
+            <a:r>
+              <a:rPr lang="id-ID" dirty="0" err="1">
+                <a:solidFill>
+                  <a:schemeClr val="tx2"/>
+                </a:solidFill>
+                <a:latin typeface="Consolas" panose="020B0609020204030204" pitchFamily="49" charset="0"/>
+              </a:rPr>
+              <a:t>that</a:t>
+            </a:r>
+            <a:r>
+              <a:rPr lang="id-ID" dirty="0">
+                <a:solidFill>
+                  <a:schemeClr val="tx2"/>
+                </a:solidFill>
+                <a:latin typeface="Consolas" panose="020B0609020204030204" pitchFamily="49" charset="0"/>
+              </a:rPr>
+              <a:t> </a:t>
+            </a:r>
+            <a:r>
+              <a:rPr lang="id-ID" dirty="0" err="1">
+                <a:solidFill>
+                  <a:schemeClr val="tx2"/>
+                </a:solidFill>
+                <a:latin typeface="Consolas" panose="020B0609020204030204" pitchFamily="49" charset="0"/>
+              </a:rPr>
+              <a:t>originate</a:t>
+            </a:r>
+            <a:r>
+              <a:rPr lang="id-ID" dirty="0">
+                <a:solidFill>
+                  <a:schemeClr val="tx2"/>
+                </a:solidFill>
+                <a:latin typeface="Consolas" panose="020B0609020204030204" pitchFamily="49" charset="0"/>
+              </a:rPr>
+              <a:t> </a:t>
+            </a:r>
+            <a:r>
+              <a:rPr lang="id-ID" dirty="0" err="1">
+                <a:solidFill>
+                  <a:schemeClr val="tx2"/>
+                </a:solidFill>
+                <a:latin typeface="Consolas" panose="020B0609020204030204" pitchFamily="49" charset="0"/>
+              </a:rPr>
+              <a:t>the</a:t>
+            </a:r>
+            <a:r>
+              <a:rPr lang="id-ID" dirty="0">
+                <a:solidFill>
+                  <a:schemeClr val="tx2"/>
+                </a:solidFill>
+                <a:latin typeface="Consolas" panose="020B0609020204030204" pitchFamily="49" charset="0"/>
+              </a:rPr>
+              <a:t> </a:t>
+            </a:r>
+            <a:r>
+              <a:rPr lang="id-ID" dirty="0" err="1">
+                <a:solidFill>
+                  <a:schemeClr val="tx2"/>
+                </a:solidFill>
+                <a:latin typeface="Consolas" panose="020B0609020204030204" pitchFamily="49" charset="0"/>
+              </a:rPr>
+              <a:t>elimination</a:t>
+            </a:r>
+            <a:r>
+              <a:rPr lang="id-ID" dirty="0">
+                <a:solidFill>
+                  <a:schemeClr val="tx2"/>
+                </a:solidFill>
+                <a:latin typeface="Consolas" panose="020B0609020204030204" pitchFamily="49" charset="0"/>
+              </a:rPr>
+              <a:t> </a:t>
+            </a:r>
+            <a:r>
+              <a:rPr lang="id-ID" dirty="0" err="1">
+                <a:solidFill>
+                  <a:schemeClr val="tx2"/>
+                </a:solidFill>
+                <a:latin typeface="Consolas" panose="020B0609020204030204" pitchFamily="49" charset="0"/>
+              </a:rPr>
+              <a:t>of</a:t>
+            </a:r>
+            <a:r>
+              <a:rPr lang="id-ID" dirty="0">
+                <a:solidFill>
+                  <a:schemeClr val="tx2"/>
+                </a:solidFill>
+                <a:latin typeface="Consolas" panose="020B0609020204030204" pitchFamily="49" charset="0"/>
+              </a:rPr>
+              <a:t> </a:t>
+            </a:r>
+            <a:r>
+              <a:rPr lang="id-ID" dirty="0" err="1">
+                <a:solidFill>
+                  <a:schemeClr val="tx2"/>
+                </a:solidFill>
+                <a:latin typeface="Consolas" panose="020B0609020204030204" pitchFamily="49" charset="0"/>
+              </a:rPr>
+              <a:t>rules</a:t>
+            </a:r>
+            <a:r>
+              <a:rPr lang="id-ID" dirty="0">
+                <a:solidFill>
+                  <a:schemeClr val="tx2"/>
+                </a:solidFill>
+                <a:latin typeface="Consolas" panose="020B0609020204030204" pitchFamily="49" charset="0"/>
+              </a:rPr>
+              <a:t>:   </a:t>
+            </a:r>
+            <a:endParaRPr lang="en-US" dirty="0">
+              <a:solidFill>
+                <a:schemeClr val="tx2"/>
+              </a:solidFill>
+              <a:latin typeface="Consolas" panose="020B0609020204030204" pitchFamily="49" charset="0"/>
+            </a:endParaRPr>
+          </a:p>
+          <a:p>
+            <a:r>
+              <a:rPr lang="id-ID" dirty="0" err="1">
+                <a:solidFill>
+                  <a:schemeClr val="tx2"/>
+                </a:solidFill>
+                <a:latin typeface="Consolas" panose="020B0609020204030204" pitchFamily="49" charset="0"/>
+              </a:rPr>
+              <a:t>Membership</a:t>
+            </a:r>
+            <a:r>
+              <a:rPr lang="id-ID" dirty="0">
+                <a:solidFill>
+                  <a:schemeClr val="tx2"/>
+                </a:solidFill>
+                <a:latin typeface="Consolas" panose="020B0609020204030204" pitchFamily="49" charset="0"/>
+              </a:rPr>
+              <a:t> </a:t>
+            </a:r>
+            <a:r>
+              <a:rPr lang="id-ID" dirty="0" err="1">
+                <a:solidFill>
+                  <a:schemeClr val="tx2"/>
+                </a:solidFill>
+                <a:latin typeface="Consolas" panose="020B0609020204030204" pitchFamily="49" charset="0"/>
+              </a:rPr>
+              <a:t>Function</a:t>
+            </a:r>
+            <a:r>
+              <a:rPr lang="id-ID" dirty="0">
+                <a:solidFill>
+                  <a:schemeClr val="tx2"/>
+                </a:solidFill>
+                <a:latin typeface="Consolas" panose="020B0609020204030204" pitchFamily="49" charset="0"/>
+              </a:rPr>
+              <a:t> </a:t>
+            </a:r>
+            <a:r>
+              <a:rPr lang="id-ID" dirty="0" err="1">
+                <a:solidFill>
+                  <a:schemeClr val="tx2"/>
+                </a:solidFill>
+                <a:latin typeface="Consolas" panose="020B0609020204030204" pitchFamily="49" charset="0"/>
+              </a:rPr>
+              <a:t>Simplification</a:t>
+            </a:r>
+            <a:endParaRPr lang="en-US" dirty="0">
+              <a:solidFill>
+                <a:schemeClr val="tx2"/>
+              </a:solidFill>
+              <a:latin typeface="Consolas" panose="020B0609020204030204" pitchFamily="49" charset="0"/>
+            </a:endParaRPr>
+          </a:p>
+          <a:p>
+            <a:r>
+              <a:rPr lang="id-ID" dirty="0" err="1">
+                <a:solidFill>
+                  <a:schemeClr val="tx2"/>
+                </a:solidFill>
+                <a:latin typeface="Consolas" panose="020B0609020204030204" pitchFamily="49" charset="0"/>
+              </a:rPr>
+              <a:t>Number</a:t>
+            </a:r>
+            <a:r>
+              <a:rPr lang="id-ID" dirty="0">
+                <a:solidFill>
+                  <a:schemeClr val="tx2"/>
+                </a:solidFill>
+                <a:latin typeface="Consolas" panose="020B0609020204030204" pitchFamily="49" charset="0"/>
+              </a:rPr>
+              <a:t> </a:t>
+            </a:r>
+            <a:r>
+              <a:rPr lang="id-ID" dirty="0" err="1">
+                <a:solidFill>
+                  <a:schemeClr val="tx2"/>
+                </a:solidFill>
+                <a:latin typeface="Consolas" panose="020B0609020204030204" pitchFamily="49" charset="0"/>
+              </a:rPr>
+              <a:t>of</a:t>
+            </a:r>
+            <a:r>
+              <a:rPr lang="id-ID" dirty="0">
+                <a:solidFill>
+                  <a:schemeClr val="tx2"/>
+                </a:solidFill>
+                <a:latin typeface="Consolas" panose="020B0609020204030204" pitchFamily="49" charset="0"/>
+              </a:rPr>
+              <a:t> </a:t>
+            </a:r>
+            <a:r>
+              <a:rPr lang="id-ID" dirty="0" err="1">
+                <a:solidFill>
+                  <a:schemeClr val="tx2"/>
+                </a:solidFill>
+                <a:latin typeface="Consolas" panose="020B0609020204030204" pitchFamily="49" charset="0"/>
+              </a:rPr>
+              <a:t>modified</a:t>
+            </a:r>
+            <a:r>
+              <a:rPr lang="id-ID" dirty="0">
+                <a:solidFill>
+                  <a:schemeClr val="tx2"/>
+                </a:solidFill>
+                <a:latin typeface="Consolas" panose="020B0609020204030204" pitchFamily="49" charset="0"/>
+              </a:rPr>
+              <a:t> </a:t>
+            </a:r>
+            <a:r>
+              <a:rPr lang="id-ID" dirty="0" err="1">
+                <a:solidFill>
+                  <a:schemeClr val="tx2"/>
+                </a:solidFill>
+                <a:latin typeface="Consolas" panose="020B0609020204030204" pitchFamily="49" charset="0"/>
+              </a:rPr>
+              <a:t>rules</a:t>
+            </a:r>
+            <a:r>
+              <a:rPr lang="id-ID" dirty="0">
+                <a:solidFill>
+                  <a:schemeClr val="tx2"/>
+                </a:solidFill>
+                <a:latin typeface="Consolas" panose="020B0609020204030204" pitchFamily="49" charset="0"/>
+              </a:rPr>
+              <a:t> </a:t>
+            </a:r>
+            <a:r>
+              <a:rPr lang="id-ID" dirty="0" err="1">
+                <a:solidFill>
+                  <a:schemeClr val="tx2"/>
+                </a:solidFill>
+                <a:latin typeface="Consolas" panose="020B0609020204030204" pitchFamily="49" charset="0"/>
+              </a:rPr>
+              <a:t>that</a:t>
+            </a:r>
+            <a:r>
+              <a:rPr lang="id-ID" dirty="0">
+                <a:solidFill>
+                  <a:schemeClr val="tx2"/>
+                </a:solidFill>
+                <a:latin typeface="Consolas" panose="020B0609020204030204" pitchFamily="49" charset="0"/>
+              </a:rPr>
+              <a:t> </a:t>
+            </a:r>
+            <a:r>
+              <a:rPr lang="id-ID" dirty="0" err="1">
+                <a:solidFill>
+                  <a:schemeClr val="tx2"/>
+                </a:solidFill>
+                <a:latin typeface="Consolas" panose="020B0609020204030204" pitchFamily="49" charset="0"/>
+              </a:rPr>
+              <a:t>originate</a:t>
+            </a:r>
+            <a:r>
+              <a:rPr lang="id-ID" dirty="0">
+                <a:solidFill>
+                  <a:schemeClr val="tx2"/>
+                </a:solidFill>
+                <a:latin typeface="Consolas" panose="020B0609020204030204" pitchFamily="49" charset="0"/>
+              </a:rPr>
+              <a:t> </a:t>
+            </a:r>
+            <a:r>
+              <a:rPr lang="id-ID" dirty="0" err="1">
+                <a:solidFill>
+                  <a:schemeClr val="tx2"/>
+                </a:solidFill>
+                <a:latin typeface="Consolas" panose="020B0609020204030204" pitchFamily="49" charset="0"/>
+              </a:rPr>
+              <a:t>mf</a:t>
+            </a:r>
+            <a:r>
+              <a:rPr lang="id-ID" dirty="0">
+                <a:solidFill>
+                  <a:schemeClr val="tx2"/>
+                </a:solidFill>
+                <a:latin typeface="Consolas" panose="020B0609020204030204" pitchFamily="49" charset="0"/>
+              </a:rPr>
+              <a:t> </a:t>
+            </a:r>
+            <a:r>
+              <a:rPr lang="id-ID" dirty="0" err="1">
+                <a:solidFill>
+                  <a:schemeClr val="tx2"/>
+                </a:solidFill>
+                <a:latin typeface="Consolas" panose="020B0609020204030204" pitchFamily="49" charset="0"/>
+              </a:rPr>
+              <a:t>fusion</a:t>
+            </a:r>
+            <a:r>
+              <a:rPr lang="id-ID" dirty="0">
+                <a:solidFill>
+                  <a:schemeClr val="tx2"/>
+                </a:solidFill>
+                <a:latin typeface="Consolas" panose="020B0609020204030204" pitchFamily="49" charset="0"/>
+              </a:rPr>
+              <a:t>: 0 </a:t>
+            </a:r>
+            <a:endParaRPr lang="en-US" dirty="0">
+              <a:solidFill>
+                <a:schemeClr val="tx2"/>
+              </a:solidFill>
+              <a:latin typeface="Consolas" panose="020B0609020204030204" pitchFamily="49" charset="0"/>
+            </a:endParaRPr>
+          </a:p>
+          <a:p>
+            <a:r>
+              <a:rPr lang="id-ID" dirty="0" err="1">
+                <a:solidFill>
+                  <a:schemeClr val="tx2"/>
+                </a:solidFill>
+                <a:latin typeface="Consolas" panose="020B0609020204030204" pitchFamily="49" charset="0"/>
+              </a:rPr>
+              <a:t>Number</a:t>
+            </a:r>
+            <a:r>
+              <a:rPr lang="id-ID" dirty="0">
+                <a:solidFill>
+                  <a:schemeClr val="tx2"/>
+                </a:solidFill>
+                <a:latin typeface="Consolas" panose="020B0609020204030204" pitchFamily="49" charset="0"/>
+              </a:rPr>
+              <a:t> </a:t>
+            </a:r>
+            <a:r>
+              <a:rPr lang="id-ID" dirty="0" err="1">
+                <a:solidFill>
+                  <a:schemeClr val="tx2"/>
+                </a:solidFill>
+                <a:latin typeface="Consolas" panose="020B0609020204030204" pitchFamily="49" charset="0"/>
+              </a:rPr>
+              <a:t>of</a:t>
+            </a:r>
+            <a:r>
+              <a:rPr lang="id-ID" dirty="0">
+                <a:solidFill>
+                  <a:schemeClr val="tx2"/>
+                </a:solidFill>
+                <a:latin typeface="Consolas" panose="020B0609020204030204" pitchFamily="49" charset="0"/>
+              </a:rPr>
+              <a:t> </a:t>
+            </a:r>
+            <a:r>
+              <a:rPr lang="id-ID" dirty="0" err="1">
+                <a:solidFill>
+                  <a:schemeClr val="tx2"/>
+                </a:solidFill>
+                <a:latin typeface="Consolas" panose="020B0609020204030204" pitchFamily="49" charset="0"/>
+              </a:rPr>
+              <a:t>created</a:t>
+            </a:r>
+            <a:r>
+              <a:rPr lang="id-ID" dirty="0">
+                <a:solidFill>
+                  <a:schemeClr val="tx2"/>
+                </a:solidFill>
+                <a:latin typeface="Consolas" panose="020B0609020204030204" pitchFamily="49" charset="0"/>
+              </a:rPr>
+              <a:t> </a:t>
+            </a:r>
+            <a:r>
+              <a:rPr lang="id-ID" dirty="0" err="1">
+                <a:solidFill>
+                  <a:schemeClr val="tx2"/>
+                </a:solidFill>
+                <a:latin typeface="Consolas" panose="020B0609020204030204" pitchFamily="49" charset="0"/>
+              </a:rPr>
+              <a:t>rules</a:t>
+            </a:r>
+            <a:r>
+              <a:rPr lang="id-ID" dirty="0">
+                <a:solidFill>
+                  <a:schemeClr val="tx2"/>
+                </a:solidFill>
+                <a:latin typeface="Consolas" panose="020B0609020204030204" pitchFamily="49" charset="0"/>
+              </a:rPr>
+              <a:t> </a:t>
+            </a:r>
+            <a:r>
+              <a:rPr lang="id-ID" dirty="0" err="1">
+                <a:solidFill>
+                  <a:schemeClr val="tx2"/>
+                </a:solidFill>
+                <a:latin typeface="Consolas" panose="020B0609020204030204" pitchFamily="49" charset="0"/>
+              </a:rPr>
+              <a:t>that</a:t>
+            </a:r>
+            <a:r>
+              <a:rPr lang="id-ID" dirty="0">
+                <a:solidFill>
+                  <a:schemeClr val="tx2"/>
+                </a:solidFill>
+                <a:latin typeface="Consolas" panose="020B0609020204030204" pitchFamily="49" charset="0"/>
+              </a:rPr>
+              <a:t> </a:t>
+            </a:r>
+            <a:r>
+              <a:rPr lang="id-ID" dirty="0" err="1">
+                <a:solidFill>
+                  <a:schemeClr val="tx2"/>
+                </a:solidFill>
+                <a:latin typeface="Consolas" panose="020B0609020204030204" pitchFamily="49" charset="0"/>
+              </a:rPr>
+              <a:t>originate</a:t>
+            </a:r>
+            <a:r>
+              <a:rPr lang="id-ID" dirty="0">
+                <a:solidFill>
+                  <a:schemeClr val="tx2"/>
+                </a:solidFill>
+                <a:latin typeface="Consolas" panose="020B0609020204030204" pitchFamily="49" charset="0"/>
+              </a:rPr>
+              <a:t> </a:t>
+            </a:r>
+            <a:r>
+              <a:rPr lang="id-ID" dirty="0" err="1">
+                <a:solidFill>
+                  <a:schemeClr val="tx2"/>
+                </a:solidFill>
+                <a:latin typeface="Consolas" panose="020B0609020204030204" pitchFamily="49" charset="0"/>
+              </a:rPr>
+              <a:t>mf</a:t>
+            </a:r>
+            <a:r>
+              <a:rPr lang="id-ID" dirty="0">
+                <a:solidFill>
+                  <a:schemeClr val="tx2"/>
+                </a:solidFill>
+                <a:latin typeface="Consolas" panose="020B0609020204030204" pitchFamily="49" charset="0"/>
+              </a:rPr>
+              <a:t> </a:t>
+            </a:r>
+            <a:r>
+              <a:rPr lang="id-ID" dirty="0" err="1">
+                <a:solidFill>
+                  <a:schemeClr val="tx2"/>
+                </a:solidFill>
+                <a:latin typeface="Consolas" panose="020B0609020204030204" pitchFamily="49" charset="0"/>
+              </a:rPr>
+              <a:t>fusion</a:t>
+            </a:r>
+            <a:r>
+              <a:rPr lang="id-ID" dirty="0">
+                <a:solidFill>
+                  <a:schemeClr val="tx2"/>
+                </a:solidFill>
+                <a:latin typeface="Consolas" panose="020B0609020204030204" pitchFamily="49" charset="0"/>
+              </a:rPr>
+              <a:t>: 146 </a:t>
+            </a:r>
+            <a:endParaRPr lang="en-US" dirty="0">
+              <a:solidFill>
+                <a:schemeClr val="tx2"/>
+              </a:solidFill>
+              <a:latin typeface="Consolas" panose="020B0609020204030204" pitchFamily="49" charset="0"/>
+            </a:endParaRPr>
+          </a:p>
+          <a:p>
+            <a:r>
+              <a:rPr lang="id-ID" dirty="0" err="1">
+                <a:solidFill>
+                  <a:schemeClr val="tx2"/>
+                </a:solidFill>
+                <a:latin typeface="Consolas" panose="020B0609020204030204" pitchFamily="49" charset="0"/>
+              </a:rPr>
+              <a:t>Variance</a:t>
+            </a:r>
+            <a:r>
+              <a:rPr lang="id-ID" dirty="0">
+                <a:solidFill>
+                  <a:schemeClr val="tx2"/>
+                </a:solidFill>
+                <a:latin typeface="Consolas" panose="020B0609020204030204" pitchFamily="49" charset="0"/>
+              </a:rPr>
+              <a:t> </a:t>
+            </a:r>
+            <a:r>
+              <a:rPr lang="id-ID" dirty="0" err="1">
+                <a:solidFill>
+                  <a:schemeClr val="tx2"/>
+                </a:solidFill>
+                <a:latin typeface="Consolas" panose="020B0609020204030204" pitchFamily="49" charset="0"/>
+              </a:rPr>
+              <a:t>Accounted</a:t>
+            </a:r>
+            <a:r>
+              <a:rPr lang="id-ID" dirty="0">
+                <a:solidFill>
+                  <a:schemeClr val="tx2"/>
+                </a:solidFill>
+                <a:latin typeface="Consolas" panose="020B0609020204030204" pitchFamily="49" charset="0"/>
+              </a:rPr>
+              <a:t> For (VAF): -108.58 </a:t>
+            </a:r>
+            <a:endParaRPr lang="en-US" dirty="0">
+              <a:solidFill>
+                <a:schemeClr val="tx2"/>
+              </a:solidFill>
+              <a:latin typeface="Consolas" panose="020B0609020204030204" pitchFamily="49" charset="0"/>
+            </a:endParaRPr>
+          </a:p>
+          <a:p>
+            <a:r>
+              <a:rPr lang="id-ID" dirty="0">
+                <a:solidFill>
+                  <a:schemeClr val="tx2"/>
+                </a:solidFill>
+                <a:latin typeface="Consolas" panose="020B0609020204030204" pitchFamily="49" charset="0"/>
+              </a:rPr>
+              <a:t>Performance </a:t>
+            </a:r>
+            <a:r>
+              <a:rPr lang="id-ID" dirty="0" err="1">
+                <a:solidFill>
+                  <a:schemeClr val="tx2"/>
+                </a:solidFill>
+                <a:latin typeface="Consolas" panose="020B0609020204030204" pitchFamily="49" charset="0"/>
+              </a:rPr>
+              <a:t>Measures</a:t>
+            </a:r>
+            <a:r>
+              <a:rPr lang="id-ID" dirty="0">
+                <a:solidFill>
+                  <a:schemeClr val="tx2"/>
+                </a:solidFill>
+                <a:latin typeface="Consolas" panose="020B0609020204030204" pitchFamily="49" charset="0"/>
+              </a:rPr>
+              <a:t> </a:t>
+            </a:r>
+            <a:r>
+              <a:rPr lang="id-ID" dirty="0" err="1">
+                <a:solidFill>
+                  <a:schemeClr val="tx2"/>
+                </a:solidFill>
+                <a:latin typeface="Consolas" panose="020B0609020204030204" pitchFamily="49" charset="0"/>
+              </a:rPr>
+              <a:t>for</a:t>
+            </a:r>
+            <a:r>
+              <a:rPr lang="id-ID" dirty="0">
+                <a:solidFill>
+                  <a:schemeClr val="tx2"/>
+                </a:solidFill>
+                <a:latin typeface="Consolas" panose="020B0609020204030204" pitchFamily="49" charset="0"/>
+              </a:rPr>
+              <a:t> </a:t>
+            </a:r>
+            <a:r>
+              <a:rPr lang="id-ID" dirty="0" err="1">
+                <a:solidFill>
+                  <a:schemeClr val="tx2"/>
+                </a:solidFill>
+                <a:latin typeface="Consolas" panose="020B0609020204030204" pitchFamily="49" charset="0"/>
+              </a:rPr>
+              <a:t>Training</a:t>
+            </a:r>
+            <a:r>
+              <a:rPr lang="id-ID" dirty="0">
+                <a:solidFill>
+                  <a:schemeClr val="tx2"/>
+                </a:solidFill>
+                <a:latin typeface="Consolas" panose="020B0609020204030204" pitchFamily="49" charset="0"/>
+              </a:rPr>
+              <a:t>: MSE = 0.078085  RMSE = 0.27944  NDEI = 1.4838 </a:t>
+            </a:r>
+            <a:endParaRPr lang="en-US" dirty="0">
+              <a:solidFill>
+                <a:schemeClr val="tx2"/>
+              </a:solidFill>
+              <a:latin typeface="Consolas" panose="020B0609020204030204" pitchFamily="49" charset="0"/>
+            </a:endParaRPr>
+          </a:p>
+          <a:p>
+            <a:r>
+              <a:rPr lang="id-ID" dirty="0">
+                <a:solidFill>
+                  <a:schemeClr val="tx2"/>
+                </a:solidFill>
+                <a:latin typeface="Consolas" panose="020B0609020204030204" pitchFamily="49" charset="0"/>
+              </a:rPr>
+              <a:t>Performance </a:t>
+            </a:r>
+            <a:r>
+              <a:rPr lang="id-ID" dirty="0" err="1">
+                <a:solidFill>
+                  <a:schemeClr val="tx2"/>
+                </a:solidFill>
+                <a:latin typeface="Consolas" panose="020B0609020204030204" pitchFamily="49" charset="0"/>
+              </a:rPr>
+              <a:t>Measures</a:t>
+            </a:r>
+            <a:r>
+              <a:rPr lang="id-ID" dirty="0">
+                <a:solidFill>
+                  <a:schemeClr val="tx2"/>
+                </a:solidFill>
+                <a:latin typeface="Consolas" panose="020B0609020204030204" pitchFamily="49" charset="0"/>
+              </a:rPr>
+              <a:t> </a:t>
+            </a:r>
+            <a:r>
+              <a:rPr lang="id-ID" dirty="0" err="1">
+                <a:solidFill>
+                  <a:schemeClr val="tx2"/>
+                </a:solidFill>
+                <a:latin typeface="Consolas" panose="020B0609020204030204" pitchFamily="49" charset="0"/>
+              </a:rPr>
+              <a:t>for</a:t>
+            </a:r>
+            <a:r>
+              <a:rPr lang="id-ID" dirty="0">
+                <a:solidFill>
+                  <a:schemeClr val="tx2"/>
+                </a:solidFill>
+                <a:latin typeface="Consolas" panose="020B0609020204030204" pitchFamily="49" charset="0"/>
+              </a:rPr>
+              <a:t> </a:t>
+            </a:r>
+            <a:r>
+              <a:rPr lang="id-ID" dirty="0" err="1">
+                <a:solidFill>
+                  <a:schemeClr val="tx2"/>
+                </a:solidFill>
+                <a:latin typeface="Consolas" panose="020B0609020204030204" pitchFamily="49" charset="0"/>
+              </a:rPr>
+              <a:t>Validation</a:t>
+            </a:r>
+            <a:r>
+              <a:rPr lang="id-ID" dirty="0">
+                <a:solidFill>
+                  <a:schemeClr val="tx2"/>
+                </a:solidFill>
+                <a:latin typeface="Consolas" panose="020B0609020204030204" pitchFamily="49" charset="0"/>
+              </a:rPr>
+              <a:t>: MSE = 0.057722  RMSE = 0.24025  NDEI = 1.3388</a:t>
+            </a:r>
+            <a:endParaRPr lang="en-US" dirty="0">
+              <a:solidFill>
+                <a:schemeClr val="tx2"/>
+              </a:solidFill>
+              <a:latin typeface="Consolas" panose="020B0609020204030204" pitchFamily="49" charset="0"/>
+            </a:endParaRPr>
+          </a:p>
+        </p:txBody>
+      </p:sp>
+    </p:spTree>
+    <p:extLst>
+      <p:ext uri="{BB962C8B-B14F-4D97-AF65-F5344CB8AC3E}">
+        <p14:creationId xmlns:p14="http://schemas.microsoft.com/office/powerpoint/2010/main" val="3935027066"/>
+      </p:ext>
+    </p:extLst>
+  </p:cSld>
+  <p:clrMapOvr>
+    <a:masterClrMapping/>
+  </p:clrMapOvr>
+</p:sld>
+</file>
+
+<file path=ppt/slides/slide11.xml><?xml version="1.0" encoding="utf-8"?>
+<p:sld xmlns:a="http://schemas.openxmlformats.org/drawingml/2006/main" xmlns:r="http://schemas.openxmlformats.org/officeDocument/2006/relationships" xmlns:p="http://schemas.openxmlformats.org/presentationml/2006/main">
+  <p:cSld>
+    <p:spTree>
+      <p:nvGrpSpPr>
+        <p:cNvPr id="1" name=""/>
+        <p:cNvGrpSpPr/>
+        <p:nvPr/>
+      </p:nvGrpSpPr>
+      <p:grpSpPr>
+        <a:xfrm>
+          <a:off x="0" y="0"/>
+          <a:ext cx="0" cy="0"/>
+          <a:chOff x="0" y="0"/>
+          <a:chExt cx="0" cy="0"/>
+        </a:xfrm>
+      </p:grpSpPr>
+      <p:sp>
+        <p:nvSpPr>
+          <p:cNvPr id="42" name="Rectangle 41"/>
+          <p:cNvSpPr/>
+          <p:nvPr/>
+        </p:nvSpPr>
+        <p:spPr>
+          <a:xfrm>
+            <a:off x="1" y="0"/>
+            <a:ext cx="24377650" cy="13715998"/>
+          </a:xfrm>
+          <a:prstGeom prst="rect">
+            <a:avLst/>
+          </a:prstGeom>
+          <a:solidFill>
+            <a:schemeClr val="accent1"/>
+          </a:solidFill>
+          <a:ln>
+            <a:noFill/>
+          </a:ln>
+        </p:spPr>
+        <p:style>
+          <a:lnRef idx="2">
+            <a:schemeClr val="accent1">
+              <a:shade val="50000"/>
+            </a:schemeClr>
+          </a:lnRef>
+          <a:fillRef idx="1">
+            <a:schemeClr val="accent1"/>
+          </a:fillRef>
+          <a:effectRef idx="0">
+            <a:schemeClr val="accent1"/>
+          </a:effectRef>
+          <a:fontRef idx="minor">
+            <a:schemeClr val="lt1"/>
+          </a:fontRef>
+        </p:style>
+        <p:txBody>
+          <a:bodyPr rtlCol="0" anchor="ctr"/>
+          <a:lstStyle/>
+          <a:p>
+            <a:pPr marL="0" marR="0" lvl="0" indent="0" algn="ctr" defTabSz="1828434" rtl="0" eaLnBrk="1" fontAlgn="auto" latinLnBrk="0" hangingPunct="1">
+              <a:lnSpc>
+                <a:spcPct val="100000"/>
+              </a:lnSpc>
+              <a:spcBef>
+                <a:spcPts val="0"/>
+              </a:spcBef>
+              <a:spcAft>
+                <a:spcPts val="0"/>
+              </a:spcAft>
+              <a:buClrTx/>
+              <a:buSzTx/>
+              <a:buFontTx/>
+              <a:buNone/>
+              <a:tabLst/>
+              <a:defRPr/>
+            </a:pPr>
+            <a:endParaRPr kumimoji="0" lang="en-US" sz="3600" b="0" i="0" u="none" strike="noStrike" kern="1200" cap="none" spc="0" normalizeH="0" baseline="0" noProof="0">
+              <a:ln>
+                <a:noFill/>
+              </a:ln>
+              <a:solidFill>
+                <a:srgbClr val="FFFFFF"/>
+              </a:solidFill>
+              <a:effectLst/>
+              <a:uLnTx/>
+              <a:uFillTx/>
+              <a:latin typeface="Calibri" panose="020F0502020204030204"/>
+              <a:ea typeface="+mn-ea"/>
+              <a:cs typeface="+mn-cs"/>
+            </a:endParaRPr>
+          </a:p>
+        </p:txBody>
+      </p:sp>
+      <p:sp>
+        <p:nvSpPr>
+          <p:cNvPr id="10" name="TextBox 9"/>
+          <p:cNvSpPr txBox="1"/>
+          <p:nvPr/>
+        </p:nvSpPr>
+        <p:spPr>
+          <a:xfrm>
+            <a:off x="1206613" y="11483623"/>
+            <a:ext cx="6944530" cy="1015663"/>
+          </a:xfrm>
+          <a:prstGeom prst="rect">
+            <a:avLst/>
+          </a:prstGeom>
+          <a:noFill/>
+        </p:spPr>
+        <p:txBody>
+          <a:bodyPr wrap="none" rtlCol="0">
+            <a:spAutoFit/>
+          </a:bodyPr>
+          <a:lstStyle/>
+          <a:p>
+            <a:pPr marL="0" marR="0" lvl="0" indent="0" algn="l" defTabSz="1828434" rtl="0" eaLnBrk="1" fontAlgn="auto" latinLnBrk="0" hangingPunct="1">
+              <a:lnSpc>
+                <a:spcPct val="100000"/>
+              </a:lnSpc>
+              <a:spcBef>
+                <a:spcPts val="0"/>
+              </a:spcBef>
+              <a:spcAft>
+                <a:spcPts val="0"/>
+              </a:spcAft>
+              <a:buClrTx/>
+              <a:buSzTx/>
+              <a:buFontTx/>
+              <a:buNone/>
+              <a:tabLst/>
+              <a:defRPr/>
+            </a:pPr>
+            <a:r>
+              <a:rPr lang="en-US" sz="6000" b="1" dirty="0">
+                <a:solidFill>
+                  <a:srgbClr val="3D5476"/>
+                </a:solidFill>
+                <a:latin typeface="Lato" charset="0"/>
+                <a:ea typeface="Lato" charset="0"/>
+                <a:cs typeface="Lato" charset="0"/>
+              </a:rPr>
+              <a:t>HASIL PENELITIAN</a:t>
+            </a:r>
+            <a:endParaRPr kumimoji="0" lang="en-US" sz="6000" b="1" i="0" u="none" strike="noStrike" kern="1200" cap="none" spc="0" normalizeH="0" baseline="0" noProof="0" dirty="0">
+              <a:ln>
+                <a:noFill/>
+              </a:ln>
+              <a:solidFill>
+                <a:srgbClr val="3D5476"/>
+              </a:solidFill>
+              <a:effectLst/>
+              <a:uLnTx/>
+              <a:uFillTx/>
+              <a:latin typeface="Lato" charset="0"/>
+              <a:ea typeface="Lato" charset="0"/>
+              <a:cs typeface="Lato" charset="0"/>
+            </a:endParaRPr>
+          </a:p>
+        </p:txBody>
+      </p:sp>
+      <p:grpSp>
+        <p:nvGrpSpPr>
+          <p:cNvPr id="12" name="Group 11"/>
+          <p:cNvGrpSpPr/>
+          <p:nvPr/>
+        </p:nvGrpSpPr>
+        <p:grpSpPr>
+          <a:xfrm>
+            <a:off x="0" y="838200"/>
+            <a:ext cx="7266215" cy="1118191"/>
+            <a:chOff x="0" y="838200"/>
+            <a:chExt cx="7266215" cy="1118191"/>
+          </a:xfrm>
+        </p:grpSpPr>
+        <p:sp>
+          <p:nvSpPr>
+            <p:cNvPr id="13" name="Rectangle 12"/>
+            <p:cNvSpPr/>
+            <p:nvPr/>
+          </p:nvSpPr>
+          <p:spPr>
+            <a:xfrm>
+              <a:off x="1" y="838200"/>
+              <a:ext cx="7266214" cy="629093"/>
+            </a:xfrm>
+            <a:prstGeom prst="rect">
+              <a:avLst/>
+            </a:prstGeom>
+            <a:solidFill>
+              <a:schemeClr val="accent2"/>
+            </a:solidFill>
+            <a:ln>
+              <a:noFill/>
+            </a:ln>
+          </p:spPr>
+          <p:style>
+            <a:lnRef idx="2">
+              <a:schemeClr val="accent1">
+                <a:shade val="50000"/>
+              </a:schemeClr>
+            </a:lnRef>
+            <a:fillRef idx="1">
+              <a:schemeClr val="accent1"/>
+            </a:fillRef>
+            <a:effectRef idx="0">
+              <a:schemeClr val="accent1"/>
+            </a:effectRef>
+            <a:fontRef idx="minor">
+              <a:schemeClr val="lt1"/>
+            </a:fontRef>
+          </p:style>
+          <p:txBody>
+            <a:bodyPr rtlCol="0" anchor="ctr"/>
+            <a:lstStyle/>
+            <a:p>
+              <a:pPr marL="0" marR="0" lvl="0" indent="0" algn="ctr" defTabSz="1828434" rtl="0" eaLnBrk="1" fontAlgn="auto" latinLnBrk="0" hangingPunct="1">
+                <a:lnSpc>
+                  <a:spcPct val="100000"/>
+                </a:lnSpc>
+                <a:spcBef>
+                  <a:spcPts val="0"/>
+                </a:spcBef>
+                <a:spcAft>
+                  <a:spcPts val="0"/>
+                </a:spcAft>
+                <a:buClrTx/>
+                <a:buSzTx/>
+                <a:buFontTx/>
+                <a:buNone/>
+                <a:tabLst/>
+                <a:defRPr/>
+              </a:pPr>
+              <a:endParaRPr kumimoji="0" lang="en-US" sz="3600" b="0" i="0" u="none" strike="noStrike" kern="1200" cap="none" spc="0" normalizeH="0" baseline="0" noProof="0">
+                <a:ln>
+                  <a:noFill/>
+                </a:ln>
+                <a:solidFill>
+                  <a:srgbClr val="FFFFFF"/>
+                </a:solidFill>
+                <a:effectLst/>
+                <a:uLnTx/>
+                <a:uFillTx/>
+                <a:latin typeface="Calibri" panose="020F0502020204030204"/>
+                <a:ea typeface="+mn-ea"/>
+                <a:cs typeface="+mn-cs"/>
+              </a:endParaRPr>
+            </a:p>
+          </p:txBody>
+        </p:sp>
+        <p:sp>
+          <p:nvSpPr>
+            <p:cNvPr id="14" name="Rectangle 13"/>
+            <p:cNvSpPr/>
+            <p:nvPr/>
+          </p:nvSpPr>
+          <p:spPr>
+            <a:xfrm>
+              <a:off x="0" y="1667540"/>
+              <a:ext cx="4678878" cy="288851"/>
+            </a:xfrm>
+            <a:prstGeom prst="rect">
+              <a:avLst/>
+            </a:prstGeom>
+            <a:solidFill>
+              <a:schemeClr val="accent3"/>
+            </a:solidFill>
+            <a:ln>
+              <a:noFill/>
+            </a:ln>
+          </p:spPr>
+          <p:style>
+            <a:lnRef idx="2">
+              <a:schemeClr val="accent1">
+                <a:shade val="50000"/>
+              </a:schemeClr>
+            </a:lnRef>
+            <a:fillRef idx="1">
+              <a:schemeClr val="accent1"/>
+            </a:fillRef>
+            <a:effectRef idx="0">
+              <a:schemeClr val="accent1"/>
+            </a:effectRef>
+            <a:fontRef idx="minor">
+              <a:schemeClr val="lt1"/>
+            </a:fontRef>
+          </p:style>
+          <p:txBody>
+            <a:bodyPr rtlCol="0" anchor="ctr"/>
+            <a:lstStyle/>
+            <a:p>
+              <a:pPr marL="0" marR="0" lvl="0" indent="0" algn="ctr" defTabSz="1828434" rtl="0" eaLnBrk="1" fontAlgn="auto" latinLnBrk="0" hangingPunct="1">
+                <a:lnSpc>
+                  <a:spcPct val="100000"/>
+                </a:lnSpc>
+                <a:spcBef>
+                  <a:spcPts val="0"/>
+                </a:spcBef>
+                <a:spcAft>
+                  <a:spcPts val="0"/>
+                </a:spcAft>
+                <a:buClrTx/>
+                <a:buSzTx/>
+                <a:buFontTx/>
+                <a:buNone/>
+                <a:tabLst/>
+                <a:defRPr/>
+              </a:pPr>
+              <a:endParaRPr kumimoji="0" lang="en-US" sz="3600" b="0" i="0" u="none" strike="noStrike" kern="1200" cap="none" spc="0" normalizeH="0" baseline="0" noProof="0">
+                <a:ln>
+                  <a:noFill/>
+                </a:ln>
+                <a:solidFill>
+                  <a:srgbClr val="FFFFFF"/>
+                </a:solidFill>
+                <a:effectLst/>
+                <a:uLnTx/>
+                <a:uFillTx/>
+                <a:latin typeface="Calibri" panose="020F0502020204030204"/>
+                <a:ea typeface="+mn-ea"/>
+                <a:cs typeface="+mn-cs"/>
+              </a:endParaRPr>
+            </a:p>
+          </p:txBody>
+        </p:sp>
+      </p:grpSp>
+      <p:grpSp>
+        <p:nvGrpSpPr>
+          <p:cNvPr id="15" name="Group 14"/>
+          <p:cNvGrpSpPr/>
+          <p:nvPr/>
+        </p:nvGrpSpPr>
+        <p:grpSpPr>
+          <a:xfrm rot="10800000">
+            <a:off x="17111435" y="11759609"/>
+            <a:ext cx="7266215" cy="1118191"/>
+            <a:chOff x="0" y="838200"/>
+            <a:chExt cx="7266215" cy="1118191"/>
+          </a:xfrm>
+        </p:grpSpPr>
+        <p:sp>
+          <p:nvSpPr>
+            <p:cNvPr id="16" name="Rectangle 15"/>
+            <p:cNvSpPr/>
+            <p:nvPr/>
+          </p:nvSpPr>
+          <p:spPr>
+            <a:xfrm>
+              <a:off x="1" y="838200"/>
+              <a:ext cx="7266214" cy="629093"/>
+            </a:xfrm>
+            <a:prstGeom prst="rect">
+              <a:avLst/>
+            </a:prstGeom>
+            <a:solidFill>
+              <a:schemeClr val="accent2"/>
+            </a:solidFill>
+            <a:ln>
+              <a:noFill/>
+            </a:ln>
+          </p:spPr>
+          <p:style>
+            <a:lnRef idx="2">
+              <a:schemeClr val="accent1">
+                <a:shade val="50000"/>
+              </a:schemeClr>
+            </a:lnRef>
+            <a:fillRef idx="1">
+              <a:schemeClr val="accent1"/>
+            </a:fillRef>
+            <a:effectRef idx="0">
+              <a:schemeClr val="accent1"/>
+            </a:effectRef>
+            <a:fontRef idx="minor">
+              <a:schemeClr val="lt1"/>
+            </a:fontRef>
+          </p:style>
+          <p:txBody>
+            <a:bodyPr rtlCol="0" anchor="ctr"/>
+            <a:lstStyle/>
+            <a:p>
+              <a:pPr marL="0" marR="0" lvl="0" indent="0" algn="ctr" defTabSz="1828434" rtl="0" eaLnBrk="1" fontAlgn="auto" latinLnBrk="0" hangingPunct="1">
+                <a:lnSpc>
+                  <a:spcPct val="100000"/>
+                </a:lnSpc>
+                <a:spcBef>
+                  <a:spcPts val="0"/>
+                </a:spcBef>
+                <a:spcAft>
+                  <a:spcPts val="0"/>
+                </a:spcAft>
+                <a:buClrTx/>
+                <a:buSzTx/>
+                <a:buFontTx/>
+                <a:buNone/>
+                <a:tabLst/>
+                <a:defRPr/>
+              </a:pPr>
+              <a:endParaRPr kumimoji="0" lang="en-US" sz="3600" b="0" i="0" u="none" strike="noStrike" kern="1200" cap="none" spc="0" normalizeH="0" baseline="0" noProof="0">
+                <a:ln>
+                  <a:noFill/>
+                </a:ln>
+                <a:solidFill>
+                  <a:srgbClr val="FFFFFF"/>
+                </a:solidFill>
+                <a:effectLst/>
+                <a:uLnTx/>
+                <a:uFillTx/>
+                <a:latin typeface="Calibri" panose="020F0502020204030204"/>
+                <a:ea typeface="+mn-ea"/>
+                <a:cs typeface="+mn-cs"/>
+              </a:endParaRPr>
+            </a:p>
+          </p:txBody>
+        </p:sp>
+        <p:sp>
+          <p:nvSpPr>
+            <p:cNvPr id="17" name="Rectangle 16"/>
+            <p:cNvSpPr/>
+            <p:nvPr/>
+          </p:nvSpPr>
+          <p:spPr>
+            <a:xfrm>
+              <a:off x="0" y="1667540"/>
+              <a:ext cx="4678878" cy="288851"/>
+            </a:xfrm>
+            <a:prstGeom prst="rect">
+              <a:avLst/>
+            </a:prstGeom>
+            <a:solidFill>
+              <a:schemeClr val="accent3"/>
+            </a:solidFill>
+            <a:ln>
+              <a:noFill/>
+            </a:ln>
+          </p:spPr>
+          <p:style>
+            <a:lnRef idx="2">
+              <a:schemeClr val="accent1">
+                <a:shade val="50000"/>
+              </a:schemeClr>
+            </a:lnRef>
+            <a:fillRef idx="1">
+              <a:schemeClr val="accent1"/>
+            </a:fillRef>
+            <a:effectRef idx="0">
+              <a:schemeClr val="accent1"/>
+            </a:effectRef>
+            <a:fontRef idx="minor">
+              <a:schemeClr val="lt1"/>
+            </a:fontRef>
+          </p:style>
+          <p:txBody>
+            <a:bodyPr rtlCol="0" anchor="ctr"/>
+            <a:lstStyle/>
+            <a:p>
+              <a:pPr marL="0" marR="0" lvl="0" indent="0" algn="ctr" defTabSz="1828434" rtl="0" eaLnBrk="1" fontAlgn="auto" latinLnBrk="0" hangingPunct="1">
+                <a:lnSpc>
+                  <a:spcPct val="100000"/>
+                </a:lnSpc>
+                <a:spcBef>
+                  <a:spcPts val="0"/>
+                </a:spcBef>
+                <a:spcAft>
+                  <a:spcPts val="0"/>
+                </a:spcAft>
+                <a:buClrTx/>
+                <a:buSzTx/>
+                <a:buFontTx/>
+                <a:buNone/>
+                <a:tabLst/>
+                <a:defRPr/>
+              </a:pPr>
+              <a:endParaRPr kumimoji="0" lang="en-US" sz="3600" b="0" i="0" u="none" strike="noStrike" kern="1200" cap="none" spc="0" normalizeH="0" baseline="0" noProof="0">
+                <a:ln>
+                  <a:noFill/>
+                </a:ln>
+                <a:solidFill>
+                  <a:srgbClr val="FFFFFF"/>
+                </a:solidFill>
+                <a:effectLst/>
+                <a:uLnTx/>
+                <a:uFillTx/>
+                <a:latin typeface="Calibri" panose="020F0502020204030204"/>
+                <a:ea typeface="+mn-ea"/>
+                <a:cs typeface="+mn-cs"/>
+              </a:endParaRPr>
+            </a:p>
+          </p:txBody>
+        </p:sp>
+      </p:grpSp>
+      <p:sp>
+        <p:nvSpPr>
+          <p:cNvPr id="3" name="Rectangle 2">
+            <a:extLst>
+              <a:ext uri="{FF2B5EF4-FFF2-40B4-BE49-F238E27FC236}">
+                <a16:creationId xmlns:a16="http://schemas.microsoft.com/office/drawing/2014/main" id="{6B897D3A-FD2E-4329-BE36-323BCDE79BF6}"/>
+              </a:ext>
+            </a:extLst>
+          </p:cNvPr>
+          <p:cNvSpPr/>
+          <p:nvPr/>
+        </p:nvSpPr>
+        <p:spPr>
+          <a:xfrm>
+            <a:off x="366873" y="2972066"/>
+            <a:ext cx="5960286" cy="769441"/>
+          </a:xfrm>
+          <a:prstGeom prst="rect">
+            <a:avLst/>
+          </a:prstGeom>
+        </p:spPr>
+        <p:txBody>
+          <a:bodyPr wrap="none">
+            <a:spAutoFit/>
+          </a:bodyPr>
+          <a:lstStyle/>
+          <a:p>
+            <a:pPr marL="228600" algn="just"/>
+            <a:r>
+              <a:rPr lang="en-US" sz="4400" b="1" dirty="0">
+                <a:solidFill>
+                  <a:srgbClr val="3D5476"/>
+                </a:solidFill>
+                <a:latin typeface="Lato" panose="020F0502020204030203" pitchFamily="34" charset="0"/>
+                <a:ea typeface="Times New Roman" panose="02020603050405020304" pitchFamily="18" charset="0"/>
+              </a:rPr>
+              <a:t>3. </a:t>
+            </a:r>
+            <a:r>
+              <a:rPr lang="en-US" sz="4400" b="1" u="sng" dirty="0">
+                <a:solidFill>
+                  <a:srgbClr val="3D5476"/>
+                </a:solidFill>
+                <a:latin typeface="Lato" panose="020F0502020204030203" pitchFamily="34" charset="0"/>
+              </a:rPr>
+              <a:t>Kumpulan </a:t>
+            </a:r>
+            <a:r>
+              <a:rPr lang="en-US" sz="4400" b="1" u="sng" dirty="0" err="1">
+                <a:solidFill>
+                  <a:srgbClr val="3D5476"/>
+                </a:solidFill>
+                <a:latin typeface="Lato" panose="020F0502020204030203" pitchFamily="34" charset="0"/>
+              </a:rPr>
+              <a:t>hasil</a:t>
+            </a:r>
+            <a:r>
+              <a:rPr lang="en-US" sz="4400" b="1" u="sng" dirty="0">
+                <a:solidFill>
+                  <a:srgbClr val="3D5476"/>
+                </a:solidFill>
+                <a:latin typeface="Lato" panose="020F0502020204030203" pitchFamily="34" charset="0"/>
+              </a:rPr>
+              <a:t> rule</a:t>
+            </a:r>
+            <a:endParaRPr lang="en-US" sz="4400" b="1" dirty="0">
+              <a:solidFill>
+                <a:srgbClr val="3D5476"/>
+              </a:solidFill>
+              <a:latin typeface="Lato" panose="020F0502020204030203" pitchFamily="34" charset="0"/>
+            </a:endParaRPr>
+          </a:p>
+        </p:txBody>
+      </p:sp>
+      <p:sp>
+        <p:nvSpPr>
+          <p:cNvPr id="4" name="Rectangle 3">
+            <a:extLst>
+              <a:ext uri="{FF2B5EF4-FFF2-40B4-BE49-F238E27FC236}">
+                <a16:creationId xmlns:a16="http://schemas.microsoft.com/office/drawing/2014/main" id="{9C0FD315-2862-482C-8240-AF044DF9DC5C}"/>
+              </a:ext>
+            </a:extLst>
+          </p:cNvPr>
+          <p:cNvSpPr/>
+          <p:nvPr/>
+        </p:nvSpPr>
+        <p:spPr>
+          <a:xfrm>
+            <a:off x="12944199" y="888425"/>
+            <a:ext cx="10068782" cy="769441"/>
+          </a:xfrm>
+          <a:prstGeom prst="rect">
+            <a:avLst/>
+          </a:prstGeom>
+        </p:spPr>
+        <p:txBody>
+          <a:bodyPr wrap="none">
+            <a:spAutoFit/>
+          </a:bodyPr>
+          <a:lstStyle/>
+          <a:p>
+            <a:pPr marL="228600" algn="just"/>
+            <a:r>
+              <a:rPr lang="en-US" sz="4400" b="1" dirty="0">
+                <a:solidFill>
+                  <a:srgbClr val="3D5476"/>
+                </a:solidFill>
+                <a:latin typeface="Lato" panose="020F0502020204030203" pitchFamily="34" charset="0"/>
+                <a:ea typeface="Times New Roman" panose="02020603050405020304" pitchFamily="18" charset="0"/>
+              </a:rPr>
+              <a:t>4. </a:t>
+            </a:r>
+            <a:r>
+              <a:rPr lang="en-US" sz="4400" b="1" u="sng" dirty="0">
+                <a:solidFill>
+                  <a:srgbClr val="3D5476"/>
+                </a:solidFill>
+                <a:latin typeface="Lato" panose="020F0502020204030203" pitchFamily="34" charset="0"/>
+              </a:rPr>
+              <a:t>Membership Function </a:t>
+            </a:r>
+            <a:r>
+              <a:rPr lang="en-US" sz="4400" b="1" u="sng" dirty="0" err="1">
+                <a:solidFill>
+                  <a:srgbClr val="3D5476"/>
+                </a:solidFill>
+                <a:latin typeface="Lato" panose="020F0502020204030203" pitchFamily="34" charset="0"/>
+              </a:rPr>
+              <a:t>untuk</a:t>
+            </a:r>
+            <a:r>
+              <a:rPr lang="en-US" sz="4400" b="1" u="sng" dirty="0">
+                <a:solidFill>
+                  <a:srgbClr val="3D5476"/>
+                </a:solidFill>
+                <a:latin typeface="Lato" panose="020F0502020204030203" pitchFamily="34" charset="0"/>
+              </a:rPr>
+              <a:t> input 1</a:t>
+            </a:r>
+            <a:endParaRPr lang="en-US" sz="4400" b="1" dirty="0">
+              <a:solidFill>
+                <a:srgbClr val="3D5476"/>
+              </a:solidFill>
+              <a:latin typeface="Lato" panose="020F0502020204030203" pitchFamily="34" charset="0"/>
+            </a:endParaRPr>
+          </a:p>
+        </p:txBody>
+      </p:sp>
+      <p:pic>
+        <p:nvPicPr>
+          <p:cNvPr id="20" name="Picture 19" descr="https://lh4.googleusercontent.com/3qqlfYoadMD7nxzwJjS9PwmeOLztFOodLbBO1y3eWWu4kQr9plSMgSF3mkMByDpWz0pWKbxEjFbMa3aEnNDcHpeBYmBmnrxcD-ksVzM31uunRk03fENTlv4e5lLFPA">
+            <a:extLst>
+              <a:ext uri="{FF2B5EF4-FFF2-40B4-BE49-F238E27FC236}">
+                <a16:creationId xmlns:a16="http://schemas.microsoft.com/office/drawing/2014/main" id="{15800D22-9ACF-4BC5-84B4-733A1267149F}"/>
+              </a:ext>
+            </a:extLst>
+          </p:cNvPr>
+          <p:cNvPicPr/>
+          <p:nvPr/>
+        </p:nvPicPr>
+        <p:blipFill>
+          <a:blip r:embed="rId2">
+            <a:extLst>
+              <a:ext uri="{28A0092B-C50C-407E-A947-70E740481C1C}">
+                <a14:useLocalDpi xmlns:a14="http://schemas.microsoft.com/office/drawing/2010/main" val="0"/>
+              </a:ext>
+            </a:extLst>
+          </a:blip>
+          <a:srcRect/>
+          <a:stretch>
+            <a:fillRect/>
+          </a:stretch>
+        </p:blipFill>
+        <p:spPr bwMode="auto">
+          <a:xfrm>
+            <a:off x="553264" y="4082617"/>
+            <a:ext cx="12074556" cy="6184294"/>
+          </a:xfrm>
+          <a:prstGeom prst="rect">
+            <a:avLst/>
+          </a:prstGeom>
+          <a:noFill/>
+          <a:ln>
+            <a:noFill/>
+          </a:ln>
+        </p:spPr>
+      </p:pic>
+      <p:pic>
+        <p:nvPicPr>
+          <p:cNvPr id="21" name="Picture 20">
+            <a:extLst>
+              <a:ext uri="{FF2B5EF4-FFF2-40B4-BE49-F238E27FC236}">
+                <a16:creationId xmlns:a16="http://schemas.microsoft.com/office/drawing/2014/main" id="{A044EF2D-0753-47E6-A30B-EA4FF6B7D705}"/>
+              </a:ext>
+            </a:extLst>
+          </p:cNvPr>
+          <p:cNvPicPr/>
+          <p:nvPr/>
+        </p:nvPicPr>
+        <p:blipFill>
+          <a:blip r:embed="rId3">
+            <a:extLst>
+              <a:ext uri="{28A0092B-C50C-407E-A947-70E740481C1C}">
+                <a14:useLocalDpi xmlns:a14="http://schemas.microsoft.com/office/drawing/2010/main" val="0"/>
+              </a:ext>
+            </a:extLst>
+          </a:blip>
+          <a:srcRect/>
+          <a:stretch>
+            <a:fillRect/>
+          </a:stretch>
+        </p:blipFill>
+        <p:spPr bwMode="auto">
+          <a:xfrm>
+            <a:off x="13619162" y="2370751"/>
+            <a:ext cx="10113319" cy="8675973"/>
+          </a:xfrm>
+          <a:prstGeom prst="rect">
+            <a:avLst/>
+          </a:prstGeom>
+          <a:noFill/>
+          <a:ln>
+            <a:noFill/>
+          </a:ln>
+        </p:spPr>
+      </p:pic>
+    </p:spTree>
+    <p:extLst>
+      <p:ext uri="{BB962C8B-B14F-4D97-AF65-F5344CB8AC3E}">
+        <p14:creationId xmlns:p14="http://schemas.microsoft.com/office/powerpoint/2010/main" val="562489586"/>
+      </p:ext>
+    </p:extLst>
+  </p:cSld>
+  <p:clrMapOvr>
+    <a:masterClrMapping/>
+  </p:clrMapOvr>
+</p:sld>
+</file>
+
+<file path=ppt/slides/slide12.xml><?xml version="1.0" encoding="utf-8"?>
+<p:sld xmlns:a="http://schemas.openxmlformats.org/drawingml/2006/main" xmlns:r="http://schemas.openxmlformats.org/officeDocument/2006/relationships" xmlns:p="http://schemas.openxmlformats.org/presentationml/2006/main">
+  <p:cSld>
+    <p:spTree>
+      <p:nvGrpSpPr>
+        <p:cNvPr id="1" name=""/>
+        <p:cNvGrpSpPr/>
+        <p:nvPr/>
+      </p:nvGrpSpPr>
+      <p:grpSpPr>
+        <a:xfrm>
+          <a:off x="0" y="0"/>
+          <a:ext cx="0" cy="0"/>
+          <a:chOff x="0" y="0"/>
+          <a:chExt cx="0" cy="0"/>
+        </a:xfrm>
+      </p:grpSpPr>
+      <p:sp>
+        <p:nvSpPr>
+          <p:cNvPr id="42" name="Rectangle 41"/>
+          <p:cNvSpPr/>
+          <p:nvPr/>
+        </p:nvSpPr>
+        <p:spPr>
+          <a:xfrm>
+            <a:off x="1" y="0"/>
+            <a:ext cx="24377650" cy="13715998"/>
+          </a:xfrm>
+          <a:prstGeom prst="rect">
+            <a:avLst/>
+          </a:prstGeom>
+          <a:solidFill>
+            <a:schemeClr val="accent1"/>
+          </a:solidFill>
+          <a:ln>
+            <a:noFill/>
+          </a:ln>
+        </p:spPr>
+        <p:style>
+          <a:lnRef idx="2">
+            <a:schemeClr val="accent1">
+              <a:shade val="50000"/>
+            </a:schemeClr>
+          </a:lnRef>
+          <a:fillRef idx="1">
+            <a:schemeClr val="accent1"/>
+          </a:fillRef>
+          <a:effectRef idx="0">
+            <a:schemeClr val="accent1"/>
+          </a:effectRef>
+          <a:fontRef idx="minor">
+            <a:schemeClr val="lt1"/>
+          </a:fontRef>
+        </p:style>
+        <p:txBody>
+          <a:bodyPr rtlCol="0" anchor="ctr"/>
+          <a:lstStyle/>
+          <a:p>
+            <a:pPr marL="0" marR="0" lvl="0" indent="0" algn="ctr" defTabSz="1828434" rtl="0" eaLnBrk="1" fontAlgn="auto" latinLnBrk="0" hangingPunct="1">
+              <a:lnSpc>
+                <a:spcPct val="100000"/>
+              </a:lnSpc>
+              <a:spcBef>
+                <a:spcPts val="0"/>
+              </a:spcBef>
+              <a:spcAft>
+                <a:spcPts val="0"/>
+              </a:spcAft>
+              <a:buClrTx/>
+              <a:buSzTx/>
+              <a:buFontTx/>
+              <a:buNone/>
+              <a:tabLst/>
+              <a:defRPr/>
+            </a:pPr>
+            <a:endParaRPr kumimoji="0" lang="en-US" sz="3600" b="0" i="0" u="none" strike="noStrike" kern="1200" cap="none" spc="0" normalizeH="0" baseline="0" noProof="0">
+              <a:ln>
+                <a:noFill/>
+              </a:ln>
+              <a:solidFill>
+                <a:srgbClr val="FFFFFF"/>
+              </a:solidFill>
+              <a:effectLst/>
+              <a:uLnTx/>
+              <a:uFillTx/>
+              <a:latin typeface="Calibri" panose="020F0502020204030204"/>
+              <a:ea typeface="+mn-ea"/>
+              <a:cs typeface="+mn-cs"/>
+            </a:endParaRPr>
+          </a:p>
+        </p:txBody>
+      </p:sp>
+      <p:sp>
+        <p:nvSpPr>
+          <p:cNvPr id="10" name="TextBox 9"/>
+          <p:cNvSpPr txBox="1"/>
+          <p:nvPr/>
+        </p:nvSpPr>
+        <p:spPr>
+          <a:xfrm>
+            <a:off x="1206613" y="11483623"/>
+            <a:ext cx="6944530" cy="1015663"/>
+          </a:xfrm>
+          <a:prstGeom prst="rect">
+            <a:avLst/>
+          </a:prstGeom>
+          <a:noFill/>
+        </p:spPr>
+        <p:txBody>
+          <a:bodyPr wrap="none" rtlCol="0">
+            <a:spAutoFit/>
+          </a:bodyPr>
+          <a:lstStyle/>
+          <a:p>
+            <a:pPr marL="0" marR="0" lvl="0" indent="0" algn="l" defTabSz="1828434" rtl="0" eaLnBrk="1" fontAlgn="auto" latinLnBrk="0" hangingPunct="1">
+              <a:lnSpc>
+                <a:spcPct val="100000"/>
+              </a:lnSpc>
+              <a:spcBef>
+                <a:spcPts val="0"/>
+              </a:spcBef>
+              <a:spcAft>
+                <a:spcPts val="0"/>
+              </a:spcAft>
+              <a:buClrTx/>
+              <a:buSzTx/>
+              <a:buFontTx/>
+              <a:buNone/>
+              <a:tabLst/>
+              <a:defRPr/>
+            </a:pPr>
+            <a:r>
+              <a:rPr lang="en-US" sz="6000" b="1" dirty="0">
+                <a:solidFill>
+                  <a:srgbClr val="3D5476"/>
+                </a:solidFill>
+                <a:latin typeface="Lato" charset="0"/>
+                <a:ea typeface="Lato" charset="0"/>
+                <a:cs typeface="Lato" charset="0"/>
+              </a:rPr>
+              <a:t>HASIL PENELITIAN</a:t>
+            </a:r>
+            <a:endParaRPr kumimoji="0" lang="en-US" sz="6000" b="1" i="0" u="none" strike="noStrike" kern="1200" cap="none" spc="0" normalizeH="0" baseline="0" noProof="0" dirty="0">
+              <a:ln>
+                <a:noFill/>
+              </a:ln>
+              <a:solidFill>
+                <a:srgbClr val="3D5476"/>
+              </a:solidFill>
+              <a:effectLst/>
+              <a:uLnTx/>
+              <a:uFillTx/>
+              <a:latin typeface="Lato" charset="0"/>
+              <a:ea typeface="Lato" charset="0"/>
+              <a:cs typeface="Lato" charset="0"/>
+            </a:endParaRPr>
+          </a:p>
+        </p:txBody>
+      </p:sp>
+      <p:grpSp>
+        <p:nvGrpSpPr>
+          <p:cNvPr id="12" name="Group 11"/>
+          <p:cNvGrpSpPr/>
+          <p:nvPr/>
+        </p:nvGrpSpPr>
+        <p:grpSpPr>
+          <a:xfrm>
+            <a:off x="0" y="838200"/>
+            <a:ext cx="7266215" cy="1118191"/>
+            <a:chOff x="0" y="838200"/>
+            <a:chExt cx="7266215" cy="1118191"/>
+          </a:xfrm>
+        </p:grpSpPr>
+        <p:sp>
+          <p:nvSpPr>
+            <p:cNvPr id="13" name="Rectangle 12"/>
+            <p:cNvSpPr/>
+            <p:nvPr/>
+          </p:nvSpPr>
+          <p:spPr>
+            <a:xfrm>
+              <a:off x="1" y="838200"/>
+              <a:ext cx="7266214" cy="629093"/>
+            </a:xfrm>
+            <a:prstGeom prst="rect">
+              <a:avLst/>
+            </a:prstGeom>
+            <a:solidFill>
+              <a:schemeClr val="accent2"/>
+            </a:solidFill>
+            <a:ln>
+              <a:noFill/>
+            </a:ln>
+          </p:spPr>
+          <p:style>
+            <a:lnRef idx="2">
+              <a:schemeClr val="accent1">
+                <a:shade val="50000"/>
+              </a:schemeClr>
+            </a:lnRef>
+            <a:fillRef idx="1">
+              <a:schemeClr val="accent1"/>
+            </a:fillRef>
+            <a:effectRef idx="0">
+              <a:schemeClr val="accent1"/>
+            </a:effectRef>
+            <a:fontRef idx="minor">
+              <a:schemeClr val="lt1"/>
+            </a:fontRef>
+          </p:style>
+          <p:txBody>
+            <a:bodyPr rtlCol="0" anchor="ctr"/>
+            <a:lstStyle/>
+            <a:p>
+              <a:pPr marL="0" marR="0" lvl="0" indent="0" algn="ctr" defTabSz="1828434" rtl="0" eaLnBrk="1" fontAlgn="auto" latinLnBrk="0" hangingPunct="1">
+                <a:lnSpc>
+                  <a:spcPct val="100000"/>
+                </a:lnSpc>
+                <a:spcBef>
+                  <a:spcPts val="0"/>
+                </a:spcBef>
+                <a:spcAft>
+                  <a:spcPts val="0"/>
+                </a:spcAft>
+                <a:buClrTx/>
+                <a:buSzTx/>
+                <a:buFontTx/>
+                <a:buNone/>
+                <a:tabLst/>
+                <a:defRPr/>
+              </a:pPr>
+              <a:endParaRPr kumimoji="0" lang="en-US" sz="3600" b="0" i="0" u="none" strike="noStrike" kern="1200" cap="none" spc="0" normalizeH="0" baseline="0" noProof="0">
+                <a:ln>
+                  <a:noFill/>
+                </a:ln>
+                <a:solidFill>
+                  <a:srgbClr val="FFFFFF"/>
+                </a:solidFill>
+                <a:effectLst/>
+                <a:uLnTx/>
+                <a:uFillTx/>
+                <a:latin typeface="Calibri" panose="020F0502020204030204"/>
+                <a:ea typeface="+mn-ea"/>
+                <a:cs typeface="+mn-cs"/>
+              </a:endParaRPr>
+            </a:p>
+          </p:txBody>
+        </p:sp>
+        <p:sp>
+          <p:nvSpPr>
+            <p:cNvPr id="14" name="Rectangle 13"/>
+            <p:cNvSpPr/>
+            <p:nvPr/>
+          </p:nvSpPr>
+          <p:spPr>
+            <a:xfrm>
+              <a:off x="0" y="1667540"/>
+              <a:ext cx="4678878" cy="288851"/>
+            </a:xfrm>
+            <a:prstGeom prst="rect">
+              <a:avLst/>
+            </a:prstGeom>
+            <a:solidFill>
+              <a:schemeClr val="accent3"/>
+            </a:solidFill>
+            <a:ln>
+              <a:noFill/>
+            </a:ln>
+          </p:spPr>
+          <p:style>
+            <a:lnRef idx="2">
+              <a:schemeClr val="accent1">
+                <a:shade val="50000"/>
+              </a:schemeClr>
+            </a:lnRef>
+            <a:fillRef idx="1">
+              <a:schemeClr val="accent1"/>
+            </a:fillRef>
+            <a:effectRef idx="0">
+              <a:schemeClr val="accent1"/>
+            </a:effectRef>
+            <a:fontRef idx="minor">
+              <a:schemeClr val="lt1"/>
+            </a:fontRef>
+          </p:style>
+          <p:txBody>
+            <a:bodyPr rtlCol="0" anchor="ctr"/>
+            <a:lstStyle/>
+            <a:p>
+              <a:pPr marL="0" marR="0" lvl="0" indent="0" algn="ctr" defTabSz="1828434" rtl="0" eaLnBrk="1" fontAlgn="auto" latinLnBrk="0" hangingPunct="1">
+                <a:lnSpc>
+                  <a:spcPct val="100000"/>
+                </a:lnSpc>
+                <a:spcBef>
+                  <a:spcPts val="0"/>
+                </a:spcBef>
+                <a:spcAft>
+                  <a:spcPts val="0"/>
+                </a:spcAft>
+                <a:buClrTx/>
+                <a:buSzTx/>
+                <a:buFontTx/>
+                <a:buNone/>
+                <a:tabLst/>
+                <a:defRPr/>
+              </a:pPr>
+              <a:endParaRPr kumimoji="0" lang="en-US" sz="3600" b="0" i="0" u="none" strike="noStrike" kern="1200" cap="none" spc="0" normalizeH="0" baseline="0" noProof="0">
+                <a:ln>
+                  <a:noFill/>
+                </a:ln>
+                <a:solidFill>
+                  <a:srgbClr val="FFFFFF"/>
+                </a:solidFill>
+                <a:effectLst/>
+                <a:uLnTx/>
+                <a:uFillTx/>
+                <a:latin typeface="Calibri" panose="020F0502020204030204"/>
+                <a:ea typeface="+mn-ea"/>
+                <a:cs typeface="+mn-cs"/>
+              </a:endParaRPr>
+            </a:p>
+          </p:txBody>
+        </p:sp>
+      </p:grpSp>
+      <p:grpSp>
+        <p:nvGrpSpPr>
+          <p:cNvPr id="15" name="Group 14"/>
+          <p:cNvGrpSpPr/>
+          <p:nvPr/>
+        </p:nvGrpSpPr>
+        <p:grpSpPr>
+          <a:xfrm rot="10800000">
+            <a:off x="17111435" y="11759609"/>
+            <a:ext cx="7266215" cy="1118191"/>
+            <a:chOff x="0" y="838200"/>
+            <a:chExt cx="7266215" cy="1118191"/>
+          </a:xfrm>
+        </p:grpSpPr>
+        <p:sp>
+          <p:nvSpPr>
+            <p:cNvPr id="16" name="Rectangle 15"/>
+            <p:cNvSpPr/>
+            <p:nvPr/>
+          </p:nvSpPr>
+          <p:spPr>
+            <a:xfrm>
+              <a:off x="1" y="838200"/>
+              <a:ext cx="7266214" cy="629093"/>
+            </a:xfrm>
+            <a:prstGeom prst="rect">
+              <a:avLst/>
+            </a:prstGeom>
+            <a:solidFill>
+              <a:schemeClr val="accent2"/>
+            </a:solidFill>
+            <a:ln>
+              <a:noFill/>
+            </a:ln>
+          </p:spPr>
+          <p:style>
+            <a:lnRef idx="2">
+              <a:schemeClr val="accent1">
+                <a:shade val="50000"/>
+              </a:schemeClr>
+            </a:lnRef>
+            <a:fillRef idx="1">
+              <a:schemeClr val="accent1"/>
+            </a:fillRef>
+            <a:effectRef idx="0">
+              <a:schemeClr val="accent1"/>
+            </a:effectRef>
+            <a:fontRef idx="minor">
+              <a:schemeClr val="lt1"/>
+            </a:fontRef>
+          </p:style>
+          <p:txBody>
+            <a:bodyPr rtlCol="0" anchor="ctr"/>
+            <a:lstStyle/>
+            <a:p>
+              <a:pPr marL="0" marR="0" lvl="0" indent="0" algn="ctr" defTabSz="1828434" rtl="0" eaLnBrk="1" fontAlgn="auto" latinLnBrk="0" hangingPunct="1">
+                <a:lnSpc>
+                  <a:spcPct val="100000"/>
+                </a:lnSpc>
+                <a:spcBef>
+                  <a:spcPts val="0"/>
+                </a:spcBef>
+                <a:spcAft>
+                  <a:spcPts val="0"/>
+                </a:spcAft>
+                <a:buClrTx/>
+                <a:buSzTx/>
+                <a:buFontTx/>
+                <a:buNone/>
+                <a:tabLst/>
+                <a:defRPr/>
+              </a:pPr>
+              <a:endParaRPr kumimoji="0" lang="en-US" sz="3600" b="0" i="0" u="none" strike="noStrike" kern="1200" cap="none" spc="0" normalizeH="0" baseline="0" noProof="0">
+                <a:ln>
+                  <a:noFill/>
+                </a:ln>
+                <a:solidFill>
+                  <a:srgbClr val="FFFFFF"/>
+                </a:solidFill>
+                <a:effectLst/>
+                <a:uLnTx/>
+                <a:uFillTx/>
+                <a:latin typeface="Calibri" panose="020F0502020204030204"/>
+                <a:ea typeface="+mn-ea"/>
+                <a:cs typeface="+mn-cs"/>
+              </a:endParaRPr>
+            </a:p>
+          </p:txBody>
+        </p:sp>
+        <p:sp>
+          <p:nvSpPr>
+            <p:cNvPr id="17" name="Rectangle 16"/>
+            <p:cNvSpPr/>
+            <p:nvPr/>
+          </p:nvSpPr>
+          <p:spPr>
+            <a:xfrm>
+              <a:off x="0" y="1667540"/>
+              <a:ext cx="4678878" cy="288851"/>
+            </a:xfrm>
+            <a:prstGeom prst="rect">
+              <a:avLst/>
+            </a:prstGeom>
+            <a:solidFill>
+              <a:schemeClr val="accent3"/>
+            </a:solidFill>
+            <a:ln>
+              <a:noFill/>
+            </a:ln>
+          </p:spPr>
+          <p:style>
+            <a:lnRef idx="2">
+              <a:schemeClr val="accent1">
+                <a:shade val="50000"/>
+              </a:schemeClr>
+            </a:lnRef>
+            <a:fillRef idx="1">
+              <a:schemeClr val="accent1"/>
+            </a:fillRef>
+            <a:effectRef idx="0">
+              <a:schemeClr val="accent1"/>
+            </a:effectRef>
+            <a:fontRef idx="minor">
+              <a:schemeClr val="lt1"/>
+            </a:fontRef>
+          </p:style>
+          <p:txBody>
+            <a:bodyPr rtlCol="0" anchor="ctr"/>
+            <a:lstStyle/>
+            <a:p>
+              <a:pPr marL="0" marR="0" lvl="0" indent="0" algn="ctr" defTabSz="1828434" rtl="0" eaLnBrk="1" fontAlgn="auto" latinLnBrk="0" hangingPunct="1">
+                <a:lnSpc>
+                  <a:spcPct val="100000"/>
+                </a:lnSpc>
+                <a:spcBef>
+                  <a:spcPts val="0"/>
+                </a:spcBef>
+                <a:spcAft>
+                  <a:spcPts val="0"/>
+                </a:spcAft>
+                <a:buClrTx/>
+                <a:buSzTx/>
+                <a:buFontTx/>
+                <a:buNone/>
+                <a:tabLst/>
+                <a:defRPr/>
+              </a:pPr>
+              <a:endParaRPr kumimoji="0" lang="en-US" sz="3600" b="0" i="0" u="none" strike="noStrike" kern="1200" cap="none" spc="0" normalizeH="0" baseline="0" noProof="0">
+                <a:ln>
+                  <a:noFill/>
+                </a:ln>
+                <a:solidFill>
+                  <a:srgbClr val="FFFFFF"/>
+                </a:solidFill>
+                <a:effectLst/>
+                <a:uLnTx/>
+                <a:uFillTx/>
+                <a:latin typeface="Calibri" panose="020F0502020204030204"/>
+                <a:ea typeface="+mn-ea"/>
+                <a:cs typeface="+mn-cs"/>
+              </a:endParaRPr>
+            </a:p>
+          </p:txBody>
+        </p:sp>
+      </p:grpSp>
+      <p:sp>
+        <p:nvSpPr>
+          <p:cNvPr id="3" name="Rectangle 2">
+            <a:extLst>
+              <a:ext uri="{FF2B5EF4-FFF2-40B4-BE49-F238E27FC236}">
+                <a16:creationId xmlns:a16="http://schemas.microsoft.com/office/drawing/2014/main" id="{6B897D3A-FD2E-4329-BE36-323BCDE79BF6}"/>
+              </a:ext>
+            </a:extLst>
+          </p:cNvPr>
+          <p:cNvSpPr/>
+          <p:nvPr/>
+        </p:nvSpPr>
+        <p:spPr>
+          <a:xfrm>
+            <a:off x="645169" y="2423752"/>
+            <a:ext cx="11463395" cy="769441"/>
+          </a:xfrm>
+          <a:prstGeom prst="rect">
+            <a:avLst/>
+          </a:prstGeom>
+        </p:spPr>
+        <p:txBody>
+          <a:bodyPr wrap="none">
+            <a:spAutoFit/>
+          </a:bodyPr>
+          <a:lstStyle/>
+          <a:p>
+            <a:pPr marL="228600" algn="just"/>
+            <a:r>
+              <a:rPr lang="en-US" sz="4400" b="1" dirty="0">
+                <a:solidFill>
+                  <a:srgbClr val="3D5476"/>
+                </a:solidFill>
+                <a:latin typeface="Lato" panose="020F0502020204030203" pitchFamily="34" charset="0"/>
+                <a:ea typeface="Times New Roman" panose="02020603050405020304" pitchFamily="18" charset="0"/>
+              </a:rPr>
+              <a:t>3. </a:t>
+            </a:r>
+            <a:r>
+              <a:rPr lang="en-US" sz="4400" b="1" u="sng" dirty="0" err="1">
+                <a:solidFill>
+                  <a:srgbClr val="3D5476"/>
+                </a:solidFill>
+                <a:latin typeface="Lato" panose="020F0502020204030203" pitchFamily="34" charset="0"/>
+              </a:rPr>
+              <a:t>Transformasi</a:t>
+            </a:r>
+            <a:r>
+              <a:rPr lang="en-US" sz="4400" b="1" u="sng" dirty="0">
+                <a:solidFill>
+                  <a:srgbClr val="3D5476"/>
+                </a:solidFill>
+                <a:latin typeface="Lato" panose="020F0502020204030203" pitchFamily="34" charset="0"/>
+              </a:rPr>
+              <a:t> </a:t>
+            </a:r>
+            <a:r>
+              <a:rPr lang="en-US" sz="4400" b="1" u="sng" dirty="0" err="1">
+                <a:solidFill>
+                  <a:srgbClr val="3D5476"/>
+                </a:solidFill>
+                <a:latin typeface="Lato" panose="020F0502020204030203" pitchFamily="34" charset="0"/>
+              </a:rPr>
+              <a:t>bentuk</a:t>
+            </a:r>
+            <a:r>
+              <a:rPr lang="en-US" sz="4400" b="1" u="sng" dirty="0">
+                <a:solidFill>
+                  <a:srgbClr val="3D5476"/>
+                </a:solidFill>
+                <a:latin typeface="Lato" panose="020F0502020204030203" pitchFamily="34" charset="0"/>
+              </a:rPr>
+              <a:t> </a:t>
+            </a:r>
+            <a:r>
+              <a:rPr lang="en-US" sz="4400" b="1" u="sng" dirty="0" err="1">
+                <a:solidFill>
+                  <a:srgbClr val="3D5476"/>
+                </a:solidFill>
+                <a:latin typeface="Lato" panose="020F0502020204030203" pitchFamily="34" charset="0"/>
+              </a:rPr>
+              <a:t>Sugeno</a:t>
+            </a:r>
+            <a:r>
+              <a:rPr lang="en-US" sz="4400" b="1" u="sng" dirty="0">
+                <a:solidFill>
+                  <a:srgbClr val="3D5476"/>
+                </a:solidFill>
+                <a:latin typeface="Lato" panose="020F0502020204030203" pitchFamily="34" charset="0"/>
+              </a:rPr>
+              <a:t> </a:t>
+            </a:r>
+            <a:r>
+              <a:rPr lang="en-US" sz="4400" b="1" u="sng" dirty="0" err="1">
+                <a:solidFill>
+                  <a:srgbClr val="3D5476"/>
+                </a:solidFill>
+                <a:latin typeface="Lato" panose="020F0502020204030203" pitchFamily="34" charset="0"/>
+              </a:rPr>
+              <a:t>ke</a:t>
+            </a:r>
+            <a:r>
+              <a:rPr lang="en-US" sz="4400" b="1" u="sng" dirty="0">
+                <a:solidFill>
+                  <a:srgbClr val="3D5476"/>
+                </a:solidFill>
+                <a:latin typeface="Lato" panose="020F0502020204030203" pitchFamily="34" charset="0"/>
+              </a:rPr>
+              <a:t> Mamdani</a:t>
+            </a:r>
+            <a:endParaRPr lang="en-US" sz="4400" b="1" dirty="0">
+              <a:solidFill>
+                <a:srgbClr val="3D5476"/>
+              </a:solidFill>
+              <a:latin typeface="Lato" panose="020F0502020204030203" pitchFamily="34" charset="0"/>
+            </a:endParaRPr>
+          </a:p>
+        </p:txBody>
+      </p:sp>
+      <p:sp>
+        <p:nvSpPr>
+          <p:cNvPr id="4" name="Rectangle 3">
+            <a:extLst>
+              <a:ext uri="{FF2B5EF4-FFF2-40B4-BE49-F238E27FC236}">
+                <a16:creationId xmlns:a16="http://schemas.microsoft.com/office/drawing/2014/main" id="{9C0FD315-2862-482C-8240-AF044DF9DC5C}"/>
+              </a:ext>
+            </a:extLst>
+          </p:cNvPr>
+          <p:cNvSpPr/>
+          <p:nvPr/>
+        </p:nvSpPr>
+        <p:spPr>
+          <a:xfrm>
+            <a:off x="15388703" y="2930976"/>
+            <a:ext cx="6574236" cy="769441"/>
+          </a:xfrm>
+          <a:prstGeom prst="rect">
+            <a:avLst/>
+          </a:prstGeom>
+        </p:spPr>
+        <p:txBody>
+          <a:bodyPr wrap="none">
+            <a:spAutoFit/>
+          </a:bodyPr>
+          <a:lstStyle/>
+          <a:p>
+            <a:pPr marL="228600" algn="just"/>
+            <a:r>
+              <a:rPr lang="en-US" sz="4400" b="1" dirty="0">
+                <a:solidFill>
+                  <a:srgbClr val="3D5476"/>
+                </a:solidFill>
+                <a:latin typeface="Lato" panose="020F0502020204030203" pitchFamily="34" charset="0"/>
+                <a:ea typeface="Times New Roman" panose="02020603050405020304" pitchFamily="18" charset="0"/>
+              </a:rPr>
+              <a:t>4. </a:t>
+            </a:r>
+            <a:r>
+              <a:rPr lang="en-US" sz="4400" b="1" u="sng" dirty="0">
+                <a:solidFill>
+                  <a:srgbClr val="3D5476"/>
+                </a:solidFill>
+                <a:latin typeface="Lato" panose="020F0502020204030203" pitchFamily="34" charset="0"/>
+              </a:rPr>
+              <a:t>Rule Viewer Mamdani</a:t>
+            </a:r>
+            <a:endParaRPr lang="en-US" sz="4400" b="1" dirty="0">
+              <a:solidFill>
+                <a:srgbClr val="3D5476"/>
+              </a:solidFill>
+              <a:latin typeface="Lato" panose="020F0502020204030203" pitchFamily="34" charset="0"/>
+            </a:endParaRPr>
+          </a:p>
+        </p:txBody>
+      </p:sp>
+      <p:pic>
+        <p:nvPicPr>
+          <p:cNvPr id="18" name="Picture 17" descr="https://lh5.googleusercontent.com/idZIzgLS-sDD1Yhs__aLYwDcKkGpbkmGoO9Iml1LwQDLQS82PZiNgbyoh2lPTJ77tIJez6kvsRIKuXfLAOFYuMLcCXu7DT3p6eN3wqeyBy_7Jm8ahgyD4Sf41RwqMg">
+            <a:extLst>
+              <a:ext uri="{FF2B5EF4-FFF2-40B4-BE49-F238E27FC236}">
+                <a16:creationId xmlns:a16="http://schemas.microsoft.com/office/drawing/2014/main" id="{248D8EED-32FD-4260-9721-52436E75C452}"/>
+              </a:ext>
+            </a:extLst>
+          </p:cNvPr>
+          <p:cNvPicPr/>
+          <p:nvPr/>
+        </p:nvPicPr>
+        <p:blipFill>
+          <a:blip r:embed="rId2">
+            <a:extLst>
+              <a:ext uri="{28A0092B-C50C-407E-A947-70E740481C1C}">
+                <a14:useLocalDpi xmlns:a14="http://schemas.microsoft.com/office/drawing/2010/main" val="0"/>
+              </a:ext>
+            </a:extLst>
+          </a:blip>
+          <a:srcRect/>
+          <a:stretch>
+            <a:fillRect/>
+          </a:stretch>
+        </p:blipFill>
+        <p:spPr bwMode="auto">
+          <a:xfrm>
+            <a:off x="1590261" y="3716957"/>
+            <a:ext cx="7991061" cy="6613160"/>
+          </a:xfrm>
+          <a:prstGeom prst="rect">
+            <a:avLst/>
+          </a:prstGeom>
+          <a:noFill/>
+          <a:ln>
+            <a:noFill/>
+          </a:ln>
+        </p:spPr>
+      </p:pic>
+      <p:pic>
+        <p:nvPicPr>
+          <p:cNvPr id="19" name="Picture 18">
+            <a:extLst>
+              <a:ext uri="{FF2B5EF4-FFF2-40B4-BE49-F238E27FC236}">
+                <a16:creationId xmlns:a16="http://schemas.microsoft.com/office/drawing/2014/main" id="{3F268E8B-2899-4642-B6BB-5394E1592A06}"/>
+              </a:ext>
+            </a:extLst>
+          </p:cNvPr>
+          <p:cNvPicPr/>
+          <p:nvPr/>
+        </p:nvPicPr>
+        <p:blipFill>
+          <a:blip r:embed="rId3"/>
+          <a:stretch>
+            <a:fillRect/>
+          </a:stretch>
+        </p:blipFill>
+        <p:spPr>
+          <a:xfrm>
+            <a:off x="11587991" y="4265349"/>
+            <a:ext cx="12067140" cy="6661974"/>
+          </a:xfrm>
+          <a:prstGeom prst="rect">
+            <a:avLst/>
+          </a:prstGeom>
+        </p:spPr>
+      </p:pic>
+    </p:spTree>
+    <p:extLst>
+      <p:ext uri="{BB962C8B-B14F-4D97-AF65-F5344CB8AC3E}">
+        <p14:creationId xmlns:p14="http://schemas.microsoft.com/office/powerpoint/2010/main" val="2956644739"/>
+      </p:ext>
+    </p:extLst>
+  </p:cSld>
+  <p:clrMapOvr>
+    <a:masterClrMapping/>
+  </p:clrMapOvr>
+</p:sld>
+</file>
+
+<file path=ppt/slides/slide13.xml><?xml version="1.0" encoding="utf-8"?>
 <p:sld xmlns:a="http://schemas.openxmlformats.org/drawingml/2006/main" xmlns:r="http://schemas.openxmlformats.org/officeDocument/2006/relationships" xmlns:p="http://schemas.openxmlformats.org/presentationml/2006/main">
   <p:cSld>
     <p:spTree>
@@ -3658,7 +6976,7 @@
 </p:sld>
 </file>
 
-<file path=ppt/slides/slide11.xml><?xml version="1.0" encoding="utf-8"?>
+<file path=ppt/slides/slide14.xml><?xml version="1.0" encoding="utf-8"?>
 <p:sld xmlns:a="http://schemas.openxmlformats.org/drawingml/2006/main" xmlns:r="http://schemas.openxmlformats.org/officeDocument/2006/relationships" xmlns:p="http://schemas.openxmlformats.org/presentationml/2006/main">
   <p:cSld>
     <p:spTree>
@@ -3729,8 +7047,8 @@
         </p:nvSpPr>
         <p:spPr>
           <a:xfrm>
-            <a:off x="2024860" y="5194515"/>
-            <a:ext cx="20536966" cy="5509200"/>
+            <a:off x="1030947" y="2795477"/>
+            <a:ext cx="23001870" cy="9694962"/>
           </a:xfrm>
           <a:prstGeom prst="rect">
             <a:avLst/>
@@ -3742,12 +7060,1390 @@
           </a:bodyPr>
           <a:lstStyle/>
           <a:p>
-            <a:pPr marL="571500" lvl="0" indent="-571500">
-              <a:buFont typeface="Arial" panose="020B0604020202020204" pitchFamily="34" charset="0"/>
-              <a:buChar char="•"/>
-            </a:pPr>
-            <a:r>
-              <a:rPr lang="en-US" sz="4400" dirty="0">
+            <a:r>
+              <a:rPr lang="en-US" sz="2400" dirty="0" err="1">
+                <a:solidFill>
+                  <a:schemeClr val="tx2"/>
+                </a:solidFill>
+                <a:latin typeface="Lato" panose="020F0502020204030203" pitchFamily="34" charset="0"/>
+              </a:rPr>
+              <a:t>Diananda</a:t>
+            </a:r>
+            <a:r>
+              <a:rPr lang="en-US" sz="2400" dirty="0">
+                <a:solidFill>
+                  <a:schemeClr val="tx2"/>
+                </a:solidFill>
+                <a:latin typeface="Lato" panose="020F0502020204030203" pitchFamily="34" charset="0"/>
+              </a:rPr>
+              <a:t> R. 2009. </a:t>
+            </a:r>
+            <a:r>
+              <a:rPr lang="en-US" sz="2400" dirty="0" err="1">
+                <a:solidFill>
+                  <a:schemeClr val="tx2"/>
+                </a:solidFill>
+                <a:latin typeface="Lato" panose="020F0502020204030203" pitchFamily="34" charset="0"/>
+              </a:rPr>
+              <a:t>Mengenal</a:t>
+            </a:r>
+            <a:r>
+              <a:rPr lang="en-US" sz="2400" dirty="0">
+                <a:solidFill>
+                  <a:schemeClr val="tx2"/>
+                </a:solidFill>
+                <a:latin typeface="Lato" panose="020F0502020204030203" pitchFamily="34" charset="0"/>
+              </a:rPr>
+              <a:t> </a:t>
+            </a:r>
+            <a:r>
+              <a:rPr lang="en-US" sz="2400" dirty="0" err="1">
+                <a:solidFill>
+                  <a:schemeClr val="tx2"/>
+                </a:solidFill>
+                <a:latin typeface="Lato" panose="020F0502020204030203" pitchFamily="34" charset="0"/>
+              </a:rPr>
+              <a:t>Seluk-Beluk</a:t>
+            </a:r>
+            <a:r>
+              <a:rPr lang="en-US" sz="2400" dirty="0">
+                <a:solidFill>
+                  <a:schemeClr val="tx2"/>
+                </a:solidFill>
+                <a:latin typeface="Lato" panose="020F0502020204030203" pitchFamily="34" charset="0"/>
+              </a:rPr>
+              <a:t> </a:t>
+            </a:r>
+            <a:r>
+              <a:rPr lang="en-US" sz="2400" dirty="0" err="1">
+                <a:solidFill>
+                  <a:schemeClr val="tx2"/>
+                </a:solidFill>
+                <a:latin typeface="Lato" panose="020F0502020204030203" pitchFamily="34" charset="0"/>
+              </a:rPr>
+              <a:t>Kanker</a:t>
+            </a:r>
+            <a:r>
+              <a:rPr lang="en-US" sz="2400" dirty="0">
+                <a:solidFill>
+                  <a:schemeClr val="tx2"/>
+                </a:solidFill>
+                <a:latin typeface="Lato" panose="020F0502020204030203" pitchFamily="34" charset="0"/>
+              </a:rPr>
+              <a:t>. </a:t>
+            </a:r>
+            <a:r>
+              <a:rPr lang="en-US" sz="2400" dirty="0" err="1">
+                <a:solidFill>
+                  <a:schemeClr val="tx2"/>
+                </a:solidFill>
+                <a:latin typeface="Lato" panose="020F0502020204030203" pitchFamily="34" charset="0"/>
+              </a:rPr>
+              <a:t>Cet</a:t>
+            </a:r>
+            <a:r>
+              <a:rPr lang="en-US" sz="2400" dirty="0">
+                <a:solidFill>
+                  <a:schemeClr val="tx2"/>
+                </a:solidFill>
+                <a:latin typeface="Lato" panose="020F0502020204030203" pitchFamily="34" charset="0"/>
+              </a:rPr>
+              <a:t> III. Jogjakarta: </a:t>
+            </a:r>
+            <a:r>
+              <a:rPr lang="en-US" sz="2400" dirty="0" err="1">
+                <a:solidFill>
+                  <a:schemeClr val="tx2"/>
+                </a:solidFill>
+                <a:latin typeface="Lato" panose="020F0502020204030203" pitchFamily="34" charset="0"/>
+              </a:rPr>
+              <a:t>Katahati</a:t>
+            </a:r>
+            <a:r>
+              <a:rPr lang="en-US" sz="2400" dirty="0">
+                <a:solidFill>
+                  <a:schemeClr val="tx2"/>
+                </a:solidFill>
+                <a:latin typeface="Lato" panose="020F0502020204030203" pitchFamily="34" charset="0"/>
+              </a:rPr>
+              <a:t>. </a:t>
+            </a:r>
+          </a:p>
+          <a:p>
+            <a:r>
+              <a:rPr lang="en-US" sz="2400" dirty="0" err="1">
+                <a:solidFill>
+                  <a:schemeClr val="tx2"/>
+                </a:solidFill>
+                <a:latin typeface="Lato" panose="020F0502020204030203" pitchFamily="34" charset="0"/>
+              </a:rPr>
+              <a:t>Dourado</a:t>
+            </a:r>
+            <a:r>
+              <a:rPr lang="en-US" sz="2400" dirty="0">
+                <a:solidFill>
+                  <a:schemeClr val="tx2"/>
+                </a:solidFill>
+                <a:latin typeface="Lato" panose="020F0502020204030203" pitchFamily="34" charset="0"/>
+              </a:rPr>
+              <a:t>, A., Aires, L., &amp; Ramos, J. V. (2009). </a:t>
+            </a:r>
+            <a:r>
+              <a:rPr lang="en-US" sz="2400" dirty="0" err="1">
+                <a:solidFill>
+                  <a:schemeClr val="tx2"/>
+                </a:solidFill>
+                <a:latin typeface="Lato" panose="020F0502020204030203" pitchFamily="34" charset="0"/>
+              </a:rPr>
+              <a:t>eFSLab</a:t>
+            </a:r>
+            <a:r>
+              <a:rPr lang="en-US" sz="2400" dirty="0">
+                <a:solidFill>
+                  <a:schemeClr val="tx2"/>
+                </a:solidFill>
+                <a:latin typeface="Lato" panose="020F0502020204030203" pitchFamily="34" charset="0"/>
+              </a:rPr>
+              <a:t>: Developing evolving fuzzy systems from data in a friendly environment. 2009 European Control Conference (ECC). doi:10.23919/ecc.2009.7074522</a:t>
+            </a:r>
+          </a:p>
+          <a:p>
+            <a:r>
+              <a:rPr lang="en-US" sz="2400" dirty="0">
+                <a:solidFill>
+                  <a:schemeClr val="tx2"/>
+                </a:solidFill>
+                <a:latin typeface="Lato" panose="020F0502020204030203" pitchFamily="34" charset="0"/>
+              </a:rPr>
+              <a:t>Guyton A. C dan Hall J. E. 2014. </a:t>
+            </a:r>
+            <a:r>
+              <a:rPr lang="en-US" sz="2400" dirty="0" err="1">
+                <a:solidFill>
+                  <a:schemeClr val="tx2"/>
+                </a:solidFill>
+                <a:latin typeface="Lato" panose="020F0502020204030203" pitchFamily="34" charset="0"/>
+              </a:rPr>
+              <a:t>Buku</a:t>
+            </a:r>
+            <a:r>
+              <a:rPr lang="en-US" sz="2400" dirty="0">
+                <a:solidFill>
+                  <a:schemeClr val="tx2"/>
+                </a:solidFill>
+                <a:latin typeface="Lato" panose="020F0502020204030203" pitchFamily="34" charset="0"/>
+              </a:rPr>
+              <a:t> Ajar </a:t>
+            </a:r>
+            <a:r>
+              <a:rPr lang="en-US" sz="2400" dirty="0" err="1">
+                <a:solidFill>
+                  <a:schemeClr val="tx2"/>
+                </a:solidFill>
+                <a:latin typeface="Lato" panose="020F0502020204030203" pitchFamily="34" charset="0"/>
+              </a:rPr>
+              <a:t>Fisiologi</a:t>
+            </a:r>
+            <a:r>
+              <a:rPr lang="en-US" sz="2400" dirty="0">
+                <a:solidFill>
+                  <a:schemeClr val="tx2"/>
+                </a:solidFill>
+                <a:latin typeface="Lato" panose="020F0502020204030203" pitchFamily="34" charset="0"/>
+              </a:rPr>
+              <a:t> </a:t>
+            </a:r>
+            <a:r>
+              <a:rPr lang="en-US" sz="2400" dirty="0" err="1">
+                <a:solidFill>
+                  <a:schemeClr val="tx2"/>
+                </a:solidFill>
+                <a:latin typeface="Lato" panose="020F0502020204030203" pitchFamily="34" charset="0"/>
+              </a:rPr>
+              <a:t>Kedokteran</a:t>
+            </a:r>
+            <a:r>
+              <a:rPr lang="en-US" sz="2400" dirty="0">
+                <a:solidFill>
+                  <a:schemeClr val="tx2"/>
+                </a:solidFill>
+                <a:latin typeface="Lato" panose="020F0502020204030203" pitchFamily="34" charset="0"/>
+              </a:rPr>
+              <a:t> (11 ed.). Philadelphia: Elsevier.</a:t>
+            </a:r>
+          </a:p>
+          <a:p>
+            <a:r>
+              <a:rPr lang="en-US" sz="2400" dirty="0">
+                <a:solidFill>
+                  <a:schemeClr val="tx2"/>
+                </a:solidFill>
+                <a:latin typeface="Lato" panose="020F0502020204030203" pitchFamily="34" charset="0"/>
+              </a:rPr>
+              <a:t>JS. R. Jang, C.T. Sun dan E. </a:t>
+            </a:r>
+            <a:r>
+              <a:rPr lang="en-US" sz="2400" dirty="0" err="1">
+                <a:solidFill>
+                  <a:schemeClr val="tx2"/>
+                </a:solidFill>
+                <a:latin typeface="Lato" panose="020F0502020204030203" pitchFamily="34" charset="0"/>
+              </a:rPr>
+              <a:t>Mizutani</a:t>
+            </a:r>
+            <a:r>
+              <a:rPr lang="en-US" sz="2400" dirty="0">
+                <a:solidFill>
+                  <a:schemeClr val="tx2"/>
+                </a:solidFill>
+                <a:latin typeface="Lato" panose="020F0502020204030203" pitchFamily="34" charset="0"/>
+              </a:rPr>
+              <a:t>, (1997). Neuro Fuzzy and Soft Computing London Prentice Hall.</a:t>
+            </a:r>
+          </a:p>
+          <a:p>
+            <a:r>
+              <a:rPr lang="en-US" sz="2400" dirty="0" err="1">
+                <a:solidFill>
+                  <a:schemeClr val="tx2"/>
+                </a:solidFill>
+                <a:latin typeface="Lato" panose="020F0502020204030203" pitchFamily="34" charset="0"/>
+              </a:rPr>
+              <a:t>Kusumadewi</a:t>
+            </a:r>
+            <a:r>
+              <a:rPr lang="en-US" sz="2400" dirty="0">
+                <a:solidFill>
+                  <a:schemeClr val="tx2"/>
+                </a:solidFill>
+                <a:latin typeface="Lato" panose="020F0502020204030203" pitchFamily="34" charset="0"/>
+              </a:rPr>
+              <a:t>. S dan H. Purnomo. (2004). </a:t>
+            </a:r>
+            <a:r>
+              <a:rPr lang="en-US" sz="2400" dirty="0" err="1">
+                <a:solidFill>
+                  <a:schemeClr val="tx2"/>
+                </a:solidFill>
+                <a:latin typeface="Lato" panose="020F0502020204030203" pitchFamily="34" charset="0"/>
+              </a:rPr>
+              <a:t>Aplikasi</a:t>
+            </a:r>
+            <a:r>
+              <a:rPr lang="en-US" sz="2400" dirty="0">
+                <a:solidFill>
+                  <a:schemeClr val="tx2"/>
+                </a:solidFill>
+                <a:latin typeface="Lato" panose="020F0502020204030203" pitchFamily="34" charset="0"/>
+              </a:rPr>
+              <a:t> </a:t>
+            </a:r>
+            <a:r>
+              <a:rPr lang="en-US" sz="2400" dirty="0" err="1">
+                <a:solidFill>
+                  <a:schemeClr val="tx2"/>
+                </a:solidFill>
+                <a:latin typeface="Lato" panose="020F0502020204030203" pitchFamily="34" charset="0"/>
+              </a:rPr>
+              <a:t>Logika</a:t>
+            </a:r>
+            <a:r>
+              <a:rPr lang="en-US" sz="2400" dirty="0">
+                <a:solidFill>
+                  <a:schemeClr val="tx2"/>
+                </a:solidFill>
+                <a:latin typeface="Lato" panose="020F0502020204030203" pitchFamily="34" charset="0"/>
+              </a:rPr>
+              <a:t> Fuzzy </a:t>
+            </a:r>
+            <a:r>
+              <a:rPr lang="en-US" sz="2400" dirty="0" err="1">
+                <a:solidFill>
+                  <a:schemeClr val="tx2"/>
+                </a:solidFill>
+                <a:latin typeface="Lato" panose="020F0502020204030203" pitchFamily="34" charset="0"/>
+              </a:rPr>
+              <a:t>Untuk</a:t>
+            </a:r>
+            <a:r>
+              <a:rPr lang="en-US" sz="2400" dirty="0">
+                <a:solidFill>
+                  <a:schemeClr val="tx2"/>
+                </a:solidFill>
+                <a:latin typeface="Lato" panose="020F0502020204030203" pitchFamily="34" charset="0"/>
+              </a:rPr>
+              <a:t> </a:t>
+            </a:r>
+            <a:r>
+              <a:rPr lang="en-US" sz="2400" dirty="0" err="1">
+                <a:solidFill>
+                  <a:schemeClr val="tx2"/>
+                </a:solidFill>
+                <a:latin typeface="Lato" panose="020F0502020204030203" pitchFamily="34" charset="0"/>
+              </a:rPr>
+              <a:t>Mendukung</a:t>
+            </a:r>
+            <a:r>
+              <a:rPr lang="en-US" sz="2400" dirty="0">
+                <a:solidFill>
+                  <a:schemeClr val="tx2"/>
+                </a:solidFill>
+                <a:latin typeface="Lato" panose="020F0502020204030203" pitchFamily="34" charset="0"/>
+              </a:rPr>
+              <a:t> Keputusan. </a:t>
+            </a:r>
+            <a:r>
+              <a:rPr lang="en-US" sz="2400" dirty="0" err="1">
+                <a:solidFill>
+                  <a:schemeClr val="tx2"/>
+                </a:solidFill>
+                <a:latin typeface="Lato" panose="020F0502020204030203" pitchFamily="34" charset="0"/>
+              </a:rPr>
+              <a:t>Graha</a:t>
+            </a:r>
+            <a:r>
+              <a:rPr lang="en-US" sz="2400" dirty="0">
+                <a:solidFill>
+                  <a:schemeClr val="tx2"/>
+                </a:solidFill>
+                <a:latin typeface="Lato" panose="020F0502020204030203" pitchFamily="34" charset="0"/>
+              </a:rPr>
+              <a:t> </a:t>
+            </a:r>
+            <a:r>
+              <a:rPr lang="en-US" sz="2400" dirty="0" err="1">
+                <a:solidFill>
+                  <a:schemeClr val="tx2"/>
+                </a:solidFill>
+                <a:latin typeface="Lato" panose="020F0502020204030203" pitchFamily="34" charset="0"/>
+              </a:rPr>
+              <a:t>Ilmu</a:t>
+            </a:r>
+            <a:r>
+              <a:rPr lang="en-US" sz="2400" dirty="0">
+                <a:solidFill>
+                  <a:schemeClr val="tx2"/>
+                </a:solidFill>
+                <a:latin typeface="Lato" panose="020F0502020204030203" pitchFamily="34" charset="0"/>
+              </a:rPr>
+              <a:t>, Yogyakarta.</a:t>
+            </a:r>
+          </a:p>
+          <a:p>
+            <a:r>
+              <a:rPr lang="en-US" sz="2400" dirty="0" err="1">
+                <a:solidFill>
+                  <a:schemeClr val="tx2"/>
+                </a:solidFill>
+                <a:latin typeface="Lato" panose="020F0502020204030203" pitchFamily="34" charset="0"/>
+              </a:rPr>
+              <a:t>Lekkas</a:t>
+            </a:r>
+            <a:r>
+              <a:rPr lang="en-US" sz="2400" dirty="0">
+                <a:solidFill>
+                  <a:schemeClr val="tx2"/>
+                </a:solidFill>
+                <a:latin typeface="Lato" panose="020F0502020204030203" pitchFamily="34" charset="0"/>
+              </a:rPr>
+              <a:t>, S., &amp; Mikhailov, L. (2009). </a:t>
+            </a:r>
+            <a:r>
+              <a:rPr lang="en-US" sz="2400" i="1" dirty="0">
+                <a:solidFill>
+                  <a:schemeClr val="tx2"/>
+                </a:solidFill>
+                <a:latin typeface="Lato" panose="020F0502020204030203" pitchFamily="34" charset="0"/>
+              </a:rPr>
+              <a:t>Breast cancer diagnosis based on evolvable fuzzy classifiers and feature selection. Applications and Innovations in Intelligent Systems XVI, 185–195.</a:t>
+            </a:r>
+            <a:r>
+              <a:rPr lang="en-US" sz="2400" dirty="0">
+                <a:solidFill>
+                  <a:schemeClr val="tx2"/>
+                </a:solidFill>
+                <a:latin typeface="Lato" panose="020F0502020204030203" pitchFamily="34" charset="0"/>
+              </a:rPr>
+              <a:t> doi:10.1007/978-1-84882-215-3_14 </a:t>
+            </a:r>
+          </a:p>
+          <a:p>
+            <a:r>
+              <a:rPr lang="en-US" sz="2400" dirty="0" err="1">
+                <a:solidFill>
+                  <a:schemeClr val="tx2"/>
+                </a:solidFill>
+                <a:latin typeface="Lato" panose="020F0502020204030203" pitchFamily="34" charset="0"/>
+              </a:rPr>
+              <a:t>Marimin</a:t>
+            </a:r>
+            <a:r>
+              <a:rPr lang="en-US" sz="2400" dirty="0">
+                <a:solidFill>
+                  <a:schemeClr val="tx2"/>
+                </a:solidFill>
+                <a:latin typeface="Lato" panose="020F0502020204030203" pitchFamily="34" charset="0"/>
+              </a:rPr>
+              <a:t>. (2005). </a:t>
+            </a:r>
+            <a:r>
+              <a:rPr lang="en-US" sz="2400" dirty="0" err="1">
+                <a:solidFill>
+                  <a:schemeClr val="tx2"/>
+                </a:solidFill>
+                <a:latin typeface="Lato" panose="020F0502020204030203" pitchFamily="34" charset="0"/>
+              </a:rPr>
+              <a:t>Teori</a:t>
+            </a:r>
+            <a:r>
+              <a:rPr lang="en-US" sz="2400" dirty="0">
+                <a:solidFill>
+                  <a:schemeClr val="tx2"/>
+                </a:solidFill>
+                <a:latin typeface="Lato" panose="020F0502020204030203" pitchFamily="34" charset="0"/>
+              </a:rPr>
+              <a:t> dan </a:t>
+            </a:r>
+            <a:r>
+              <a:rPr lang="en-US" sz="2400" dirty="0" err="1">
+                <a:solidFill>
+                  <a:schemeClr val="tx2"/>
+                </a:solidFill>
+                <a:latin typeface="Lato" panose="020F0502020204030203" pitchFamily="34" charset="0"/>
+              </a:rPr>
+              <a:t>aplikasi</a:t>
+            </a:r>
+            <a:r>
+              <a:rPr lang="en-US" sz="2400" dirty="0">
+                <a:solidFill>
+                  <a:schemeClr val="tx2"/>
+                </a:solidFill>
+                <a:latin typeface="Lato" panose="020F0502020204030203" pitchFamily="34" charset="0"/>
+              </a:rPr>
+              <a:t> </a:t>
+            </a:r>
+            <a:r>
+              <a:rPr lang="en-US" sz="2400" dirty="0" err="1">
+                <a:solidFill>
+                  <a:schemeClr val="tx2"/>
+                </a:solidFill>
+                <a:latin typeface="Lato" panose="020F0502020204030203" pitchFamily="34" charset="0"/>
+              </a:rPr>
+              <a:t>sistem</a:t>
+            </a:r>
+            <a:r>
+              <a:rPr lang="en-US" sz="2400" dirty="0">
+                <a:solidFill>
+                  <a:schemeClr val="tx2"/>
+                </a:solidFill>
+                <a:latin typeface="Lato" panose="020F0502020204030203" pitchFamily="34" charset="0"/>
+              </a:rPr>
+              <a:t> </a:t>
+            </a:r>
+            <a:r>
+              <a:rPr lang="en-US" sz="2400" dirty="0" err="1">
+                <a:solidFill>
+                  <a:schemeClr val="tx2"/>
+                </a:solidFill>
+                <a:latin typeface="Lato" panose="020F0502020204030203" pitchFamily="34" charset="0"/>
+              </a:rPr>
+              <a:t>pakar</a:t>
+            </a:r>
+            <a:r>
+              <a:rPr lang="en-US" sz="2400" dirty="0">
+                <a:solidFill>
+                  <a:schemeClr val="tx2"/>
+                </a:solidFill>
+                <a:latin typeface="Lato" panose="020F0502020204030203" pitchFamily="34" charset="0"/>
+              </a:rPr>
+              <a:t> </a:t>
+            </a:r>
+            <a:r>
+              <a:rPr lang="en-US" sz="2400" dirty="0" err="1">
+                <a:solidFill>
+                  <a:schemeClr val="tx2"/>
+                </a:solidFill>
+                <a:latin typeface="Lato" panose="020F0502020204030203" pitchFamily="34" charset="0"/>
+              </a:rPr>
+              <a:t>dalam</a:t>
+            </a:r>
+            <a:r>
+              <a:rPr lang="en-US" sz="2400" dirty="0">
+                <a:solidFill>
+                  <a:schemeClr val="tx2"/>
+                </a:solidFill>
+                <a:latin typeface="Lato" panose="020F0502020204030203" pitchFamily="34" charset="0"/>
+              </a:rPr>
+              <a:t> </a:t>
+            </a:r>
+            <a:r>
+              <a:rPr lang="en-US" sz="2400" dirty="0" err="1">
+                <a:solidFill>
+                  <a:schemeClr val="tx2"/>
+                </a:solidFill>
+                <a:latin typeface="Lato" panose="020F0502020204030203" pitchFamily="34" charset="0"/>
+              </a:rPr>
+              <a:t>tehnologi</a:t>
+            </a:r>
+            <a:r>
+              <a:rPr lang="en-US" sz="2400" dirty="0">
+                <a:solidFill>
+                  <a:schemeClr val="tx2"/>
+                </a:solidFill>
+                <a:latin typeface="Lato" panose="020F0502020204030203" pitchFamily="34" charset="0"/>
+              </a:rPr>
+              <a:t> </a:t>
+            </a:r>
+            <a:r>
+              <a:rPr lang="en-US" sz="2400" dirty="0" err="1">
+                <a:solidFill>
+                  <a:schemeClr val="tx2"/>
+                </a:solidFill>
+                <a:latin typeface="Lato" panose="020F0502020204030203" pitchFamily="34" charset="0"/>
+              </a:rPr>
+              <a:t>manajerial</a:t>
+            </a:r>
+            <a:r>
+              <a:rPr lang="en-US" sz="2400" dirty="0">
+                <a:solidFill>
+                  <a:schemeClr val="tx2"/>
+                </a:solidFill>
+                <a:latin typeface="Lato" panose="020F0502020204030203" pitchFamily="34" charset="0"/>
+              </a:rPr>
+              <a:t>. IPB – Press, Bogor.</a:t>
+            </a:r>
+          </a:p>
+          <a:p>
+            <a:r>
+              <a:rPr lang="en-US" sz="2400" dirty="0">
+                <a:solidFill>
+                  <a:schemeClr val="tx2"/>
+                </a:solidFill>
+                <a:latin typeface="Lato" panose="020F0502020204030203" pitchFamily="34" charset="0"/>
+              </a:rPr>
+              <a:t>Mitchell M. Tom. 1997. ”Machine Learning”. McGraw-Hill International Editions. Printed in Singapore.</a:t>
+            </a:r>
+          </a:p>
+          <a:p>
+            <a:r>
+              <a:rPr lang="en-US" sz="2400" dirty="0" err="1">
+                <a:solidFill>
+                  <a:schemeClr val="tx2"/>
+                </a:solidFill>
+                <a:latin typeface="Lato" panose="020F0502020204030203" pitchFamily="34" charset="0"/>
+              </a:rPr>
+              <a:t>Negnevitsky</a:t>
+            </a:r>
+            <a:r>
+              <a:rPr lang="en-US" sz="2400" dirty="0">
+                <a:solidFill>
+                  <a:schemeClr val="tx2"/>
+                </a:solidFill>
+                <a:latin typeface="Lato" panose="020F0502020204030203" pitchFamily="34" charset="0"/>
+              </a:rPr>
+              <a:t>, 2002, Hybrid intelligent systems: Evolutionary neural networks and fuzzy evolutionary systems, Pearson Education.</a:t>
+            </a:r>
+          </a:p>
+          <a:p>
+            <a:r>
+              <a:rPr lang="en-US" sz="2400" dirty="0">
+                <a:solidFill>
+                  <a:schemeClr val="tx2"/>
+                </a:solidFill>
+                <a:latin typeface="Lato" panose="020F0502020204030203" pitchFamily="34" charset="0"/>
+              </a:rPr>
+              <a:t>Purnomo B.B. 2011. Dasar-</a:t>
+            </a:r>
+            <a:r>
+              <a:rPr lang="en-US" sz="2400" dirty="0" err="1">
+                <a:solidFill>
+                  <a:schemeClr val="tx2"/>
+                </a:solidFill>
+                <a:latin typeface="Lato" panose="020F0502020204030203" pitchFamily="34" charset="0"/>
+              </a:rPr>
+              <a:t>dasar</a:t>
+            </a:r>
+            <a:r>
+              <a:rPr lang="en-US" sz="2400" dirty="0">
+                <a:solidFill>
+                  <a:schemeClr val="tx2"/>
+                </a:solidFill>
+                <a:latin typeface="Lato" panose="020F0502020204030203" pitchFamily="34" charset="0"/>
+              </a:rPr>
+              <a:t> </a:t>
+            </a:r>
+            <a:r>
+              <a:rPr lang="en-US" sz="2400" dirty="0" err="1">
+                <a:solidFill>
+                  <a:schemeClr val="tx2"/>
+                </a:solidFill>
+                <a:latin typeface="Lato" panose="020F0502020204030203" pitchFamily="34" charset="0"/>
+              </a:rPr>
+              <a:t>Urologi</a:t>
+            </a:r>
+            <a:r>
+              <a:rPr lang="en-US" sz="2400" dirty="0">
+                <a:solidFill>
+                  <a:schemeClr val="tx2"/>
+                </a:solidFill>
+                <a:latin typeface="Lato" panose="020F0502020204030203" pitchFamily="34" charset="0"/>
+              </a:rPr>
+              <a:t>. </a:t>
+            </a:r>
+            <a:r>
+              <a:rPr lang="en-US" sz="2400" dirty="0" err="1">
+                <a:solidFill>
+                  <a:schemeClr val="tx2"/>
+                </a:solidFill>
+                <a:latin typeface="Lato" panose="020F0502020204030203" pitchFamily="34" charset="0"/>
+              </a:rPr>
+              <a:t>Edisi</a:t>
+            </a:r>
+            <a:r>
+              <a:rPr lang="en-US" sz="2400" dirty="0">
+                <a:solidFill>
+                  <a:schemeClr val="tx2"/>
+                </a:solidFill>
+                <a:latin typeface="Lato" panose="020F0502020204030203" pitchFamily="34" charset="0"/>
+              </a:rPr>
+              <a:t> III. Jakarta: </a:t>
+            </a:r>
+            <a:r>
+              <a:rPr lang="en-US" sz="2400" dirty="0" err="1">
+                <a:solidFill>
+                  <a:schemeClr val="tx2"/>
+                </a:solidFill>
+                <a:latin typeface="Lato" panose="020F0502020204030203" pitchFamily="34" charset="0"/>
+              </a:rPr>
+              <a:t>Sagung</a:t>
+            </a:r>
+            <a:r>
+              <a:rPr lang="en-US" sz="2400" dirty="0">
+                <a:solidFill>
+                  <a:schemeClr val="tx2"/>
+                </a:solidFill>
+                <a:latin typeface="Lato" panose="020F0502020204030203" pitchFamily="34" charset="0"/>
+              </a:rPr>
+              <a:t> </a:t>
+            </a:r>
+            <a:r>
+              <a:rPr lang="en-US" sz="2400" dirty="0" err="1">
+                <a:solidFill>
+                  <a:schemeClr val="tx2"/>
+                </a:solidFill>
+                <a:latin typeface="Lato" panose="020F0502020204030203" pitchFamily="34" charset="0"/>
+              </a:rPr>
+              <a:t>Seto</a:t>
+            </a:r>
+            <a:r>
+              <a:rPr lang="en-US" sz="2400" dirty="0">
+                <a:solidFill>
+                  <a:schemeClr val="tx2"/>
+                </a:solidFill>
+                <a:latin typeface="Lato" panose="020F0502020204030203" pitchFamily="34" charset="0"/>
+              </a:rPr>
+              <a:t>.</a:t>
+            </a:r>
+          </a:p>
+          <a:p>
+            <a:r>
+              <a:rPr lang="en-US" sz="2400" dirty="0">
+                <a:solidFill>
+                  <a:schemeClr val="tx2"/>
+                </a:solidFill>
+                <a:latin typeface="Lato" panose="020F0502020204030203" pitchFamily="34" charset="0"/>
+              </a:rPr>
+              <a:t>Sri </a:t>
+            </a:r>
+            <a:r>
+              <a:rPr lang="en-US" sz="2400" dirty="0" err="1">
+                <a:solidFill>
+                  <a:schemeClr val="tx2"/>
+                </a:solidFill>
+                <a:latin typeface="Lato" panose="020F0502020204030203" pitchFamily="34" charset="0"/>
+              </a:rPr>
+              <a:t>Kusumadewi</a:t>
+            </a:r>
+            <a:r>
+              <a:rPr lang="en-US" sz="2400" dirty="0">
+                <a:solidFill>
+                  <a:schemeClr val="tx2"/>
+                </a:solidFill>
+                <a:latin typeface="Lato" panose="020F0502020204030203" pitchFamily="34" charset="0"/>
+              </a:rPr>
+              <a:t>, (2002). </a:t>
+            </a:r>
+            <a:r>
+              <a:rPr lang="en-US" sz="2400" dirty="0" err="1">
+                <a:solidFill>
+                  <a:schemeClr val="tx2"/>
+                </a:solidFill>
+                <a:latin typeface="Lato" panose="020F0502020204030203" pitchFamily="34" charset="0"/>
+              </a:rPr>
+              <a:t>Analisis</a:t>
+            </a:r>
+            <a:r>
+              <a:rPr lang="en-US" sz="2400" dirty="0">
+                <a:solidFill>
+                  <a:schemeClr val="tx2"/>
+                </a:solidFill>
+                <a:latin typeface="Lato" panose="020F0502020204030203" pitchFamily="34" charset="0"/>
+              </a:rPr>
+              <a:t> dan </a:t>
+            </a:r>
+            <a:r>
+              <a:rPr lang="en-US" sz="2400" dirty="0" err="1">
+                <a:solidFill>
+                  <a:schemeClr val="tx2"/>
+                </a:solidFill>
+                <a:latin typeface="Lato" panose="020F0502020204030203" pitchFamily="34" charset="0"/>
+              </a:rPr>
+              <a:t>Desain</a:t>
+            </a:r>
+            <a:r>
+              <a:rPr lang="en-US" sz="2400" dirty="0">
+                <a:solidFill>
+                  <a:schemeClr val="tx2"/>
+                </a:solidFill>
+                <a:latin typeface="Lato" panose="020F0502020204030203" pitchFamily="34" charset="0"/>
+              </a:rPr>
+              <a:t> </a:t>
+            </a:r>
+            <a:r>
+              <a:rPr lang="en-US" sz="2400" dirty="0" err="1">
+                <a:solidFill>
+                  <a:schemeClr val="tx2"/>
+                </a:solidFill>
+                <a:latin typeface="Lato" panose="020F0502020204030203" pitchFamily="34" charset="0"/>
+              </a:rPr>
+              <a:t>Sistem</a:t>
+            </a:r>
+            <a:r>
+              <a:rPr lang="en-US" sz="2400" dirty="0">
+                <a:solidFill>
+                  <a:schemeClr val="tx2"/>
+                </a:solidFill>
+                <a:latin typeface="Lato" panose="020F0502020204030203" pitchFamily="34" charset="0"/>
+              </a:rPr>
+              <a:t> Fuzzy </a:t>
+            </a:r>
+            <a:r>
+              <a:rPr lang="en-US" sz="2400" dirty="0" err="1">
+                <a:solidFill>
+                  <a:schemeClr val="tx2"/>
+                </a:solidFill>
+                <a:latin typeface="Lato" panose="020F0502020204030203" pitchFamily="34" charset="0"/>
+              </a:rPr>
+              <a:t>menggunakan</a:t>
+            </a:r>
+            <a:r>
+              <a:rPr lang="en-US" sz="2400" dirty="0">
+                <a:solidFill>
+                  <a:schemeClr val="tx2"/>
+                </a:solidFill>
+                <a:latin typeface="Lato" panose="020F0502020204030203" pitchFamily="34" charset="0"/>
+              </a:rPr>
+              <a:t> Tool Box </a:t>
+            </a:r>
+            <a:r>
+              <a:rPr lang="en-US" sz="2400" dirty="0" err="1">
+                <a:solidFill>
+                  <a:schemeClr val="tx2"/>
+                </a:solidFill>
+                <a:latin typeface="Lato" panose="020F0502020204030203" pitchFamily="34" charset="0"/>
+              </a:rPr>
+              <a:t>Matlab</a:t>
+            </a:r>
+            <a:r>
+              <a:rPr lang="en-US" sz="2400" dirty="0">
+                <a:solidFill>
+                  <a:schemeClr val="tx2"/>
+                </a:solidFill>
+                <a:latin typeface="Lato" panose="020F0502020204030203" pitchFamily="34" charset="0"/>
+              </a:rPr>
+              <a:t>, </a:t>
+            </a:r>
+            <a:r>
+              <a:rPr lang="en-US" sz="2400" dirty="0" err="1">
+                <a:solidFill>
+                  <a:schemeClr val="tx2"/>
+                </a:solidFill>
+                <a:latin typeface="Lato" panose="020F0502020204030203" pitchFamily="34" charset="0"/>
+              </a:rPr>
+              <a:t>edisi</a:t>
+            </a:r>
+            <a:r>
+              <a:rPr lang="en-US" sz="2400" dirty="0">
+                <a:solidFill>
+                  <a:schemeClr val="tx2"/>
+                </a:solidFill>
+                <a:latin typeface="Lato" panose="020F0502020204030203" pitchFamily="34" charset="0"/>
+              </a:rPr>
+              <a:t> </a:t>
+            </a:r>
+            <a:r>
+              <a:rPr lang="en-US" sz="2400" dirty="0" err="1">
+                <a:solidFill>
+                  <a:schemeClr val="tx2"/>
+                </a:solidFill>
+                <a:latin typeface="Lato" panose="020F0502020204030203" pitchFamily="34" charset="0"/>
+              </a:rPr>
+              <a:t>pertama</a:t>
+            </a:r>
+            <a:r>
+              <a:rPr lang="en-US" sz="2400" dirty="0">
+                <a:solidFill>
+                  <a:schemeClr val="tx2"/>
+                </a:solidFill>
+                <a:latin typeface="Lato" panose="020F0502020204030203" pitchFamily="34" charset="0"/>
+              </a:rPr>
+              <a:t>. </a:t>
+            </a:r>
+            <a:r>
+              <a:rPr lang="en-US" sz="2400" dirty="0" err="1">
+                <a:solidFill>
+                  <a:schemeClr val="tx2"/>
+                </a:solidFill>
+                <a:latin typeface="Lato" panose="020F0502020204030203" pitchFamily="34" charset="0"/>
+              </a:rPr>
+              <a:t>Penerbit</a:t>
+            </a:r>
+            <a:r>
+              <a:rPr lang="en-US" sz="2400" dirty="0">
+                <a:solidFill>
+                  <a:schemeClr val="tx2"/>
+                </a:solidFill>
+                <a:latin typeface="Lato" panose="020F0502020204030203" pitchFamily="34" charset="0"/>
+              </a:rPr>
+              <a:t> </a:t>
+            </a:r>
+            <a:r>
+              <a:rPr lang="en-US" sz="2400" dirty="0" err="1">
+                <a:solidFill>
+                  <a:schemeClr val="tx2"/>
+                </a:solidFill>
+                <a:latin typeface="Lato" panose="020F0502020204030203" pitchFamily="34" charset="0"/>
+              </a:rPr>
+              <a:t>Graha</a:t>
+            </a:r>
+            <a:r>
+              <a:rPr lang="en-US" sz="2400" dirty="0">
+                <a:solidFill>
+                  <a:schemeClr val="tx2"/>
+                </a:solidFill>
+                <a:latin typeface="Lato" panose="020F0502020204030203" pitchFamily="34" charset="0"/>
+              </a:rPr>
+              <a:t> </a:t>
+            </a:r>
+            <a:r>
+              <a:rPr lang="en-US" sz="2400" dirty="0" err="1">
+                <a:solidFill>
+                  <a:schemeClr val="tx2"/>
+                </a:solidFill>
+                <a:latin typeface="Lato" panose="020F0502020204030203" pitchFamily="34" charset="0"/>
+              </a:rPr>
+              <a:t>Ilmu</a:t>
+            </a:r>
+            <a:r>
+              <a:rPr lang="en-US" sz="2400" dirty="0">
+                <a:solidFill>
+                  <a:schemeClr val="tx2"/>
+                </a:solidFill>
+                <a:latin typeface="Lato" panose="020F0502020204030203" pitchFamily="34" charset="0"/>
+              </a:rPr>
+              <a:t>, Jakarta.</a:t>
+            </a:r>
+          </a:p>
+          <a:p>
+            <a:r>
+              <a:rPr lang="en-US" sz="2400" dirty="0">
+                <a:solidFill>
+                  <a:schemeClr val="tx2"/>
+                </a:solidFill>
+                <a:latin typeface="Lato" panose="020F0502020204030203" pitchFamily="34" charset="0"/>
+              </a:rPr>
+              <a:t>Sri </a:t>
+            </a:r>
+            <a:r>
+              <a:rPr lang="en-US" sz="2400" dirty="0" err="1">
+                <a:solidFill>
+                  <a:schemeClr val="tx2"/>
+                </a:solidFill>
+                <a:latin typeface="Lato" panose="020F0502020204030203" pitchFamily="34" charset="0"/>
+              </a:rPr>
+              <a:t>Kusumadewi</a:t>
+            </a:r>
+            <a:r>
+              <a:rPr lang="en-US" sz="2400" dirty="0">
+                <a:solidFill>
+                  <a:schemeClr val="tx2"/>
+                </a:solidFill>
+                <a:latin typeface="Lato" panose="020F0502020204030203" pitchFamily="34" charset="0"/>
+              </a:rPr>
+              <a:t>, (2003). Artificial Intelligence (Teknik dan </a:t>
+            </a:r>
+            <a:r>
+              <a:rPr lang="en-US" sz="2400" dirty="0" err="1">
+                <a:solidFill>
+                  <a:schemeClr val="tx2"/>
+                </a:solidFill>
+                <a:latin typeface="Lato" panose="020F0502020204030203" pitchFamily="34" charset="0"/>
+              </a:rPr>
+              <a:t>Aplikasinya</a:t>
+            </a:r>
+            <a:r>
+              <a:rPr lang="en-US" sz="2400" dirty="0">
+                <a:solidFill>
+                  <a:schemeClr val="tx2"/>
+                </a:solidFill>
+                <a:latin typeface="Lato" panose="020F0502020204030203" pitchFamily="34" charset="0"/>
+              </a:rPr>
+              <a:t>), </a:t>
+            </a:r>
+            <a:r>
+              <a:rPr lang="en-US" sz="2400" dirty="0" err="1">
+                <a:solidFill>
+                  <a:schemeClr val="tx2"/>
+                </a:solidFill>
+                <a:latin typeface="Lato" panose="020F0502020204030203" pitchFamily="34" charset="0"/>
+              </a:rPr>
+              <a:t>edisi</a:t>
+            </a:r>
+            <a:r>
+              <a:rPr lang="en-US" sz="2400" dirty="0">
+                <a:solidFill>
+                  <a:schemeClr val="tx2"/>
+                </a:solidFill>
+                <a:latin typeface="Lato" panose="020F0502020204030203" pitchFamily="34" charset="0"/>
+              </a:rPr>
+              <a:t> </a:t>
+            </a:r>
+            <a:r>
+              <a:rPr lang="en-US" sz="2400" dirty="0" err="1">
+                <a:solidFill>
+                  <a:schemeClr val="tx2"/>
+                </a:solidFill>
+                <a:latin typeface="Lato" panose="020F0502020204030203" pitchFamily="34" charset="0"/>
+              </a:rPr>
+              <a:t>pertama</a:t>
+            </a:r>
+            <a:r>
+              <a:rPr lang="en-US" sz="2400" dirty="0">
+                <a:solidFill>
+                  <a:schemeClr val="tx2"/>
+                </a:solidFill>
+                <a:latin typeface="Lato" panose="020F0502020204030203" pitchFamily="34" charset="0"/>
+              </a:rPr>
+              <a:t>. </a:t>
+            </a:r>
+            <a:r>
+              <a:rPr lang="en-US" sz="2400" dirty="0" err="1">
+                <a:solidFill>
+                  <a:schemeClr val="tx2"/>
+                </a:solidFill>
+                <a:latin typeface="Lato" panose="020F0502020204030203" pitchFamily="34" charset="0"/>
+              </a:rPr>
+              <a:t>Penerbit</a:t>
+            </a:r>
+            <a:r>
+              <a:rPr lang="en-US" sz="2400" dirty="0">
+                <a:solidFill>
+                  <a:schemeClr val="tx2"/>
+                </a:solidFill>
+                <a:latin typeface="Lato" panose="020F0502020204030203" pitchFamily="34" charset="0"/>
+              </a:rPr>
+              <a:t> </a:t>
+            </a:r>
+            <a:r>
+              <a:rPr lang="en-US" sz="2400" dirty="0" err="1">
+                <a:solidFill>
+                  <a:schemeClr val="tx2"/>
+                </a:solidFill>
+                <a:latin typeface="Lato" panose="020F0502020204030203" pitchFamily="34" charset="0"/>
+              </a:rPr>
+              <a:t>Graha</a:t>
+            </a:r>
+            <a:r>
+              <a:rPr lang="en-US" sz="2400" dirty="0">
+                <a:solidFill>
+                  <a:schemeClr val="tx2"/>
+                </a:solidFill>
+                <a:latin typeface="Lato" panose="020F0502020204030203" pitchFamily="34" charset="0"/>
+              </a:rPr>
+              <a:t> </a:t>
+            </a:r>
+            <a:r>
+              <a:rPr lang="en-US" sz="2400" dirty="0" err="1">
+                <a:solidFill>
+                  <a:schemeClr val="tx2"/>
+                </a:solidFill>
+                <a:latin typeface="Lato" panose="020F0502020204030203" pitchFamily="34" charset="0"/>
+              </a:rPr>
+              <a:t>Ilmu</a:t>
+            </a:r>
+            <a:r>
+              <a:rPr lang="en-US" sz="2400" dirty="0">
+                <a:solidFill>
+                  <a:schemeClr val="tx2"/>
+                </a:solidFill>
+                <a:latin typeface="Lato" panose="020F0502020204030203" pitchFamily="34" charset="0"/>
+              </a:rPr>
+              <a:t>, Jakarta.</a:t>
+            </a:r>
+          </a:p>
+          <a:p>
+            <a:r>
+              <a:rPr lang="en-US" sz="2400" dirty="0" err="1">
+                <a:solidFill>
+                  <a:schemeClr val="tx2"/>
+                </a:solidFill>
+                <a:latin typeface="Lato" panose="020F0502020204030203" pitchFamily="34" charset="0"/>
+              </a:rPr>
+              <a:t>Supriyanto</a:t>
+            </a:r>
+            <a:r>
+              <a:rPr lang="en-US" sz="2400" dirty="0">
+                <a:solidFill>
+                  <a:schemeClr val="tx2"/>
+                </a:solidFill>
+                <a:latin typeface="Lato" panose="020F0502020204030203" pitchFamily="34" charset="0"/>
+              </a:rPr>
+              <a:t> </a:t>
+            </a:r>
+            <a:r>
+              <a:rPr lang="en-US" sz="2400" dirty="0" err="1">
+                <a:solidFill>
+                  <a:schemeClr val="tx2"/>
+                </a:solidFill>
+                <a:latin typeface="Lato" panose="020F0502020204030203" pitchFamily="34" charset="0"/>
+              </a:rPr>
+              <a:t>Wawan</a:t>
+            </a:r>
+            <a:r>
+              <a:rPr lang="en-US" sz="2400" dirty="0">
+                <a:solidFill>
+                  <a:schemeClr val="tx2"/>
+                </a:solidFill>
+                <a:latin typeface="Lato" panose="020F0502020204030203" pitchFamily="34" charset="0"/>
+              </a:rPr>
+              <a:t>. 2010. </a:t>
+            </a:r>
+            <a:r>
+              <a:rPr lang="en-US" sz="2400" dirty="0" err="1">
+                <a:solidFill>
+                  <a:schemeClr val="tx2"/>
+                </a:solidFill>
+                <a:latin typeface="Lato" panose="020F0502020204030203" pitchFamily="34" charset="0"/>
+              </a:rPr>
+              <a:t>Ancaman</a:t>
+            </a:r>
+            <a:r>
+              <a:rPr lang="en-US" sz="2400" dirty="0">
+                <a:solidFill>
+                  <a:schemeClr val="tx2"/>
+                </a:solidFill>
+                <a:latin typeface="Lato" panose="020F0502020204030203" pitchFamily="34" charset="0"/>
+              </a:rPr>
+              <a:t> </a:t>
+            </a:r>
+            <a:r>
+              <a:rPr lang="en-US" sz="2400" dirty="0" err="1">
+                <a:solidFill>
+                  <a:schemeClr val="tx2"/>
+                </a:solidFill>
+                <a:latin typeface="Lato" panose="020F0502020204030203" pitchFamily="34" charset="0"/>
+              </a:rPr>
+              <a:t>Penyakit</a:t>
+            </a:r>
+            <a:r>
+              <a:rPr lang="en-US" sz="2400" dirty="0">
+                <a:solidFill>
+                  <a:schemeClr val="tx2"/>
+                </a:solidFill>
+                <a:latin typeface="Lato" panose="020F0502020204030203" pitchFamily="34" charset="0"/>
+              </a:rPr>
+              <a:t> </a:t>
+            </a:r>
+            <a:r>
+              <a:rPr lang="en-US" sz="2400" dirty="0" err="1">
+                <a:solidFill>
+                  <a:schemeClr val="tx2"/>
+                </a:solidFill>
+                <a:latin typeface="Lato" panose="020F0502020204030203" pitchFamily="34" charset="0"/>
+              </a:rPr>
+              <a:t>Kanker</a:t>
+            </a:r>
+            <a:r>
+              <a:rPr lang="en-US" sz="2400" dirty="0">
+                <a:solidFill>
+                  <a:schemeClr val="tx2"/>
+                </a:solidFill>
+                <a:latin typeface="Lato" panose="020F0502020204030203" pitchFamily="34" charset="0"/>
+              </a:rPr>
+              <a:t> </a:t>
+            </a:r>
+            <a:r>
+              <a:rPr lang="en-US" sz="2400" dirty="0" err="1">
+                <a:solidFill>
+                  <a:schemeClr val="tx2"/>
+                </a:solidFill>
+                <a:latin typeface="Lato" panose="020F0502020204030203" pitchFamily="34" charset="0"/>
+              </a:rPr>
+              <a:t>Deteksi</a:t>
+            </a:r>
+            <a:r>
+              <a:rPr lang="en-US" sz="2400" dirty="0">
+                <a:solidFill>
+                  <a:schemeClr val="tx2"/>
+                </a:solidFill>
+                <a:latin typeface="Lato" panose="020F0502020204030203" pitchFamily="34" charset="0"/>
+              </a:rPr>
+              <a:t> </a:t>
+            </a:r>
+            <a:r>
+              <a:rPr lang="en-US" sz="2400" dirty="0" err="1">
+                <a:solidFill>
+                  <a:schemeClr val="tx2"/>
+                </a:solidFill>
+                <a:latin typeface="Lato" panose="020F0502020204030203" pitchFamily="34" charset="0"/>
+              </a:rPr>
+              <a:t>dini</a:t>
+            </a:r>
+            <a:r>
+              <a:rPr lang="en-US" sz="2400" dirty="0">
+                <a:solidFill>
+                  <a:schemeClr val="tx2"/>
+                </a:solidFill>
+                <a:latin typeface="Lato" panose="020F0502020204030203" pitchFamily="34" charset="0"/>
+              </a:rPr>
+              <a:t> dan </a:t>
+            </a:r>
+            <a:r>
+              <a:rPr lang="en-US" sz="2400" dirty="0" err="1">
+                <a:solidFill>
+                  <a:schemeClr val="tx2"/>
+                </a:solidFill>
+                <a:latin typeface="Lato" panose="020F0502020204030203" pitchFamily="34" charset="0"/>
+              </a:rPr>
+              <a:t>Pengobatannya</a:t>
+            </a:r>
+            <a:r>
+              <a:rPr lang="en-US" sz="2400" dirty="0">
+                <a:solidFill>
+                  <a:schemeClr val="tx2"/>
+                </a:solidFill>
+                <a:latin typeface="Lato" panose="020F0502020204030203" pitchFamily="34" charset="0"/>
+              </a:rPr>
+              <a:t>. Yogyakarta : </a:t>
+            </a:r>
+            <a:r>
+              <a:rPr lang="en-US" sz="2400" dirty="0" err="1">
+                <a:solidFill>
+                  <a:schemeClr val="tx2"/>
+                </a:solidFill>
+                <a:latin typeface="Lato" panose="020F0502020204030203" pitchFamily="34" charset="0"/>
+              </a:rPr>
+              <a:t>Cahaya</a:t>
+            </a:r>
+            <a:r>
+              <a:rPr lang="en-US" sz="2400" dirty="0">
+                <a:solidFill>
+                  <a:schemeClr val="tx2"/>
+                </a:solidFill>
+                <a:latin typeface="Lato" panose="020F0502020204030203" pitchFamily="34" charset="0"/>
+              </a:rPr>
+              <a:t> </a:t>
+            </a:r>
+            <a:r>
+              <a:rPr lang="en-US" sz="2400" dirty="0" err="1">
+                <a:solidFill>
+                  <a:schemeClr val="tx2"/>
+                </a:solidFill>
+                <a:latin typeface="Lato" panose="020F0502020204030203" pitchFamily="34" charset="0"/>
+              </a:rPr>
+              <a:t>Ilmu</a:t>
+            </a:r>
+            <a:r>
+              <a:rPr lang="en-US" sz="2400" dirty="0">
+                <a:solidFill>
+                  <a:schemeClr val="tx2"/>
+                </a:solidFill>
+                <a:latin typeface="Lato" panose="020F0502020204030203" pitchFamily="34" charset="0"/>
+              </a:rPr>
+              <a:t>.</a:t>
+            </a:r>
+          </a:p>
+          <a:p>
+            <a:r>
+              <a:rPr lang="en-US" sz="2400" dirty="0" err="1">
+                <a:solidFill>
+                  <a:schemeClr val="tx2"/>
+                </a:solidFill>
+                <a:latin typeface="Lato" panose="020F0502020204030203" pitchFamily="34" charset="0"/>
+              </a:rPr>
+              <a:t>Suyanto</a:t>
+            </a:r>
+            <a:r>
+              <a:rPr lang="en-US" sz="2400" dirty="0">
+                <a:solidFill>
+                  <a:schemeClr val="tx2"/>
+                </a:solidFill>
+                <a:latin typeface="Lato" panose="020F0502020204030203" pitchFamily="34" charset="0"/>
+              </a:rPr>
+              <a:t>, 2008, “Soft Computing: </a:t>
+            </a:r>
+            <a:r>
+              <a:rPr lang="en-US" sz="2400" dirty="0" err="1">
+                <a:solidFill>
+                  <a:schemeClr val="tx2"/>
+                </a:solidFill>
+                <a:latin typeface="Lato" panose="020F0502020204030203" pitchFamily="34" charset="0"/>
+              </a:rPr>
+              <a:t>Membangun</a:t>
+            </a:r>
+            <a:r>
+              <a:rPr lang="en-US" sz="2400" dirty="0">
+                <a:solidFill>
+                  <a:schemeClr val="tx2"/>
+                </a:solidFill>
+                <a:latin typeface="Lato" panose="020F0502020204030203" pitchFamily="34" charset="0"/>
+              </a:rPr>
+              <a:t> </a:t>
+            </a:r>
+            <a:r>
+              <a:rPr lang="en-US" sz="2400" dirty="0" err="1">
+                <a:solidFill>
+                  <a:schemeClr val="tx2"/>
+                </a:solidFill>
+                <a:latin typeface="Lato" panose="020F0502020204030203" pitchFamily="34" charset="0"/>
+              </a:rPr>
+              <a:t>Mesin</a:t>
+            </a:r>
+            <a:r>
+              <a:rPr lang="en-US" sz="2400" dirty="0">
+                <a:solidFill>
+                  <a:schemeClr val="tx2"/>
+                </a:solidFill>
+                <a:latin typeface="Lato" panose="020F0502020204030203" pitchFamily="34" charset="0"/>
+              </a:rPr>
+              <a:t> Ber-IQ Tinggi”, </a:t>
+            </a:r>
+            <a:r>
+              <a:rPr lang="en-US" sz="2400" dirty="0" err="1">
+                <a:solidFill>
+                  <a:schemeClr val="tx2"/>
+                </a:solidFill>
+                <a:latin typeface="Lato" panose="020F0502020204030203" pitchFamily="34" charset="0"/>
+              </a:rPr>
+              <a:t>Informatika</a:t>
+            </a:r>
+            <a:r>
+              <a:rPr lang="en-US" sz="2400" dirty="0">
+                <a:solidFill>
+                  <a:schemeClr val="tx2"/>
+                </a:solidFill>
+                <a:latin typeface="Lato" panose="020F0502020204030203" pitchFamily="34" charset="0"/>
+              </a:rPr>
+              <a:t>, Bandung Indonesia. ISBN: 978-979-1153-49-2.</a:t>
+            </a:r>
+          </a:p>
+          <a:p>
+            <a:r>
+              <a:rPr lang="en-US" sz="2400" dirty="0" err="1">
+                <a:solidFill>
+                  <a:schemeClr val="tx2"/>
+                </a:solidFill>
+                <a:latin typeface="Lato" panose="020F0502020204030203" pitchFamily="34" charset="0"/>
+              </a:rPr>
+              <a:t>Tettamanzi</a:t>
+            </a:r>
+            <a:r>
+              <a:rPr lang="en-US" sz="2400" dirty="0">
+                <a:solidFill>
+                  <a:schemeClr val="tx2"/>
+                </a:solidFill>
+                <a:latin typeface="Lato" panose="020F0502020204030203" pitchFamily="34" charset="0"/>
+              </a:rPr>
+              <a:t> A., Tomassini M., ”Soft Computing”. Springer-Verlag Berlin Heidelberg, 2001. Printed in Germany.</a:t>
+            </a:r>
+          </a:p>
+          <a:p>
+            <a:r>
+              <a:rPr lang="en-US" sz="2400" dirty="0">
+                <a:solidFill>
+                  <a:schemeClr val="tx2"/>
+                </a:solidFill>
+                <a:latin typeface="Lato" panose="020F0502020204030203" pitchFamily="34" charset="0"/>
+              </a:rPr>
+              <a:t>Thomas B ̈ack, David B. Fogel, and Zbigniew </a:t>
+            </a:r>
+            <a:r>
+              <a:rPr lang="en-US" sz="2400" dirty="0" err="1">
+                <a:solidFill>
+                  <a:schemeClr val="tx2"/>
+                </a:solidFill>
+                <a:latin typeface="Lato" panose="020F0502020204030203" pitchFamily="34" charset="0"/>
+              </a:rPr>
+              <a:t>Michalewicz</a:t>
+            </a:r>
+            <a:r>
+              <a:rPr lang="en-US" sz="2400" dirty="0">
+                <a:solidFill>
+                  <a:schemeClr val="tx2"/>
+                </a:solidFill>
+                <a:latin typeface="Lato" panose="020F0502020204030203" pitchFamily="34" charset="0"/>
+              </a:rPr>
+              <a:t>, editors. Handbook of Evolutionary Computation.  Computational Intelligence Library. Oxford University Press in cooperation with the Institute of Physics Publishing, Bristol, New York, </a:t>
+            </a:r>
+            <a:r>
+              <a:rPr lang="en-US" sz="2400" dirty="0" err="1">
+                <a:solidFill>
+                  <a:schemeClr val="tx2"/>
+                </a:solidFill>
+                <a:latin typeface="Lato" panose="020F0502020204030203" pitchFamily="34" charset="0"/>
+              </a:rPr>
+              <a:t>ringbound</a:t>
+            </a:r>
+            <a:r>
+              <a:rPr lang="en-US" sz="2400" dirty="0">
+                <a:solidFill>
+                  <a:schemeClr val="tx2"/>
+                </a:solidFill>
+                <a:latin typeface="Lato" panose="020F0502020204030203" pitchFamily="34" charset="0"/>
+              </a:rPr>
+              <a:t> edition, April 1997. ISBN: 0-7503-0392-1.</a:t>
+            </a:r>
+          </a:p>
+          <a:p>
+            <a:r>
+              <a:rPr lang="en-US" sz="2400" dirty="0">
+                <a:solidFill>
+                  <a:schemeClr val="tx2"/>
+                </a:solidFill>
+                <a:latin typeface="Lato" panose="020F0502020204030203" pitchFamily="34" charset="0"/>
+              </a:rPr>
+              <a:t>Thomas B ̈ack, Ulrich Hammel, and Hans-Paul </a:t>
+            </a:r>
+            <a:r>
+              <a:rPr lang="en-US" sz="2400" dirty="0" err="1">
+                <a:solidFill>
+                  <a:schemeClr val="tx2"/>
+                </a:solidFill>
+                <a:latin typeface="Lato" panose="020F0502020204030203" pitchFamily="34" charset="0"/>
+              </a:rPr>
+              <a:t>Schwefel</a:t>
+            </a:r>
+            <a:r>
+              <a:rPr lang="en-US" sz="2400" dirty="0">
+                <a:solidFill>
+                  <a:schemeClr val="tx2"/>
+                </a:solidFill>
+                <a:latin typeface="Lato" panose="020F0502020204030203" pitchFamily="34" charset="0"/>
+              </a:rPr>
+              <a:t>.  Evolutionary computation: comments on the history and current state. IEEE Transactions on Evolutionary Computation, 1(1):3–17, April 1997. Online available at </a:t>
+            </a:r>
+            <a:r>
+              <a:rPr lang="en-US" sz="2400" u="sng" dirty="0">
                 <a:solidFill>
                   <a:schemeClr val="tx2"/>
                 </a:solidFill>
@@ -3760,44 +8456,19 @@
                   </a:extLst>
                 </a:hlinkClick>
               </a:rPr>
-              <a:t>http://aib.etf.unsa.ba/wp-content/uploads/2014/04/KOEVOLUCIJA.pdf </a:t>
-            </a:r>
-          </a:p>
-          <a:p>
-            <a:pPr marL="571500" lvl="0" indent="-571500">
-              <a:buFont typeface="Arial" panose="020B0604020202020204" pitchFamily="34" charset="0"/>
-              <a:buChar char="•"/>
-            </a:pPr>
-            <a:r>
-              <a:rPr lang="en-US" sz="4400" dirty="0">
-                <a:solidFill>
-                  <a:schemeClr val="tx2"/>
-                </a:solidFill>
-                <a:latin typeface="Lato" panose="020F0502020204030203" pitchFamily="34" charset="0"/>
-                <a:hlinkClick r:id="rId2">
-                  <a:extLst>
-                    <a:ext uri="{A12FA001-AC4F-418D-AE19-62706E023703}">
-                      <ahyp:hlinkClr xmlns:ahyp="http://schemas.microsoft.com/office/drawing/2018/hyperlinkcolor" val="tx"/>
-                    </a:ext>
-                  </a:extLst>
-                </a:hlinkClick>
-              </a:rPr>
-              <a:t>http://ecet.ecs.uni-ruse.bg/cst/docs/proceedings/S3/III-16.pdf</a:t>
-            </a:r>
-            <a:endParaRPr lang="en-US" sz="4400" dirty="0">
-              <a:solidFill>
-                <a:schemeClr val="tx2"/>
-              </a:solidFill>
-              <a:latin typeface="Lato" panose="020F0502020204030203" pitchFamily="34" charset="0"/>
-            </a:endParaRPr>
-          </a:p>
-          <a:p>
-            <a:pPr marL="571500" lvl="0" indent="-571500">
-              <a:buFont typeface="Arial" panose="020B0604020202020204" pitchFamily="34" charset="0"/>
-              <a:buChar char="•"/>
-            </a:pPr>
-            <a:r>
-              <a:rPr lang="en-US" sz="4400" dirty="0">
+              <a:t>http://sci2s.ugr.es/docencia/doctobio/EC-History-IEEETEC-1-1-1997.pdf</a:t>
+            </a:r>
+            <a:r>
+              <a:rPr lang="en-US" sz="2400" dirty="0">
+                <a:solidFill>
+                  <a:schemeClr val="tx2"/>
+                </a:solidFill>
+                <a:latin typeface="Lato" panose="020F0502020204030203" pitchFamily="34" charset="0"/>
+              </a:rPr>
+              <a:t> and </a:t>
+            </a:r>
+            <a:r>
+              <a:rPr lang="en-US" sz="2400" u="sng" dirty="0">
                 <a:solidFill>
                   <a:schemeClr val="tx2"/>
                 </a:solidFill>
@@ -3810,98 +8481,122 @@
                   </a:extLst>
                 </a:hlinkClick>
               </a:rPr>
-              <a:t>https://globaljournals.org/GJCST_Volume19/3-Diagnosis-of-Prostate-Cancer.pdf</a:t>
-            </a:r>
-            <a:endParaRPr lang="en-US" sz="4400" dirty="0">
-              <a:solidFill>
-                <a:schemeClr val="tx2"/>
-              </a:solidFill>
-              <a:latin typeface="Lato" panose="020F0502020204030203" pitchFamily="34" charset="0"/>
-            </a:endParaRPr>
+              <a:t>http://citeseer.ist.psu.edu/601414.html</a:t>
+            </a:r>
+            <a:r>
+              <a:rPr lang="en-US" sz="2400" dirty="0">
+                <a:solidFill>
+                  <a:schemeClr val="tx2"/>
+                </a:solidFill>
+                <a:latin typeface="Lato" panose="020F0502020204030203" pitchFamily="34" charset="0"/>
+              </a:rPr>
+              <a:t> </a:t>
+            </a:r>
+            <a:r>
+              <a:rPr lang="en-US" sz="2400" baseline="30000" dirty="0">
+                <a:solidFill>
+                  <a:schemeClr val="tx2"/>
+                </a:solidFill>
+                <a:latin typeface="Lato" panose="020F0502020204030203" pitchFamily="34" charset="0"/>
+              </a:rPr>
+              <a:t>[accessed 2007-08-24]</a:t>
+            </a:r>
+            <a:r>
+              <a:rPr lang="en-US" sz="2400" dirty="0">
+                <a:solidFill>
+                  <a:schemeClr val="tx2"/>
+                </a:solidFill>
+                <a:latin typeface="Lato" panose="020F0502020204030203" pitchFamily="34" charset="0"/>
+              </a:rPr>
+              <a:t>.</a:t>
+            </a:r>
           </a:p>
           <a:p>
-            <a:pPr marL="571500" lvl="0" indent="-571500">
-              <a:buFont typeface="Arial" panose="020B0604020202020204" pitchFamily="34" charset="0"/>
-              <a:buChar char="•"/>
-            </a:pPr>
-            <a:r>
-              <a:rPr lang="en-US" sz="4400" dirty="0">
-                <a:solidFill>
-                  <a:schemeClr val="tx2"/>
-                </a:solidFill>
-                <a:latin typeface="Lato" panose="020F0502020204030203" pitchFamily="34" charset="0"/>
-                <a:hlinkClick r:id="rId4">
-                  <a:extLst>
-                    <a:ext uri="{A12FA001-AC4F-418D-AE19-62706E023703}">
-                      <ahyp:hlinkClr xmlns:ahyp="http://schemas.microsoft.com/office/drawing/2018/hyperlinkcolor" val="tx"/>
-                    </a:ext>
-                  </a:extLst>
-                </a:hlinkClick>
-              </a:rPr>
-              <a:t>https://journals.plos.org/plosone/article?id=10.1371/journal.pone.0155856</a:t>
-            </a:r>
-            <a:endParaRPr lang="en-US" sz="4400" dirty="0">
-              <a:solidFill>
-                <a:schemeClr val="tx2"/>
-              </a:solidFill>
-              <a:latin typeface="Lato" panose="020F0502020204030203" pitchFamily="34" charset="0"/>
-            </a:endParaRPr>
+            <a:r>
+              <a:rPr lang="en-US" sz="2400" dirty="0">
+                <a:solidFill>
+                  <a:schemeClr val="tx2"/>
+                </a:solidFill>
+                <a:latin typeface="Lato" panose="020F0502020204030203" pitchFamily="34" charset="0"/>
+              </a:rPr>
+              <a:t>Thomas B ̈ack. Evolutionary Algorithms in Theory and Practice: Evolution Strategies, Evolutionary Programming, Genetic Algorithms. Oxford University Press, January 1996. ISBN: 0-1950-9971-0.</a:t>
+            </a:r>
           </a:p>
           <a:p>
-            <a:pPr marL="571500" lvl="0" indent="-571500">
-              <a:buFont typeface="Arial" panose="020B0604020202020204" pitchFamily="34" charset="0"/>
-              <a:buChar char="•"/>
-            </a:pPr>
-            <a:r>
-              <a:rPr lang="en-US" sz="4400" dirty="0">
-                <a:solidFill>
-                  <a:schemeClr val="tx2"/>
-                </a:solidFill>
-                <a:latin typeface="Lato" panose="020F0502020204030203" pitchFamily="34" charset="0"/>
-                <a:hlinkClick r:id="rId5">
-                  <a:extLst>
-                    <a:ext uri="{A12FA001-AC4F-418D-AE19-62706E023703}">
-                      <ahyp:hlinkClr xmlns:ahyp="http://schemas.microsoft.com/office/drawing/2018/hyperlinkcolor" val="tx"/>
-                    </a:ext>
-                  </a:extLst>
-                </a:hlinkClick>
-              </a:rPr>
-              <a:t>https://media.neliti.com/media/publications/88237-ID-pemanfaatan-algoritma-fuzzy-evolusi-untu.pdf</a:t>
-            </a:r>
-            <a:endParaRPr lang="en-US" sz="4400" dirty="0">
-              <a:solidFill>
-                <a:schemeClr val="tx2"/>
-              </a:solidFill>
-              <a:latin typeface="Lato" panose="020F0502020204030203" pitchFamily="34" charset="0"/>
-            </a:endParaRPr>
+            <a:r>
+              <a:rPr lang="en-US" sz="2400" dirty="0">
+                <a:solidFill>
+                  <a:schemeClr val="tx2"/>
+                </a:solidFill>
+                <a:latin typeface="Lato" panose="020F0502020204030203" pitchFamily="34" charset="0"/>
+              </a:rPr>
+              <a:t>Turban, E. (1988). Decision Support and Expert System. MacMillan Publishing Company, New York.</a:t>
+            </a:r>
           </a:p>
           <a:p>
-            <a:pPr marL="571500" lvl="0" indent="-571500">
-              <a:buFont typeface="Arial" panose="020B0604020202020204" pitchFamily="34" charset="0"/>
-              <a:buChar char="•"/>
-            </a:pPr>
-            <a:r>
-              <a:rPr lang="en-US" sz="4400" dirty="0">
-                <a:solidFill>
-                  <a:schemeClr val="tx2"/>
-                </a:solidFill>
-                <a:latin typeface="Lato" panose="020F0502020204030203" pitchFamily="34" charset="0"/>
-                <a:hlinkClick r:id="rId6">
-                  <a:extLst>
-                    <a:ext uri="{A12FA001-AC4F-418D-AE19-62706E023703}">
-                      <ahyp:hlinkClr xmlns:ahyp="http://schemas.microsoft.com/office/drawing/2018/hyperlinkcolor" val="tx"/>
-                    </a:ext>
-                  </a:extLst>
-                </a:hlinkClick>
-              </a:rPr>
-              <a:t>https://www21.ha.org.hk/smartpatient/EM/MediaLibraries/EM/Diseases/Cancer/Prostate%20Cancer/Cancer-Prostate-Cancer-Indonesian.pdf?ext=.pdf</a:t>
-            </a:r>
-            <a:endParaRPr lang="en-US" sz="4400" dirty="0">
-              <a:solidFill>
-                <a:schemeClr val="tx2"/>
-              </a:solidFill>
-              <a:latin typeface="Lato" panose="020F0502020204030203" pitchFamily="34" charset="0"/>
-            </a:endParaRPr>
+            <a:r>
+              <a:rPr lang="en-US" sz="2400" dirty="0">
+                <a:solidFill>
+                  <a:schemeClr val="tx2"/>
+                </a:solidFill>
+                <a:latin typeface="Lato" panose="020F0502020204030203" pitchFamily="34" charset="0"/>
+              </a:rPr>
+              <a:t>Widodo, T.S (2005). </a:t>
+            </a:r>
+            <a:r>
+              <a:rPr lang="en-US" sz="2400" dirty="0" err="1">
+                <a:solidFill>
+                  <a:schemeClr val="tx2"/>
+                </a:solidFill>
+                <a:latin typeface="Lato" panose="020F0502020204030203" pitchFamily="34" charset="0"/>
+              </a:rPr>
+              <a:t>Sistem</a:t>
+            </a:r>
+            <a:r>
+              <a:rPr lang="en-US" sz="2400" dirty="0">
+                <a:solidFill>
+                  <a:schemeClr val="tx2"/>
+                </a:solidFill>
+                <a:latin typeface="Lato" panose="020F0502020204030203" pitchFamily="34" charset="0"/>
+              </a:rPr>
+              <a:t> Neuro Fuzzy. </a:t>
+            </a:r>
+            <a:r>
+              <a:rPr lang="en-US" sz="2400" dirty="0" err="1">
+                <a:solidFill>
+                  <a:schemeClr val="tx2"/>
+                </a:solidFill>
+                <a:latin typeface="Lato" panose="020F0502020204030203" pitchFamily="34" charset="0"/>
+              </a:rPr>
+              <a:t>Graha</a:t>
+            </a:r>
+            <a:r>
+              <a:rPr lang="en-US" sz="2400" dirty="0">
+                <a:solidFill>
+                  <a:schemeClr val="tx2"/>
+                </a:solidFill>
+                <a:latin typeface="Lato" panose="020F0502020204030203" pitchFamily="34" charset="0"/>
+              </a:rPr>
+              <a:t> </a:t>
+            </a:r>
+            <a:r>
+              <a:rPr lang="en-US" sz="2400" dirty="0" err="1">
+                <a:solidFill>
+                  <a:schemeClr val="tx2"/>
+                </a:solidFill>
+                <a:latin typeface="Lato" panose="020F0502020204030203" pitchFamily="34" charset="0"/>
+              </a:rPr>
+              <a:t>Ilmu</a:t>
+            </a:r>
+            <a:r>
+              <a:rPr lang="en-US" sz="2400" dirty="0">
+                <a:solidFill>
+                  <a:schemeClr val="tx2"/>
+                </a:solidFill>
+                <a:latin typeface="Lato" panose="020F0502020204030203" pitchFamily="34" charset="0"/>
+              </a:rPr>
+              <a:t>, Yogyakarta.</a:t>
+            </a:r>
           </a:p>
         </p:txBody>
       </p:sp>
@@ -3913,7 +8608,7 @@
         </p:nvSpPr>
         <p:spPr>
           <a:xfrm>
-            <a:off x="2024860" y="3716575"/>
+            <a:off x="8505173" y="940068"/>
             <a:ext cx="6942926" cy="1015663"/>
           </a:xfrm>
           <a:prstGeom prst="rect">
@@ -4168,7 +8863,7 @@
 </p:sld>
 </file>
 
-<file path=ppt/slides/slide12.xml><?xml version="1.0" encoding="utf-8"?>
+<file path=ppt/slides/slide15.xml><?xml version="1.0" encoding="utf-8"?>
 <p:sld xmlns:a="http://schemas.openxmlformats.org/drawingml/2006/main" xmlns:r="http://schemas.openxmlformats.org/officeDocument/2006/relationships" xmlns:p="http://schemas.openxmlformats.org/presentationml/2006/main">
   <p:cSld>
     <p:spTree>
@@ -4671,6 +9366,42 @@
                 </a:solidFill>
                 <a:latin typeface="Lato" panose="020F0502020204030203" pitchFamily="34" charset="0"/>
               </a:rPr>
+              <a:t>saat</a:t>
+            </a:r>
+            <a:r>
+              <a:rPr lang="en-US" dirty="0">
+                <a:solidFill>
+                  <a:schemeClr val="tx2"/>
+                </a:solidFill>
+                <a:latin typeface="Lato" panose="020F0502020204030203" pitchFamily="34" charset="0"/>
+              </a:rPr>
+              <a:t> </a:t>
+            </a:r>
+            <a:r>
+              <a:rPr lang="en-US" dirty="0" err="1">
+                <a:solidFill>
+                  <a:schemeClr val="tx2"/>
+                </a:solidFill>
+                <a:latin typeface="Lato" panose="020F0502020204030203" pitchFamily="34" charset="0"/>
+              </a:rPr>
+              <a:t>ini</a:t>
+            </a:r>
+            <a:r>
+              <a:rPr lang="en-US" dirty="0">
+                <a:solidFill>
+                  <a:schemeClr val="tx2"/>
+                </a:solidFill>
+                <a:latin typeface="Lato" panose="020F0502020204030203" pitchFamily="34" charset="0"/>
+              </a:rPr>
+              <a:t> </a:t>
+            </a:r>
+            <a:r>
+              <a:rPr lang="en-US" dirty="0" err="1">
+                <a:solidFill>
+                  <a:schemeClr val="tx2"/>
+                </a:solidFill>
+                <a:latin typeface="Lato" panose="020F0502020204030203" pitchFamily="34" charset="0"/>
+              </a:rPr>
               <a:t>merupakan</a:t>
             </a:r>
             <a:r>
@@ -4680,61 +9411,169 @@
                 </a:solidFill>
                 <a:latin typeface="Lato" panose="020F0502020204030203" pitchFamily="34" charset="0"/>
               </a:rPr>
-              <a:t> tumor </a:t>
-            </a:r>
-            <a:r>
-              <a:rPr lang="en-US" dirty="0" err="1">
-                <a:solidFill>
-                  <a:schemeClr val="tx2"/>
-                </a:solidFill>
-                <a:latin typeface="Lato" panose="020F0502020204030203" pitchFamily="34" charset="0"/>
-              </a:rPr>
-              <a:t>ganas</a:t>
-            </a:r>
-            <a:r>
-              <a:rPr lang="en-US" dirty="0">
-                <a:solidFill>
-                  <a:schemeClr val="tx2"/>
-                </a:solidFill>
-                <a:latin typeface="Lato" panose="020F0502020204030203" pitchFamily="34" charset="0"/>
-              </a:rPr>
-              <a:t> yang paling </a:t>
-            </a:r>
-            <a:r>
-              <a:rPr lang="en-US" dirty="0" err="1">
-                <a:solidFill>
-                  <a:schemeClr val="tx2"/>
-                </a:solidFill>
-                <a:latin typeface="Lato" panose="020F0502020204030203" pitchFamily="34" charset="0"/>
-              </a:rPr>
-              <a:t>umum</a:t>
-            </a:r>
-            <a:r>
-              <a:rPr lang="en-US" dirty="0">
-                <a:solidFill>
-                  <a:schemeClr val="tx2"/>
-                </a:solidFill>
-                <a:latin typeface="Lato" panose="020F0502020204030203" pitchFamily="34" charset="0"/>
-              </a:rPr>
-              <a:t> </a:t>
-            </a:r>
-            <a:r>
-              <a:rPr lang="en-US" dirty="0" err="1">
-                <a:solidFill>
-                  <a:schemeClr val="tx2"/>
-                </a:solidFill>
-                <a:latin typeface="Lato" panose="020F0502020204030203" pitchFamily="34" charset="0"/>
-              </a:rPr>
-              <a:t>ditemukan</a:t>
-            </a:r>
-            <a:r>
-              <a:rPr lang="en-US" dirty="0">
-                <a:solidFill>
-                  <a:schemeClr val="tx2"/>
-                </a:solidFill>
-                <a:latin typeface="Lato" panose="020F0502020204030203" pitchFamily="34" charset="0"/>
-              </a:rPr>
-              <a:t> pada </a:t>
+              <a:t> </a:t>
+            </a:r>
+            <a:r>
+              <a:rPr lang="en-US" dirty="0" err="1">
+                <a:solidFill>
+                  <a:schemeClr val="tx2"/>
+                </a:solidFill>
+                <a:latin typeface="Lato" panose="020F0502020204030203" pitchFamily="34" charset="0"/>
+              </a:rPr>
+              <a:t>jenis</a:t>
+            </a:r>
+            <a:r>
+              <a:rPr lang="en-US" dirty="0">
+                <a:solidFill>
+                  <a:schemeClr val="tx2"/>
+                </a:solidFill>
+                <a:latin typeface="Lato" panose="020F0502020204030203" pitchFamily="34" charset="0"/>
+              </a:rPr>
+              <a:t> </a:t>
+            </a:r>
+            <a:r>
+              <a:rPr lang="en-US" dirty="0" err="1">
+                <a:solidFill>
+                  <a:schemeClr val="tx2"/>
+                </a:solidFill>
+                <a:latin typeface="Lato" panose="020F0502020204030203" pitchFamily="34" charset="0"/>
+              </a:rPr>
+              <a:t>keganasan</a:t>
+            </a:r>
+            <a:r>
+              <a:rPr lang="en-US" dirty="0">
+                <a:solidFill>
+                  <a:schemeClr val="tx2"/>
+                </a:solidFill>
+                <a:latin typeface="Lato" panose="020F0502020204030203" pitchFamily="34" charset="0"/>
+              </a:rPr>
+              <a:t> non-</a:t>
+            </a:r>
+            <a:r>
+              <a:rPr lang="en-US" dirty="0" err="1">
+                <a:solidFill>
+                  <a:schemeClr val="tx2"/>
+                </a:solidFill>
+                <a:latin typeface="Lato" panose="020F0502020204030203" pitchFamily="34" charset="0"/>
+              </a:rPr>
+              <a:t>kulit</a:t>
+            </a:r>
+            <a:r>
+              <a:rPr lang="en-US" dirty="0">
+                <a:solidFill>
+                  <a:schemeClr val="tx2"/>
+                </a:solidFill>
+                <a:latin typeface="Lato" panose="020F0502020204030203" pitchFamily="34" charset="0"/>
+              </a:rPr>
+              <a:t> yang </a:t>
+            </a:r>
+            <a:r>
+              <a:rPr lang="en-US" dirty="0" err="1">
+                <a:solidFill>
+                  <a:schemeClr val="tx2"/>
+                </a:solidFill>
+                <a:latin typeface="Lato" panose="020F0502020204030203" pitchFamily="34" charset="0"/>
+              </a:rPr>
+              <a:t>diderita</a:t>
+            </a:r>
+            <a:r>
+              <a:rPr lang="en-US" dirty="0">
+                <a:solidFill>
+                  <a:schemeClr val="tx2"/>
+                </a:solidFill>
+                <a:latin typeface="Lato" panose="020F0502020204030203" pitchFamily="34" charset="0"/>
+              </a:rPr>
+              <a:t> </a:t>
+            </a:r>
+            <a:r>
+              <a:rPr lang="en-US" dirty="0" err="1">
+                <a:solidFill>
+                  <a:schemeClr val="tx2"/>
+                </a:solidFill>
+                <a:latin typeface="Lato" panose="020F0502020204030203" pitchFamily="34" charset="0"/>
+              </a:rPr>
+              <a:t>terbanyak</a:t>
+            </a:r>
+            <a:r>
+              <a:rPr lang="en-US" dirty="0">
+                <a:solidFill>
+                  <a:schemeClr val="tx2"/>
+                </a:solidFill>
+                <a:latin typeface="Lato" panose="020F0502020204030203" pitchFamily="34" charset="0"/>
+              </a:rPr>
+              <a:t> di negara </a:t>
+            </a:r>
+            <a:r>
+              <a:rPr lang="en-US" dirty="0" err="1">
+                <a:solidFill>
+                  <a:schemeClr val="tx2"/>
+                </a:solidFill>
+                <a:latin typeface="Lato" panose="020F0502020204030203" pitchFamily="34" charset="0"/>
+              </a:rPr>
+              <a:t>barat</a:t>
+            </a:r>
+            <a:r>
+              <a:rPr lang="en-US" dirty="0">
+                <a:solidFill>
+                  <a:schemeClr val="tx2"/>
+                </a:solidFill>
+                <a:latin typeface="Lato" panose="020F0502020204030203" pitchFamily="34" charset="0"/>
+              </a:rPr>
+              <a:t> dan </a:t>
+            </a:r>
+            <a:r>
+              <a:rPr lang="en-US" dirty="0" err="1">
+                <a:solidFill>
+                  <a:schemeClr val="tx2"/>
+                </a:solidFill>
+                <a:latin typeface="Lato" panose="020F0502020204030203" pitchFamily="34" charset="0"/>
+              </a:rPr>
+              <a:t>keganasan</a:t>
+            </a:r>
+            <a:r>
+              <a:rPr lang="en-US" dirty="0">
+                <a:solidFill>
+                  <a:schemeClr val="tx2"/>
+                </a:solidFill>
+                <a:latin typeface="Lato" panose="020F0502020204030203" pitchFamily="34" charset="0"/>
+              </a:rPr>
+              <a:t> </a:t>
+            </a:r>
+            <a:r>
+              <a:rPr lang="en-US" dirty="0" err="1">
+                <a:solidFill>
+                  <a:schemeClr val="tx2"/>
+                </a:solidFill>
+                <a:latin typeface="Lato" panose="020F0502020204030203" pitchFamily="34" charset="0"/>
+              </a:rPr>
+              <a:t>tersering</a:t>
+            </a:r>
+            <a:r>
+              <a:rPr lang="en-US" dirty="0">
+                <a:solidFill>
+                  <a:schemeClr val="tx2"/>
+                </a:solidFill>
+                <a:latin typeface="Lato" panose="020F0502020204030203" pitchFamily="34" charset="0"/>
+              </a:rPr>
+              <a:t> </a:t>
+            </a:r>
+            <a:r>
+              <a:rPr lang="en-US" dirty="0" err="1">
+                <a:solidFill>
+                  <a:schemeClr val="tx2"/>
+                </a:solidFill>
+                <a:latin typeface="Lato" panose="020F0502020204030203" pitchFamily="34" charset="0"/>
+              </a:rPr>
+              <a:t>ke</a:t>
+            </a:r>
+            <a:r>
+              <a:rPr lang="en-US" dirty="0">
+                <a:solidFill>
+                  <a:schemeClr val="tx2"/>
+                </a:solidFill>
+                <a:latin typeface="Lato" panose="020F0502020204030203" pitchFamily="34" charset="0"/>
+              </a:rPr>
+              <a:t> 4 pada </a:t>
             </a:r>
             <a:r>
               <a:rPr lang="en-US" dirty="0" err="1">
@@ -4752,16 +9591,34 @@
                 </a:solidFill>
                 <a:latin typeface="Lato" panose="020F0502020204030203" pitchFamily="34" charset="0"/>
               </a:rPr>
-              <a:t> dan juga </a:t>
-            </a:r>
-            <a:r>
-              <a:rPr lang="en-US" dirty="0" err="1">
-                <a:solidFill>
-                  <a:schemeClr val="tx2"/>
-                </a:solidFill>
-                <a:latin typeface="Lato" panose="020F0502020204030203" pitchFamily="34" charset="0"/>
-              </a:rPr>
-              <a:t>merupakan</a:t>
+              <a:t> di </a:t>
+            </a:r>
+            <a:r>
+              <a:rPr lang="en-US" dirty="0" err="1">
+                <a:solidFill>
+                  <a:schemeClr val="tx2"/>
+                </a:solidFill>
+                <a:latin typeface="Lato" panose="020F0502020204030203" pitchFamily="34" charset="0"/>
+              </a:rPr>
+              <a:t>seluruh</a:t>
+            </a:r>
+            <a:r>
+              <a:rPr lang="en-US" dirty="0">
+                <a:solidFill>
+                  <a:schemeClr val="tx2"/>
+                </a:solidFill>
+                <a:latin typeface="Lato" panose="020F0502020204030203" pitchFamily="34" charset="0"/>
+              </a:rPr>
+              <a:t> dunia </a:t>
+            </a:r>
+            <a:r>
+              <a:rPr lang="en-US" dirty="0" err="1">
+                <a:solidFill>
+                  <a:schemeClr val="tx2"/>
+                </a:solidFill>
+                <a:latin typeface="Lato" panose="020F0502020204030203" pitchFamily="34" charset="0"/>
+              </a:rPr>
+              <a:t>setelah</a:t>
             </a:r>
             <a:r>
               <a:rPr lang="en-US" dirty="0">
@@ -4797,43 +9654,151 @@
                 </a:solidFill>
                 <a:latin typeface="Lato" panose="020F0502020204030203" pitchFamily="34" charset="0"/>
               </a:rPr>
-              <a:t>pembunuh</a:t>
-            </a:r>
-            <a:r>
-              <a:rPr lang="en-US" dirty="0">
-                <a:solidFill>
-                  <a:schemeClr val="tx2"/>
-                </a:solidFill>
-                <a:latin typeface="Lato" panose="020F0502020204030203" pitchFamily="34" charset="0"/>
-              </a:rPr>
-              <a:t> </a:t>
-            </a:r>
-            <a:r>
-              <a:rPr lang="en-US" dirty="0" err="1">
-                <a:solidFill>
-                  <a:schemeClr val="tx2"/>
-                </a:solidFill>
-                <a:latin typeface="Lato" panose="020F0502020204030203" pitchFamily="34" charset="0"/>
-              </a:rPr>
-              <a:t>terbanyak</a:t>
-            </a:r>
-            <a:r>
-              <a:rPr lang="en-US" dirty="0">
-                <a:solidFill>
-                  <a:schemeClr val="tx2"/>
-                </a:solidFill>
-                <a:latin typeface="Lato" panose="020F0502020204030203" pitchFamily="34" charset="0"/>
-              </a:rPr>
-              <a:t> ke-5 </a:t>
-            </a:r>
-            <a:r>
-              <a:rPr lang="en-US" dirty="0" err="1">
-                <a:solidFill>
-                  <a:schemeClr val="tx2"/>
-                </a:solidFill>
-                <a:latin typeface="Lato" panose="020F0502020204030203" pitchFamily="34" charset="0"/>
-              </a:rPr>
-              <a:t>populasi</a:t>
+              <a:t>kulit</a:t>
+            </a:r>
+            <a:r>
+              <a:rPr lang="en-US" dirty="0">
+                <a:solidFill>
+                  <a:schemeClr val="tx2"/>
+                </a:solidFill>
+                <a:latin typeface="Lato" panose="020F0502020204030203" pitchFamily="34" charset="0"/>
+              </a:rPr>
+              <a:t>, </a:t>
+            </a:r>
+            <a:r>
+              <a:rPr lang="en-US" dirty="0" err="1">
+                <a:solidFill>
+                  <a:schemeClr val="tx2"/>
+                </a:solidFill>
+                <a:latin typeface="Lato" panose="020F0502020204030203" pitchFamily="34" charset="0"/>
+              </a:rPr>
+              <a:t>paru</a:t>
+            </a:r>
+            <a:r>
+              <a:rPr lang="en-US" dirty="0">
+                <a:solidFill>
+                  <a:schemeClr val="tx2"/>
+                </a:solidFill>
+                <a:latin typeface="Lato" panose="020F0502020204030203" pitchFamily="34" charset="0"/>
+              </a:rPr>
+              <a:t> dan </a:t>
+            </a:r>
+            <a:r>
+              <a:rPr lang="en-US" dirty="0" err="1">
+                <a:solidFill>
+                  <a:schemeClr val="tx2"/>
+                </a:solidFill>
+                <a:latin typeface="Lato" panose="020F0502020204030203" pitchFamily="34" charset="0"/>
+              </a:rPr>
+              <a:t>usus</a:t>
+            </a:r>
+            <a:r>
+              <a:rPr lang="en-US" dirty="0">
+                <a:solidFill>
+                  <a:schemeClr val="tx2"/>
+                </a:solidFill>
+                <a:latin typeface="Lato" panose="020F0502020204030203" pitchFamily="34" charset="0"/>
+              </a:rPr>
+              <a:t> </a:t>
+            </a:r>
+            <a:r>
+              <a:rPr lang="en-US" dirty="0" err="1">
+                <a:solidFill>
+                  <a:schemeClr val="tx2"/>
+                </a:solidFill>
+                <a:latin typeface="Lato" panose="020F0502020204030203" pitchFamily="34" charset="0"/>
+              </a:rPr>
+              <a:t>besar</a:t>
+            </a:r>
+            <a:r>
+              <a:rPr lang="en-US" dirty="0">
+                <a:solidFill>
+                  <a:schemeClr val="tx2"/>
+                </a:solidFill>
+                <a:latin typeface="Lato" panose="020F0502020204030203" pitchFamily="34" charset="0"/>
+              </a:rPr>
+              <a:t>. </a:t>
+            </a:r>
+            <a:r>
+              <a:rPr lang="en-US" dirty="0" err="1">
+                <a:solidFill>
+                  <a:schemeClr val="tx2"/>
+                </a:solidFill>
+                <a:latin typeface="Lato" panose="020F0502020204030203" pitchFamily="34" charset="0"/>
+              </a:rPr>
+              <a:t>Kanker</a:t>
+            </a:r>
+            <a:r>
+              <a:rPr lang="en-US" dirty="0">
+                <a:solidFill>
+                  <a:schemeClr val="tx2"/>
+                </a:solidFill>
+                <a:latin typeface="Lato" panose="020F0502020204030203" pitchFamily="34" charset="0"/>
+              </a:rPr>
+              <a:t> </a:t>
+            </a:r>
+            <a:r>
+              <a:rPr lang="en-US" dirty="0" err="1">
+                <a:solidFill>
+                  <a:schemeClr val="tx2"/>
+                </a:solidFill>
+                <a:latin typeface="Lato" panose="020F0502020204030203" pitchFamily="34" charset="0"/>
+              </a:rPr>
+              <a:t>ini</a:t>
+            </a:r>
+            <a:r>
+              <a:rPr lang="en-US" dirty="0">
+                <a:solidFill>
+                  <a:schemeClr val="tx2"/>
+                </a:solidFill>
+                <a:latin typeface="Lato" panose="020F0502020204030203" pitchFamily="34" charset="0"/>
+              </a:rPr>
+              <a:t> </a:t>
+            </a:r>
+            <a:r>
+              <a:rPr lang="en-US" dirty="0" err="1">
+                <a:solidFill>
+                  <a:schemeClr val="tx2"/>
+                </a:solidFill>
+                <a:latin typeface="Lato" panose="020F0502020204030203" pitchFamily="34" charset="0"/>
+              </a:rPr>
+              <a:t>cukup</a:t>
+            </a:r>
+            <a:r>
+              <a:rPr lang="en-US" dirty="0">
+                <a:solidFill>
+                  <a:schemeClr val="tx2"/>
+                </a:solidFill>
+                <a:latin typeface="Lato" panose="020F0502020204030203" pitchFamily="34" charset="0"/>
+              </a:rPr>
+              <a:t> </a:t>
+            </a:r>
+            <a:r>
+              <a:rPr lang="en-US" dirty="0" err="1">
+                <a:solidFill>
+                  <a:schemeClr val="tx2"/>
+                </a:solidFill>
+                <a:latin typeface="Lato" panose="020F0502020204030203" pitchFamily="34" charset="0"/>
+              </a:rPr>
+              <a:t>berbahaya</a:t>
+            </a:r>
+            <a:r>
+              <a:rPr lang="en-US" dirty="0">
+                <a:solidFill>
+                  <a:schemeClr val="tx2"/>
+                </a:solidFill>
+                <a:latin typeface="Lato" panose="020F0502020204030203" pitchFamily="34" charset="0"/>
+              </a:rPr>
+              <a:t> </a:t>
+            </a:r>
+            <a:r>
+              <a:rPr lang="en-US" dirty="0" err="1">
+                <a:solidFill>
+                  <a:schemeClr val="tx2"/>
+                </a:solidFill>
+                <a:latin typeface="Lato" panose="020F0502020204030203" pitchFamily="34" charset="0"/>
+              </a:rPr>
+              <a:t>bagi</a:t>
             </a:r>
             <a:r>
               <a:rPr lang="en-US" dirty="0">
@@ -4860,322 +9825,124 @@
                 </a:solidFill>
                 <a:latin typeface="Lato" panose="020F0502020204030203" pitchFamily="34" charset="0"/>
               </a:rPr>
-              <a:t> di Hong Kong. </a:t>
-            </a:r>
-            <a:r>
-              <a:rPr lang="en-US" dirty="0" err="1">
-                <a:solidFill>
-                  <a:schemeClr val="tx2"/>
-                </a:solidFill>
-                <a:latin typeface="Lato" panose="020F0502020204030203" pitchFamily="34" charset="0"/>
-              </a:rPr>
-              <a:t>Jumlah</a:t>
-            </a:r>
-            <a:r>
-              <a:rPr lang="en-US" dirty="0">
-                <a:solidFill>
-                  <a:schemeClr val="tx2"/>
-                </a:solidFill>
-                <a:latin typeface="Lato" panose="020F0502020204030203" pitchFamily="34" charset="0"/>
-              </a:rPr>
-              <a:t> </a:t>
-            </a:r>
-            <a:r>
-              <a:rPr lang="en-US" dirty="0" err="1">
-                <a:solidFill>
-                  <a:schemeClr val="tx2"/>
-                </a:solidFill>
-                <a:latin typeface="Lato" panose="020F0502020204030203" pitchFamily="34" charset="0"/>
-              </a:rPr>
-              <a:t>pasien</a:t>
-            </a:r>
-            <a:r>
-              <a:rPr lang="en-US" dirty="0">
-                <a:solidFill>
-                  <a:schemeClr val="tx2"/>
-                </a:solidFill>
-                <a:latin typeface="Lato" panose="020F0502020204030203" pitchFamily="34" charset="0"/>
-              </a:rPr>
-              <a:t> </a:t>
-            </a:r>
-            <a:r>
-              <a:rPr lang="en-US" dirty="0" err="1">
-                <a:solidFill>
-                  <a:schemeClr val="tx2"/>
-                </a:solidFill>
-                <a:latin typeface="Lato" panose="020F0502020204030203" pitchFamily="34" charset="0"/>
-              </a:rPr>
-              <a:t>kanker</a:t>
-            </a:r>
-            <a:r>
-              <a:rPr lang="en-US" dirty="0">
-                <a:solidFill>
-                  <a:schemeClr val="tx2"/>
-                </a:solidFill>
-                <a:latin typeface="Lato" panose="020F0502020204030203" pitchFamily="34" charset="0"/>
-              </a:rPr>
-              <a:t> </a:t>
-            </a:r>
-            <a:r>
-              <a:rPr lang="en-US" dirty="0" err="1">
-                <a:solidFill>
-                  <a:schemeClr val="tx2"/>
-                </a:solidFill>
-                <a:latin typeface="Lato" panose="020F0502020204030203" pitchFamily="34" charset="0"/>
-              </a:rPr>
-              <a:t>prostat</a:t>
-            </a:r>
-            <a:r>
-              <a:rPr lang="en-US" dirty="0">
-                <a:solidFill>
-                  <a:schemeClr val="tx2"/>
-                </a:solidFill>
-                <a:latin typeface="Lato" panose="020F0502020204030203" pitchFamily="34" charset="0"/>
-              </a:rPr>
-              <a:t> </a:t>
-            </a:r>
-            <a:r>
-              <a:rPr lang="en-US" dirty="0" err="1">
-                <a:solidFill>
-                  <a:schemeClr val="tx2"/>
-                </a:solidFill>
-                <a:latin typeface="Lato" panose="020F0502020204030203" pitchFamily="34" charset="0"/>
-              </a:rPr>
-              <a:t>telah</a:t>
-            </a:r>
-            <a:r>
-              <a:rPr lang="en-US" dirty="0">
-                <a:solidFill>
-                  <a:schemeClr val="tx2"/>
-                </a:solidFill>
-                <a:latin typeface="Lato" panose="020F0502020204030203" pitchFamily="34" charset="0"/>
-              </a:rPr>
-              <a:t> </a:t>
-            </a:r>
-            <a:r>
-              <a:rPr lang="en-US" dirty="0" err="1">
-                <a:solidFill>
-                  <a:schemeClr val="tx2"/>
-                </a:solidFill>
-                <a:latin typeface="Lato" panose="020F0502020204030203" pitchFamily="34" charset="0"/>
-              </a:rPr>
-              <a:t>meningkat</a:t>
-            </a:r>
-            <a:r>
-              <a:rPr lang="en-US" dirty="0">
-                <a:solidFill>
-                  <a:schemeClr val="tx2"/>
-                </a:solidFill>
-                <a:latin typeface="Lato" panose="020F0502020204030203" pitchFamily="34" charset="0"/>
-              </a:rPr>
-              <a:t> </a:t>
-            </a:r>
-            <a:r>
-              <a:rPr lang="en-US" dirty="0" err="1">
-                <a:solidFill>
-                  <a:schemeClr val="tx2"/>
-                </a:solidFill>
-                <a:latin typeface="Lato" panose="020F0502020204030203" pitchFamily="34" charset="0"/>
-              </a:rPr>
-              <a:t>dalam</a:t>
-            </a:r>
-            <a:r>
-              <a:rPr lang="en-US" dirty="0">
-                <a:solidFill>
-                  <a:schemeClr val="tx2"/>
-                </a:solidFill>
-                <a:latin typeface="Lato" panose="020F0502020204030203" pitchFamily="34" charset="0"/>
-              </a:rPr>
-              <a:t> </a:t>
-            </a:r>
-            <a:r>
-              <a:rPr lang="en-US" dirty="0" err="1">
-                <a:solidFill>
-                  <a:schemeClr val="tx2"/>
-                </a:solidFill>
-                <a:latin typeface="Lato" panose="020F0502020204030203" pitchFamily="34" charset="0"/>
-              </a:rPr>
-              <a:t>beberapa</a:t>
-            </a:r>
-            <a:r>
-              <a:rPr lang="en-US" dirty="0">
-                <a:solidFill>
-                  <a:schemeClr val="tx2"/>
-                </a:solidFill>
-                <a:latin typeface="Lato" panose="020F0502020204030203" pitchFamily="34" charset="0"/>
-              </a:rPr>
-              <a:t> </a:t>
-            </a:r>
-            <a:r>
-              <a:rPr lang="en-US" dirty="0" err="1">
-                <a:solidFill>
-                  <a:schemeClr val="tx2"/>
-                </a:solidFill>
-                <a:latin typeface="Lato" panose="020F0502020204030203" pitchFamily="34" charset="0"/>
-              </a:rPr>
-              <a:t>tahun</a:t>
-            </a:r>
-            <a:r>
-              <a:rPr lang="en-US" dirty="0">
-                <a:solidFill>
-                  <a:schemeClr val="tx2"/>
-                </a:solidFill>
-                <a:latin typeface="Lato" panose="020F0502020204030203" pitchFamily="34" charset="0"/>
-              </a:rPr>
-              <a:t> </a:t>
-            </a:r>
-            <a:r>
-              <a:rPr lang="en-US" dirty="0" err="1">
-                <a:solidFill>
-                  <a:schemeClr val="tx2"/>
-                </a:solidFill>
-                <a:latin typeface="Lato" panose="020F0502020204030203" pitchFamily="34" charset="0"/>
-              </a:rPr>
-              <a:t>terakhir</a:t>
-            </a:r>
-            <a:r>
-              <a:rPr lang="en-US" dirty="0">
-                <a:solidFill>
-                  <a:schemeClr val="tx2"/>
-                </a:solidFill>
-                <a:latin typeface="Lato" panose="020F0502020204030203" pitchFamily="34" charset="0"/>
-              </a:rPr>
-              <a:t>, </a:t>
-            </a:r>
-            <a:r>
-              <a:rPr lang="en-US" dirty="0" err="1">
-                <a:solidFill>
-                  <a:schemeClr val="tx2"/>
-                </a:solidFill>
-                <a:latin typeface="Lato" panose="020F0502020204030203" pitchFamily="34" charset="0"/>
-              </a:rPr>
-              <a:t>sebagian</a:t>
-            </a:r>
-            <a:r>
-              <a:rPr lang="en-US" dirty="0">
-                <a:solidFill>
-                  <a:schemeClr val="tx2"/>
-                </a:solidFill>
-                <a:latin typeface="Lato" panose="020F0502020204030203" pitchFamily="34" charset="0"/>
-              </a:rPr>
-              <a:t> </a:t>
-            </a:r>
-            <a:r>
-              <a:rPr lang="en-US" dirty="0" err="1">
-                <a:solidFill>
-                  <a:schemeClr val="tx2"/>
-                </a:solidFill>
-                <a:latin typeface="Lato" panose="020F0502020204030203" pitchFamily="34" charset="0"/>
-              </a:rPr>
-              <a:t>besar</a:t>
-            </a:r>
-            <a:r>
-              <a:rPr lang="en-US" dirty="0">
-                <a:solidFill>
-                  <a:schemeClr val="tx2"/>
-                </a:solidFill>
-                <a:latin typeface="Lato" panose="020F0502020204030203" pitchFamily="34" charset="0"/>
-              </a:rPr>
-              <a:t> </a:t>
-            </a:r>
-            <a:r>
-              <a:rPr lang="en-US" dirty="0" err="1">
-                <a:solidFill>
-                  <a:schemeClr val="tx2"/>
-                </a:solidFill>
-                <a:latin typeface="Lato" panose="020F0502020204030203" pitchFamily="34" charset="0"/>
-              </a:rPr>
-              <a:t>diantaranya</a:t>
-            </a:r>
-            <a:r>
-              <a:rPr lang="en-US" dirty="0">
-                <a:solidFill>
-                  <a:schemeClr val="tx2"/>
-                </a:solidFill>
-                <a:latin typeface="Lato" panose="020F0502020204030203" pitchFamily="34" charset="0"/>
-              </a:rPr>
-              <a:t> </a:t>
-            </a:r>
-            <a:r>
-              <a:rPr lang="en-US" dirty="0" err="1">
-                <a:solidFill>
-                  <a:schemeClr val="tx2"/>
-                </a:solidFill>
-                <a:latin typeface="Lato" panose="020F0502020204030203" pitchFamily="34" charset="0"/>
-              </a:rPr>
-              <a:t>merupakan</a:t>
-            </a:r>
-            <a:r>
-              <a:rPr lang="en-US" dirty="0">
-                <a:solidFill>
-                  <a:schemeClr val="tx2"/>
-                </a:solidFill>
-                <a:latin typeface="Lato" panose="020F0502020204030203" pitchFamily="34" charset="0"/>
-              </a:rPr>
-              <a:t> </a:t>
-            </a:r>
-            <a:r>
-              <a:rPr lang="en-US" dirty="0" err="1">
-                <a:solidFill>
-                  <a:schemeClr val="tx2"/>
-                </a:solidFill>
-                <a:latin typeface="Lato" panose="020F0502020204030203" pitchFamily="34" charset="0"/>
-              </a:rPr>
-              <a:t>pasien</a:t>
-            </a:r>
-            <a:r>
-              <a:rPr lang="en-US" dirty="0">
-                <a:solidFill>
-                  <a:schemeClr val="tx2"/>
-                </a:solidFill>
-                <a:latin typeface="Lato" panose="020F0502020204030203" pitchFamily="34" charset="0"/>
-              </a:rPr>
-              <a:t> yang </a:t>
-            </a:r>
-            <a:r>
-              <a:rPr lang="en-US" dirty="0" err="1">
-                <a:solidFill>
-                  <a:schemeClr val="tx2"/>
-                </a:solidFill>
-                <a:latin typeface="Lato" panose="020F0502020204030203" pitchFamily="34" charset="0"/>
-              </a:rPr>
-              <a:t>berusia</a:t>
-            </a:r>
-            <a:r>
-              <a:rPr lang="en-US" dirty="0">
-                <a:solidFill>
-                  <a:schemeClr val="tx2"/>
-                </a:solidFill>
-                <a:latin typeface="Lato" panose="020F0502020204030203" pitchFamily="34" charset="0"/>
-              </a:rPr>
-              <a:t> di </a:t>
-            </a:r>
-            <a:r>
-              <a:rPr lang="en-US" dirty="0" err="1">
-                <a:solidFill>
-                  <a:schemeClr val="tx2"/>
-                </a:solidFill>
-                <a:latin typeface="Lato" panose="020F0502020204030203" pitchFamily="34" charset="0"/>
-              </a:rPr>
-              <a:t>atas</a:t>
-            </a:r>
-            <a:r>
-              <a:rPr lang="en-US" dirty="0">
-                <a:solidFill>
-                  <a:schemeClr val="tx2"/>
-                </a:solidFill>
-                <a:latin typeface="Lato" panose="020F0502020204030203" pitchFamily="34" charset="0"/>
-              </a:rPr>
-              <a:t> 50 </a:t>
-            </a:r>
-            <a:r>
-              <a:rPr lang="en-US" dirty="0" err="1">
-                <a:solidFill>
-                  <a:schemeClr val="tx2"/>
-                </a:solidFill>
-                <a:latin typeface="Lato" panose="020F0502020204030203" pitchFamily="34" charset="0"/>
-              </a:rPr>
-              <a:t>tahun</a:t>
+              <a:t> </a:t>
+            </a:r>
+            <a:r>
+              <a:rPr lang="en-US" dirty="0" err="1">
+                <a:solidFill>
+                  <a:schemeClr val="tx2"/>
+                </a:solidFill>
+                <a:latin typeface="Lato" panose="020F0502020204030203" pitchFamily="34" charset="0"/>
+              </a:rPr>
+              <a:t>karena</a:t>
+            </a:r>
+            <a:r>
+              <a:rPr lang="en-US" dirty="0">
+                <a:solidFill>
+                  <a:schemeClr val="tx2"/>
+                </a:solidFill>
+                <a:latin typeface="Lato" panose="020F0502020204030203" pitchFamily="34" charset="0"/>
+              </a:rPr>
+              <a:t> </a:t>
+            </a:r>
+            <a:r>
+              <a:rPr lang="en-US" dirty="0" err="1">
+                <a:solidFill>
+                  <a:schemeClr val="tx2"/>
+                </a:solidFill>
+                <a:latin typeface="Lato" panose="020F0502020204030203" pitchFamily="34" charset="0"/>
+              </a:rPr>
+              <a:t>ada</a:t>
+            </a:r>
+            <a:r>
+              <a:rPr lang="en-US" dirty="0">
+                <a:solidFill>
+                  <a:schemeClr val="tx2"/>
+                </a:solidFill>
+                <a:latin typeface="Lato" panose="020F0502020204030203" pitchFamily="34" charset="0"/>
+              </a:rPr>
+              <a:t> tumor yang </a:t>
+            </a:r>
+            <a:r>
+              <a:rPr lang="en-US" dirty="0" err="1">
+                <a:solidFill>
+                  <a:schemeClr val="tx2"/>
+                </a:solidFill>
+                <a:latin typeface="Lato" panose="020F0502020204030203" pitchFamily="34" charset="0"/>
+              </a:rPr>
+              <a:t>bisa</a:t>
+            </a:r>
+            <a:r>
+              <a:rPr lang="en-US" dirty="0">
+                <a:solidFill>
+                  <a:schemeClr val="tx2"/>
+                </a:solidFill>
+                <a:latin typeface="Lato" panose="020F0502020204030203" pitchFamily="34" charset="0"/>
+              </a:rPr>
+              <a:t> </a:t>
+            </a:r>
+            <a:r>
+              <a:rPr lang="en-US" dirty="0" err="1">
+                <a:solidFill>
+                  <a:schemeClr val="tx2"/>
+                </a:solidFill>
+                <a:latin typeface="Lato" panose="020F0502020204030203" pitchFamily="34" charset="0"/>
+              </a:rPr>
+              <a:t>menyebar</a:t>
+            </a:r>
+            <a:r>
+              <a:rPr lang="en-US" dirty="0">
+                <a:solidFill>
+                  <a:schemeClr val="tx2"/>
+                </a:solidFill>
+                <a:latin typeface="Lato" panose="020F0502020204030203" pitchFamily="34" charset="0"/>
+              </a:rPr>
+              <a:t> </a:t>
+            </a:r>
+            <a:r>
+              <a:rPr lang="en-US" dirty="0" err="1">
+                <a:solidFill>
+                  <a:schemeClr val="tx2"/>
+                </a:solidFill>
+                <a:latin typeface="Lato" panose="020F0502020204030203" pitchFamily="34" charset="0"/>
+              </a:rPr>
+              <a:t>ke</a:t>
+            </a:r>
+            <a:r>
+              <a:rPr lang="en-US" dirty="0">
+                <a:solidFill>
+                  <a:schemeClr val="tx2"/>
+                </a:solidFill>
+                <a:latin typeface="Lato" panose="020F0502020204030203" pitchFamily="34" charset="0"/>
+              </a:rPr>
+              <a:t> </a:t>
+            </a:r>
+            <a:r>
+              <a:rPr lang="en-US" dirty="0" err="1">
+                <a:solidFill>
+                  <a:schemeClr val="tx2"/>
+                </a:solidFill>
+                <a:latin typeface="Lato" panose="020F0502020204030203" pitchFamily="34" charset="0"/>
+              </a:rPr>
+              <a:t>seluruh</a:t>
+            </a:r>
+            <a:r>
+              <a:rPr lang="en-US" dirty="0">
+                <a:solidFill>
+                  <a:schemeClr val="tx2"/>
+                </a:solidFill>
+                <a:latin typeface="Lato" panose="020F0502020204030203" pitchFamily="34" charset="0"/>
+              </a:rPr>
+              <a:t> </a:t>
+            </a:r>
+            <a:r>
+              <a:rPr lang="en-US" dirty="0" err="1">
+                <a:solidFill>
+                  <a:schemeClr val="tx2"/>
+                </a:solidFill>
+                <a:latin typeface="Lato" panose="020F0502020204030203" pitchFamily="34" charset="0"/>
+              </a:rPr>
+              <a:t>tubuh</a:t>
             </a:r>
             <a:r>
               <a:rPr lang="en-US" dirty="0">
@@ -6295,15 +11062,6 @@
                 <a:latin typeface="Lato" panose="020F0502020204030203" pitchFamily="34" charset="0"/>
               </a:rPr>
               <a:t>sehingga</a:t>
-            </a:r>
-            <a:r>
-              <a:rPr lang="en-US" dirty="0">
-                <a:solidFill>
-                  <a:schemeClr val="tx2"/>
-                </a:solidFill>
-                <a:latin typeface="Lato" panose="020F0502020204030203" pitchFamily="34" charset="0"/>
-              </a:rPr>
-              <a:t> </a:t>
             </a:r>
             <a:r>
               <a:rPr lang="id-ID" dirty="0">
@@ -10651,6 +15409,1999 @@
       </p:grpSpPr>
       <p:sp>
         <p:nvSpPr>
+          <p:cNvPr id="8" name="Rectangle 7"/>
+          <p:cNvSpPr/>
+          <p:nvPr/>
+        </p:nvSpPr>
+        <p:spPr>
+          <a:xfrm>
+            <a:off x="0" y="0"/>
+            <a:ext cx="24377650" cy="13716000"/>
+          </a:xfrm>
+          <a:prstGeom prst="rect">
+            <a:avLst/>
+          </a:prstGeom>
+          <a:solidFill>
+            <a:schemeClr val="accent1"/>
+          </a:solidFill>
+          <a:ln>
+            <a:noFill/>
+          </a:ln>
+        </p:spPr>
+        <p:style>
+          <a:lnRef idx="2">
+            <a:schemeClr val="accent1">
+              <a:shade val="50000"/>
+            </a:schemeClr>
+          </a:lnRef>
+          <a:fillRef idx="1">
+            <a:schemeClr val="accent1"/>
+          </a:fillRef>
+          <a:effectRef idx="0">
+            <a:schemeClr val="accent1"/>
+          </a:effectRef>
+          <a:fontRef idx="minor">
+            <a:schemeClr val="lt1"/>
+          </a:fontRef>
+        </p:style>
+        <p:txBody>
+          <a:bodyPr rtlCol="0" anchor="ctr"/>
+          <a:lstStyle/>
+          <a:p>
+            <a:pPr algn="ctr"/>
+            <a:endParaRPr lang="en-US" dirty="0"/>
+          </a:p>
+        </p:txBody>
+      </p:sp>
+      <p:grpSp>
+        <p:nvGrpSpPr>
+          <p:cNvPr id="17" name="Group 16"/>
+          <p:cNvGrpSpPr/>
+          <p:nvPr/>
+        </p:nvGrpSpPr>
+        <p:grpSpPr>
+          <a:xfrm>
+            <a:off x="0" y="838200"/>
+            <a:ext cx="7266215" cy="1118191"/>
+            <a:chOff x="0" y="838200"/>
+            <a:chExt cx="7266215" cy="1118191"/>
+          </a:xfrm>
+        </p:grpSpPr>
+        <p:sp>
+          <p:nvSpPr>
+            <p:cNvPr id="18" name="Rectangle 17"/>
+            <p:cNvSpPr/>
+            <p:nvPr/>
+          </p:nvSpPr>
+          <p:spPr>
+            <a:xfrm>
+              <a:off x="1" y="838200"/>
+              <a:ext cx="7266214" cy="629093"/>
+            </a:xfrm>
+            <a:prstGeom prst="rect">
+              <a:avLst/>
+            </a:prstGeom>
+            <a:solidFill>
+              <a:schemeClr val="accent2"/>
+            </a:solidFill>
+            <a:ln>
+              <a:noFill/>
+            </a:ln>
+          </p:spPr>
+          <p:style>
+            <a:lnRef idx="2">
+              <a:schemeClr val="accent1">
+                <a:shade val="50000"/>
+              </a:schemeClr>
+            </a:lnRef>
+            <a:fillRef idx="1">
+              <a:schemeClr val="accent1"/>
+            </a:fillRef>
+            <a:effectRef idx="0">
+              <a:schemeClr val="accent1"/>
+            </a:effectRef>
+            <a:fontRef idx="minor">
+              <a:schemeClr val="lt1"/>
+            </a:fontRef>
+          </p:style>
+          <p:txBody>
+            <a:bodyPr rtlCol="0" anchor="ctr"/>
+            <a:lstStyle/>
+            <a:p>
+              <a:pPr algn="ctr"/>
+              <a:endParaRPr lang="en-US"/>
+            </a:p>
+          </p:txBody>
+        </p:sp>
+        <p:sp>
+          <p:nvSpPr>
+            <p:cNvPr id="19" name="Rectangle 18"/>
+            <p:cNvSpPr/>
+            <p:nvPr/>
+          </p:nvSpPr>
+          <p:spPr>
+            <a:xfrm>
+              <a:off x="0" y="1667540"/>
+              <a:ext cx="4678878" cy="288851"/>
+            </a:xfrm>
+            <a:prstGeom prst="rect">
+              <a:avLst/>
+            </a:prstGeom>
+            <a:solidFill>
+              <a:schemeClr val="accent3"/>
+            </a:solidFill>
+            <a:ln>
+              <a:noFill/>
+            </a:ln>
+          </p:spPr>
+          <p:style>
+            <a:lnRef idx="2">
+              <a:schemeClr val="accent1">
+                <a:shade val="50000"/>
+              </a:schemeClr>
+            </a:lnRef>
+            <a:fillRef idx="1">
+              <a:schemeClr val="accent1"/>
+            </a:fillRef>
+            <a:effectRef idx="0">
+              <a:schemeClr val="accent1"/>
+            </a:effectRef>
+            <a:fontRef idx="minor">
+              <a:schemeClr val="lt1"/>
+            </a:fontRef>
+          </p:style>
+          <p:txBody>
+            <a:bodyPr rtlCol="0" anchor="ctr"/>
+            <a:lstStyle/>
+            <a:p>
+              <a:pPr algn="ctr"/>
+              <a:endParaRPr lang="en-US"/>
+            </a:p>
+          </p:txBody>
+        </p:sp>
+      </p:grpSp>
+      <p:grpSp>
+        <p:nvGrpSpPr>
+          <p:cNvPr id="20" name="Group 19"/>
+          <p:cNvGrpSpPr/>
+          <p:nvPr/>
+        </p:nvGrpSpPr>
+        <p:grpSpPr>
+          <a:xfrm rot="10800000">
+            <a:off x="17111435" y="11759609"/>
+            <a:ext cx="7266215" cy="1118191"/>
+            <a:chOff x="0" y="838200"/>
+            <a:chExt cx="7266215" cy="1118191"/>
+          </a:xfrm>
+        </p:grpSpPr>
+        <p:sp>
+          <p:nvSpPr>
+            <p:cNvPr id="21" name="Rectangle 20"/>
+            <p:cNvSpPr/>
+            <p:nvPr/>
+          </p:nvSpPr>
+          <p:spPr>
+            <a:xfrm>
+              <a:off x="1" y="838200"/>
+              <a:ext cx="7266214" cy="629093"/>
+            </a:xfrm>
+            <a:prstGeom prst="rect">
+              <a:avLst/>
+            </a:prstGeom>
+            <a:solidFill>
+              <a:schemeClr val="accent2"/>
+            </a:solidFill>
+            <a:ln>
+              <a:noFill/>
+            </a:ln>
+          </p:spPr>
+          <p:style>
+            <a:lnRef idx="2">
+              <a:schemeClr val="accent1">
+                <a:shade val="50000"/>
+              </a:schemeClr>
+            </a:lnRef>
+            <a:fillRef idx="1">
+              <a:schemeClr val="accent1"/>
+            </a:fillRef>
+            <a:effectRef idx="0">
+              <a:schemeClr val="accent1"/>
+            </a:effectRef>
+            <a:fontRef idx="minor">
+              <a:schemeClr val="lt1"/>
+            </a:fontRef>
+          </p:style>
+          <p:txBody>
+            <a:bodyPr rtlCol="0" anchor="ctr"/>
+            <a:lstStyle/>
+            <a:p>
+              <a:pPr algn="ctr"/>
+              <a:endParaRPr lang="en-US"/>
+            </a:p>
+          </p:txBody>
+        </p:sp>
+        <p:sp>
+          <p:nvSpPr>
+            <p:cNvPr id="22" name="Rectangle 21"/>
+            <p:cNvSpPr/>
+            <p:nvPr/>
+          </p:nvSpPr>
+          <p:spPr>
+            <a:xfrm>
+              <a:off x="0" y="1667540"/>
+              <a:ext cx="4678878" cy="288851"/>
+            </a:xfrm>
+            <a:prstGeom prst="rect">
+              <a:avLst/>
+            </a:prstGeom>
+            <a:solidFill>
+              <a:schemeClr val="accent3"/>
+            </a:solidFill>
+            <a:ln>
+              <a:noFill/>
+            </a:ln>
+          </p:spPr>
+          <p:style>
+            <a:lnRef idx="2">
+              <a:schemeClr val="accent1">
+                <a:shade val="50000"/>
+              </a:schemeClr>
+            </a:lnRef>
+            <a:fillRef idx="1">
+              <a:schemeClr val="accent1"/>
+            </a:fillRef>
+            <a:effectRef idx="0">
+              <a:schemeClr val="accent1"/>
+            </a:effectRef>
+            <a:fontRef idx="minor">
+              <a:schemeClr val="lt1"/>
+            </a:fontRef>
+          </p:style>
+          <p:txBody>
+            <a:bodyPr rtlCol="0" anchor="ctr"/>
+            <a:lstStyle/>
+            <a:p>
+              <a:pPr algn="ctr"/>
+              <a:endParaRPr lang="en-US"/>
+            </a:p>
+          </p:txBody>
+        </p:sp>
+      </p:grpSp>
+      <p:sp>
+        <p:nvSpPr>
+          <p:cNvPr id="13" name="TextBox 12"/>
+          <p:cNvSpPr txBox="1"/>
+          <p:nvPr/>
+        </p:nvSpPr>
+        <p:spPr>
+          <a:xfrm>
+            <a:off x="8435284" y="780323"/>
+            <a:ext cx="9239291" cy="1015663"/>
+          </a:xfrm>
+          <a:prstGeom prst="rect">
+            <a:avLst/>
+          </a:prstGeom>
+          <a:noFill/>
+        </p:spPr>
+        <p:txBody>
+          <a:bodyPr wrap="square" rtlCol="0">
+            <a:spAutoFit/>
+          </a:bodyPr>
+          <a:lstStyle/>
+          <a:p>
+            <a:r>
+              <a:rPr lang="en-US" sz="6000" b="1" dirty="0" err="1">
+                <a:solidFill>
+                  <a:schemeClr val="accent2"/>
+                </a:solidFill>
+                <a:latin typeface="Lato" charset="0"/>
+                <a:ea typeface="Lato" charset="0"/>
+                <a:cs typeface="Lato" charset="0"/>
+              </a:rPr>
+              <a:t>Penggunaan</a:t>
+            </a:r>
+            <a:r>
+              <a:rPr lang="en-US" sz="6000" b="1" dirty="0">
+                <a:solidFill>
+                  <a:schemeClr val="accent2"/>
+                </a:solidFill>
+                <a:latin typeface="Lato" charset="0"/>
+                <a:ea typeface="Lato" charset="0"/>
+                <a:cs typeface="Lato" charset="0"/>
+              </a:rPr>
+              <a:t> </a:t>
+            </a:r>
+            <a:r>
+              <a:rPr lang="en-US" sz="6000" b="1" dirty="0" err="1">
+                <a:solidFill>
+                  <a:schemeClr val="accent2"/>
+                </a:solidFill>
+                <a:latin typeface="Lato" charset="0"/>
+                <a:ea typeface="Lato" charset="0"/>
+                <a:cs typeface="Lato" charset="0"/>
+              </a:rPr>
+              <a:t>eFSLab</a:t>
+            </a:r>
+            <a:endParaRPr lang="en-US" sz="6000" b="1" dirty="0">
+              <a:solidFill>
+                <a:schemeClr val="accent2"/>
+              </a:solidFill>
+              <a:latin typeface="Lato" charset="0"/>
+              <a:ea typeface="Lato" charset="0"/>
+              <a:cs typeface="Lato" charset="0"/>
+            </a:endParaRPr>
+          </a:p>
+        </p:txBody>
+      </p:sp>
+      <p:sp>
+        <p:nvSpPr>
+          <p:cNvPr id="30" name="TextBox 29"/>
+          <p:cNvSpPr txBox="1"/>
+          <p:nvPr/>
+        </p:nvSpPr>
+        <p:spPr>
+          <a:xfrm>
+            <a:off x="925051" y="2764743"/>
+            <a:ext cx="12682327" cy="6863417"/>
+          </a:xfrm>
+          <a:prstGeom prst="rect">
+            <a:avLst/>
+          </a:prstGeom>
+          <a:noFill/>
+        </p:spPr>
+        <p:txBody>
+          <a:bodyPr wrap="square" rtlCol="0">
+            <a:spAutoFit/>
+          </a:bodyPr>
+          <a:lstStyle/>
+          <a:p>
+            <a:pPr marL="742950" indent="-742950">
+              <a:buAutoNum type="arabicPeriod"/>
+            </a:pPr>
+            <a:r>
+              <a:rPr lang="en-US" sz="4400" dirty="0">
+                <a:solidFill>
+                  <a:schemeClr val="tx2"/>
+                </a:solidFill>
+                <a:latin typeface="Lato" panose="020F0502020204030203" pitchFamily="34" charset="0"/>
+              </a:rPr>
+              <a:t>Import data</a:t>
+            </a:r>
+          </a:p>
+          <a:p>
+            <a:pPr marL="742950" indent="-742950">
+              <a:buAutoNum type="arabicPeriod"/>
+            </a:pPr>
+            <a:endParaRPr lang="en-US" sz="4400" dirty="0">
+              <a:solidFill>
+                <a:schemeClr val="tx2"/>
+              </a:solidFill>
+              <a:latin typeface="Lato" panose="020F0502020204030203" pitchFamily="34" charset="0"/>
+            </a:endParaRPr>
+          </a:p>
+          <a:p>
+            <a:pPr marL="742950" indent="-742950">
+              <a:buAutoNum type="arabicPeriod"/>
+            </a:pPr>
+            <a:endParaRPr lang="en-US" sz="4400" dirty="0">
+              <a:solidFill>
+                <a:schemeClr val="tx2"/>
+              </a:solidFill>
+              <a:latin typeface="Lato" panose="020F0502020204030203" pitchFamily="34" charset="0"/>
+            </a:endParaRPr>
+          </a:p>
+          <a:p>
+            <a:pPr marL="742950" indent="-742950">
+              <a:buAutoNum type="arabicPeriod"/>
+            </a:pPr>
+            <a:endParaRPr lang="en-US" sz="4400" dirty="0">
+              <a:solidFill>
+                <a:schemeClr val="tx2"/>
+              </a:solidFill>
+              <a:latin typeface="Lato" panose="020F0502020204030203" pitchFamily="34" charset="0"/>
+            </a:endParaRPr>
+          </a:p>
+          <a:p>
+            <a:pPr marL="742950" indent="-742950">
+              <a:buAutoNum type="arabicPeriod"/>
+            </a:pPr>
+            <a:endParaRPr lang="en-US" sz="4400" dirty="0">
+              <a:solidFill>
+                <a:schemeClr val="tx2"/>
+              </a:solidFill>
+              <a:latin typeface="Lato" panose="020F0502020204030203" pitchFamily="34" charset="0"/>
+            </a:endParaRPr>
+          </a:p>
+          <a:p>
+            <a:pPr marL="742950" indent="-742950">
+              <a:buAutoNum type="arabicPeriod"/>
+            </a:pPr>
+            <a:endParaRPr lang="en-US" sz="4400" dirty="0">
+              <a:solidFill>
+                <a:schemeClr val="tx2"/>
+              </a:solidFill>
+              <a:latin typeface="Lato" panose="020F0502020204030203" pitchFamily="34" charset="0"/>
+            </a:endParaRPr>
+          </a:p>
+          <a:p>
+            <a:endParaRPr lang="en-US" sz="4400" dirty="0">
+              <a:solidFill>
+                <a:schemeClr val="tx2"/>
+              </a:solidFill>
+              <a:latin typeface="Lato" panose="020F0502020204030203" pitchFamily="34" charset="0"/>
+            </a:endParaRPr>
+          </a:p>
+          <a:p>
+            <a:endParaRPr lang="en-US" sz="4400" dirty="0">
+              <a:solidFill>
+                <a:schemeClr val="tx2"/>
+              </a:solidFill>
+              <a:latin typeface="Lato" panose="020F0502020204030203" pitchFamily="34" charset="0"/>
+            </a:endParaRPr>
+          </a:p>
+          <a:p>
+            <a:r>
+              <a:rPr lang="en-US" sz="4400" dirty="0">
+                <a:solidFill>
+                  <a:schemeClr val="tx2"/>
+                </a:solidFill>
+                <a:latin typeface="Lato" panose="020F0502020204030203" pitchFamily="34" charset="0"/>
+              </a:rPr>
+              <a:t>2. </a:t>
+            </a:r>
+            <a:r>
+              <a:rPr lang="id-ID" sz="4400" dirty="0">
+                <a:solidFill>
+                  <a:schemeClr val="tx2"/>
+                </a:solidFill>
+                <a:latin typeface="Lato" panose="020F0502020204030203" pitchFamily="34" charset="0"/>
+              </a:rPr>
+              <a:t>Model </a:t>
+            </a:r>
+            <a:r>
+              <a:rPr lang="id-ID" sz="4400" dirty="0" err="1">
+                <a:solidFill>
+                  <a:schemeClr val="tx2"/>
+                </a:solidFill>
+                <a:latin typeface="Lato" panose="020F0502020204030203" pitchFamily="34" charset="0"/>
+              </a:rPr>
+              <a:t>Takagi-Sugeno</a:t>
+            </a:r>
+            <a:r>
+              <a:rPr lang="id-ID" sz="4400" dirty="0">
+                <a:solidFill>
+                  <a:schemeClr val="tx2"/>
+                </a:solidFill>
+                <a:latin typeface="Lato" panose="020F0502020204030203" pitchFamily="34" charset="0"/>
+              </a:rPr>
+              <a:t> dan Estimasi </a:t>
+            </a:r>
+            <a:r>
+              <a:rPr lang="id-ID" sz="4400" dirty="0" err="1">
+                <a:solidFill>
+                  <a:schemeClr val="tx2"/>
+                </a:solidFill>
+                <a:latin typeface="Lato" panose="020F0502020204030203" pitchFamily="34" charset="0"/>
+              </a:rPr>
+              <a:t>Rekursif</a:t>
+            </a:r>
+            <a:endParaRPr lang="en-US" sz="4400" dirty="0">
+              <a:solidFill>
+                <a:schemeClr val="tx2"/>
+              </a:solidFill>
+              <a:latin typeface="Lato" panose="020F0502020204030203" pitchFamily="34" charset="0"/>
+            </a:endParaRPr>
+          </a:p>
+          <a:p>
+            <a:endParaRPr lang="en-US" sz="4400" dirty="0">
+              <a:solidFill>
+                <a:schemeClr val="tx2"/>
+              </a:solidFill>
+              <a:latin typeface="Lato" panose="020F0502020204030203" pitchFamily="34" charset="0"/>
+            </a:endParaRPr>
+          </a:p>
+        </p:txBody>
+      </p:sp>
+      <p:pic>
+        <p:nvPicPr>
+          <p:cNvPr id="15" name="image4.png">
+            <a:extLst>
+              <a:ext uri="{FF2B5EF4-FFF2-40B4-BE49-F238E27FC236}">
+                <a16:creationId xmlns:a16="http://schemas.microsoft.com/office/drawing/2014/main" id="{54F6D903-2F0E-4249-B782-7268F6570456}"/>
+              </a:ext>
+            </a:extLst>
+          </p:cNvPr>
+          <p:cNvPicPr/>
+          <p:nvPr/>
+        </p:nvPicPr>
+        <p:blipFill>
+          <a:blip r:embed="rId2"/>
+          <a:srcRect/>
+          <a:stretch>
+            <a:fillRect/>
+          </a:stretch>
+        </p:blipFill>
+        <p:spPr>
+          <a:xfrm>
+            <a:off x="1804750" y="3751116"/>
+            <a:ext cx="7868419" cy="4085079"/>
+          </a:xfrm>
+          <a:prstGeom prst="rect">
+            <a:avLst/>
+          </a:prstGeom>
+          <a:ln/>
+        </p:spPr>
+      </p:pic>
+      <p:pic>
+        <p:nvPicPr>
+          <p:cNvPr id="23" name="image5.png">
+            <a:extLst>
+              <a:ext uri="{FF2B5EF4-FFF2-40B4-BE49-F238E27FC236}">
+                <a16:creationId xmlns:a16="http://schemas.microsoft.com/office/drawing/2014/main" id="{98C370D9-E778-4FED-9F22-B395AA091B49}"/>
+              </a:ext>
+            </a:extLst>
+          </p:cNvPr>
+          <p:cNvPicPr/>
+          <p:nvPr/>
+        </p:nvPicPr>
+        <p:blipFill>
+          <a:blip r:embed="rId3"/>
+          <a:srcRect/>
+          <a:stretch>
+            <a:fillRect/>
+          </a:stretch>
+        </p:blipFill>
+        <p:spPr>
+          <a:xfrm>
+            <a:off x="1595132" y="9071031"/>
+            <a:ext cx="10593693" cy="3806118"/>
+          </a:xfrm>
+          <a:prstGeom prst="rect">
+            <a:avLst/>
+          </a:prstGeom>
+          <a:ln/>
+        </p:spPr>
+      </p:pic>
+      <p:sp>
+        <p:nvSpPr>
+          <p:cNvPr id="5" name="TextBox 4">
+            <a:extLst>
+              <a:ext uri="{FF2B5EF4-FFF2-40B4-BE49-F238E27FC236}">
+                <a16:creationId xmlns:a16="http://schemas.microsoft.com/office/drawing/2014/main" id="{2CF36FDE-B395-4A03-B62B-28652E889E9A}"/>
+              </a:ext>
+            </a:extLst>
+          </p:cNvPr>
+          <p:cNvSpPr txBox="1"/>
+          <p:nvPr/>
+        </p:nvSpPr>
+        <p:spPr>
+          <a:xfrm>
+            <a:off x="13342318" y="4214066"/>
+            <a:ext cx="9860204" cy="6247864"/>
+          </a:xfrm>
+          <a:prstGeom prst="rect">
+            <a:avLst/>
+          </a:prstGeom>
+          <a:noFill/>
+        </p:spPr>
+        <p:txBody>
+          <a:bodyPr wrap="square" rtlCol="0">
+            <a:spAutoFit/>
+          </a:bodyPr>
+          <a:lstStyle/>
+          <a:p>
+            <a:pPr algn="just"/>
+            <a:r>
+              <a:rPr lang="en-US" sz="4000" b="1" dirty="0" err="1">
+                <a:solidFill>
+                  <a:schemeClr val="tx2"/>
+                </a:solidFill>
+                <a:latin typeface="Lato" panose="020F0502020204030203" pitchFamily="34" charset="0"/>
+              </a:rPr>
+              <a:t>eFSLab</a:t>
+            </a:r>
+            <a:r>
+              <a:rPr lang="en-US" sz="4000" b="1" dirty="0">
+                <a:solidFill>
+                  <a:schemeClr val="tx2"/>
+                </a:solidFill>
+                <a:latin typeface="Lato" panose="020F0502020204030203" pitchFamily="34" charset="0"/>
+              </a:rPr>
+              <a:t> </a:t>
+            </a:r>
+            <a:r>
+              <a:rPr lang="en-US" sz="4000" dirty="0" err="1">
+                <a:solidFill>
+                  <a:schemeClr val="tx2"/>
+                </a:solidFill>
+                <a:latin typeface="Lato" panose="020F0502020204030203" pitchFamily="34" charset="0"/>
+              </a:rPr>
+              <a:t>adalah</a:t>
+            </a:r>
+            <a:r>
+              <a:rPr lang="en-US" sz="4000" dirty="0">
+                <a:solidFill>
+                  <a:schemeClr val="tx2"/>
+                </a:solidFill>
+                <a:latin typeface="Lato" panose="020F0502020204030203" pitchFamily="34" charset="0"/>
+              </a:rPr>
+              <a:t> </a:t>
+            </a:r>
+            <a:r>
+              <a:rPr lang="en-US" sz="4000" dirty="0" err="1">
+                <a:solidFill>
+                  <a:schemeClr val="tx2"/>
+                </a:solidFill>
+                <a:latin typeface="Lato" panose="020F0502020204030203" pitchFamily="34" charset="0"/>
+              </a:rPr>
+              <a:t>aplikasi</a:t>
+            </a:r>
+            <a:r>
+              <a:rPr lang="en-US" sz="4000" dirty="0">
+                <a:solidFill>
+                  <a:schemeClr val="tx2"/>
+                </a:solidFill>
+                <a:latin typeface="Lato" panose="020F0502020204030203" pitchFamily="34" charset="0"/>
+              </a:rPr>
+              <a:t> yang </a:t>
+            </a:r>
+            <a:r>
+              <a:rPr lang="en-US" sz="4000" dirty="0" err="1">
+                <a:solidFill>
+                  <a:schemeClr val="tx2"/>
+                </a:solidFill>
+                <a:latin typeface="Lato" panose="020F0502020204030203" pitchFamily="34" charset="0"/>
+              </a:rPr>
+              <a:t>dirancang</a:t>
+            </a:r>
+            <a:r>
+              <a:rPr lang="en-US" sz="4000" dirty="0">
+                <a:solidFill>
+                  <a:schemeClr val="tx2"/>
+                </a:solidFill>
+                <a:latin typeface="Lato" panose="020F0502020204030203" pitchFamily="34" charset="0"/>
+              </a:rPr>
+              <a:t> </a:t>
+            </a:r>
+            <a:r>
+              <a:rPr lang="en-US" sz="4000" dirty="0" err="1">
+                <a:solidFill>
+                  <a:schemeClr val="tx2"/>
+                </a:solidFill>
+                <a:latin typeface="Lato" panose="020F0502020204030203" pitchFamily="34" charset="0"/>
+              </a:rPr>
+              <a:t>untuk</a:t>
+            </a:r>
+            <a:r>
+              <a:rPr lang="en-US" sz="4000" dirty="0">
+                <a:solidFill>
+                  <a:schemeClr val="tx2"/>
+                </a:solidFill>
+                <a:latin typeface="Lato" panose="020F0502020204030203" pitchFamily="34" charset="0"/>
+              </a:rPr>
+              <a:t> </a:t>
+            </a:r>
+            <a:r>
+              <a:rPr lang="en-US" sz="4000" dirty="0" err="1">
+                <a:solidFill>
+                  <a:schemeClr val="tx2"/>
+                </a:solidFill>
+                <a:latin typeface="Lato" panose="020F0502020204030203" pitchFamily="34" charset="0"/>
+              </a:rPr>
+              <a:t>mendukung</a:t>
+            </a:r>
+            <a:r>
+              <a:rPr lang="en-US" sz="4000" dirty="0">
+                <a:solidFill>
+                  <a:schemeClr val="tx2"/>
+                </a:solidFill>
+                <a:latin typeface="Lato" panose="020F0502020204030203" pitchFamily="34" charset="0"/>
+              </a:rPr>
+              <a:t> </a:t>
+            </a:r>
+            <a:r>
+              <a:rPr lang="en-US" sz="4000" dirty="0" err="1">
+                <a:solidFill>
+                  <a:schemeClr val="tx2"/>
+                </a:solidFill>
+                <a:latin typeface="Lato" panose="020F0502020204030203" pitchFamily="34" charset="0"/>
+              </a:rPr>
+              <a:t>pengembangan</a:t>
+            </a:r>
+            <a:r>
+              <a:rPr lang="en-US" sz="4000" dirty="0">
+                <a:solidFill>
+                  <a:schemeClr val="tx2"/>
+                </a:solidFill>
+                <a:latin typeface="Lato" panose="020F0502020204030203" pitchFamily="34" charset="0"/>
+              </a:rPr>
+              <a:t> </a:t>
+            </a:r>
+            <a:r>
+              <a:rPr lang="en-US" sz="4000" dirty="0" err="1">
+                <a:solidFill>
+                  <a:schemeClr val="tx2"/>
+                </a:solidFill>
+                <a:latin typeface="Lato" panose="020F0502020204030203" pitchFamily="34" charset="0"/>
+              </a:rPr>
+              <a:t>sistem</a:t>
+            </a:r>
+            <a:r>
+              <a:rPr lang="en-US" sz="4000" dirty="0">
+                <a:solidFill>
+                  <a:schemeClr val="tx2"/>
+                </a:solidFill>
+                <a:latin typeface="Lato" panose="020F0502020204030203" pitchFamily="34" charset="0"/>
+              </a:rPr>
+              <a:t> fuzzy </a:t>
+            </a:r>
+            <a:r>
+              <a:rPr lang="en-US" sz="4000" dirty="0" err="1">
+                <a:solidFill>
+                  <a:schemeClr val="tx2"/>
+                </a:solidFill>
+                <a:latin typeface="Lato" panose="020F0502020204030203" pitchFamily="34" charset="0"/>
+              </a:rPr>
+              <a:t>dari</a:t>
+            </a:r>
+            <a:r>
+              <a:rPr lang="en-US" sz="4000" dirty="0">
+                <a:solidFill>
+                  <a:schemeClr val="tx2"/>
+                </a:solidFill>
+                <a:latin typeface="Lato" panose="020F0502020204030203" pitchFamily="34" charset="0"/>
+              </a:rPr>
+              <a:t> data </a:t>
+            </a:r>
+            <a:r>
+              <a:rPr lang="en-US" sz="4000" dirty="0" err="1">
+                <a:solidFill>
+                  <a:schemeClr val="tx2"/>
+                </a:solidFill>
+                <a:latin typeface="Lato" panose="020F0502020204030203" pitchFamily="34" charset="0"/>
+              </a:rPr>
+              <a:t>untuk</a:t>
+            </a:r>
+            <a:r>
+              <a:rPr lang="en-US" sz="4000" dirty="0">
+                <a:solidFill>
+                  <a:schemeClr val="tx2"/>
+                </a:solidFill>
+                <a:latin typeface="Lato" panose="020F0502020204030203" pitchFamily="34" charset="0"/>
+              </a:rPr>
+              <a:t> </a:t>
+            </a:r>
+            <a:r>
+              <a:rPr lang="en-US" sz="4000" dirty="0" err="1">
+                <a:solidFill>
+                  <a:schemeClr val="tx2"/>
+                </a:solidFill>
+                <a:latin typeface="Lato" panose="020F0502020204030203" pitchFamily="34" charset="0"/>
+              </a:rPr>
+              <a:t>menghindari</a:t>
+            </a:r>
+            <a:r>
+              <a:rPr lang="en-US" sz="4000" dirty="0">
+                <a:solidFill>
+                  <a:schemeClr val="tx2"/>
+                </a:solidFill>
+                <a:latin typeface="Lato" panose="020F0502020204030203" pitchFamily="34" charset="0"/>
+              </a:rPr>
+              <a:t> </a:t>
+            </a:r>
+            <a:r>
+              <a:rPr lang="en-US" sz="4000" dirty="0" err="1">
+                <a:solidFill>
+                  <a:schemeClr val="tx2"/>
+                </a:solidFill>
+                <a:latin typeface="Lato" panose="020F0502020204030203" pitchFamily="34" charset="0"/>
+              </a:rPr>
+              <a:t>redundansi</a:t>
+            </a:r>
+            <a:r>
+              <a:rPr lang="en-US" sz="4000" dirty="0">
+                <a:solidFill>
+                  <a:schemeClr val="tx2"/>
+                </a:solidFill>
+                <a:latin typeface="Lato" panose="020F0502020204030203" pitchFamily="34" charset="0"/>
+              </a:rPr>
+              <a:t> dan </a:t>
+            </a:r>
+            <a:r>
+              <a:rPr lang="en-US" sz="4000" dirty="0" err="1">
+                <a:solidFill>
+                  <a:schemeClr val="tx2"/>
+                </a:solidFill>
+                <a:latin typeface="Lato" panose="020F0502020204030203" pitchFamily="34" charset="0"/>
+              </a:rPr>
+              <a:t>kompleksitas</a:t>
+            </a:r>
+            <a:r>
+              <a:rPr lang="en-US" sz="4000" dirty="0">
+                <a:solidFill>
+                  <a:schemeClr val="tx2"/>
+                </a:solidFill>
+                <a:latin typeface="Lato" panose="020F0502020204030203" pitchFamily="34" charset="0"/>
+              </a:rPr>
+              <a:t> yang </a:t>
+            </a:r>
+            <a:r>
+              <a:rPr lang="en-US" sz="4000" dirty="0" err="1">
+                <a:solidFill>
+                  <a:schemeClr val="tx2"/>
+                </a:solidFill>
+                <a:latin typeface="Lato" panose="020F0502020204030203" pitchFamily="34" charset="0"/>
+              </a:rPr>
+              <a:t>tidak</a:t>
+            </a:r>
+            <a:r>
+              <a:rPr lang="en-US" sz="4000" dirty="0">
+                <a:solidFill>
+                  <a:schemeClr val="tx2"/>
+                </a:solidFill>
+                <a:latin typeface="Lato" panose="020F0502020204030203" pitchFamily="34" charset="0"/>
+              </a:rPr>
+              <a:t> </a:t>
+            </a:r>
+            <a:r>
+              <a:rPr lang="en-US" sz="4000" dirty="0" err="1">
+                <a:solidFill>
+                  <a:schemeClr val="tx2"/>
+                </a:solidFill>
+                <a:latin typeface="Lato" panose="020F0502020204030203" pitchFamily="34" charset="0"/>
+              </a:rPr>
+              <a:t>perlu</a:t>
+            </a:r>
+            <a:r>
+              <a:rPr lang="en-US" sz="4000" dirty="0">
+                <a:solidFill>
+                  <a:schemeClr val="tx2"/>
+                </a:solidFill>
+                <a:latin typeface="Lato" panose="020F0502020204030203" pitchFamily="34" charset="0"/>
+              </a:rPr>
+              <a:t> </a:t>
+            </a:r>
+            <a:r>
+              <a:rPr lang="en-US" sz="4000" dirty="0" err="1">
+                <a:solidFill>
+                  <a:schemeClr val="tx2"/>
+                </a:solidFill>
+                <a:latin typeface="Lato" panose="020F0502020204030203" pitchFamily="34" charset="0"/>
+              </a:rPr>
+              <a:t>dalam</a:t>
+            </a:r>
+            <a:r>
+              <a:rPr lang="en-US" sz="4000" dirty="0">
+                <a:solidFill>
+                  <a:schemeClr val="tx2"/>
+                </a:solidFill>
+                <a:latin typeface="Lato" panose="020F0502020204030203" pitchFamily="34" charset="0"/>
+              </a:rPr>
+              <a:t> </a:t>
+            </a:r>
+            <a:r>
+              <a:rPr lang="en-US" sz="4000" dirty="0" err="1">
+                <a:solidFill>
+                  <a:schemeClr val="tx2"/>
+                </a:solidFill>
+                <a:latin typeface="Lato" panose="020F0502020204030203" pitchFamily="34" charset="0"/>
+              </a:rPr>
+              <a:t>fungsi</a:t>
+            </a:r>
+            <a:r>
+              <a:rPr lang="en-US" sz="4000" dirty="0">
+                <a:solidFill>
+                  <a:schemeClr val="tx2"/>
+                </a:solidFill>
+                <a:latin typeface="Lato" panose="020F0502020204030203" pitchFamily="34" charset="0"/>
+              </a:rPr>
+              <a:t> </a:t>
+            </a:r>
+            <a:r>
+              <a:rPr lang="en-US" sz="4000" dirty="0" err="1">
+                <a:solidFill>
+                  <a:schemeClr val="tx2"/>
+                </a:solidFill>
+                <a:latin typeface="Lato" panose="020F0502020204030203" pitchFamily="34" charset="0"/>
+              </a:rPr>
+              <a:t>keanggotaan</a:t>
+            </a:r>
+            <a:r>
+              <a:rPr lang="en-US" sz="4000" dirty="0">
+                <a:solidFill>
+                  <a:schemeClr val="tx2"/>
+                </a:solidFill>
+                <a:latin typeface="Lato" panose="020F0502020204030203" pitchFamily="34" charset="0"/>
+              </a:rPr>
+              <a:t> yang </a:t>
+            </a:r>
+            <a:r>
+              <a:rPr lang="en-US" sz="4000" dirty="0" err="1">
+                <a:solidFill>
+                  <a:schemeClr val="tx2"/>
+                </a:solidFill>
+                <a:latin typeface="Lato" panose="020F0502020204030203" pitchFamily="34" charset="0"/>
+              </a:rPr>
+              <a:t>diperoleh</a:t>
+            </a:r>
+            <a:r>
+              <a:rPr lang="en-US" sz="4000" dirty="0">
+                <a:solidFill>
+                  <a:schemeClr val="tx2"/>
+                </a:solidFill>
+                <a:latin typeface="Lato" panose="020F0502020204030203" pitchFamily="34" charset="0"/>
+              </a:rPr>
+              <a:t> agar </a:t>
+            </a:r>
+            <a:r>
+              <a:rPr lang="en-US" sz="4000" dirty="0" err="1">
+                <a:solidFill>
+                  <a:schemeClr val="tx2"/>
+                </a:solidFill>
+                <a:latin typeface="Lato" panose="020F0502020204030203" pitchFamily="34" charset="0"/>
+              </a:rPr>
+              <a:t>dapat</a:t>
+            </a:r>
+            <a:r>
+              <a:rPr lang="en-US" sz="4000" dirty="0">
+                <a:solidFill>
+                  <a:schemeClr val="tx2"/>
+                </a:solidFill>
+                <a:latin typeface="Lato" panose="020F0502020204030203" pitchFamily="34" charset="0"/>
+              </a:rPr>
+              <a:t> </a:t>
+            </a:r>
+            <a:r>
+              <a:rPr lang="en-US" sz="4000" dirty="0" err="1">
+                <a:solidFill>
+                  <a:schemeClr val="tx2"/>
+                </a:solidFill>
+                <a:latin typeface="Lato" panose="020F0502020204030203" pitchFamily="34" charset="0"/>
+              </a:rPr>
+              <a:t>memberikan</a:t>
+            </a:r>
+            <a:r>
+              <a:rPr lang="en-US" sz="4000" dirty="0">
+                <a:solidFill>
+                  <a:schemeClr val="tx2"/>
+                </a:solidFill>
+                <a:latin typeface="Lato" panose="020F0502020204030203" pitchFamily="34" charset="0"/>
+              </a:rPr>
+              <a:t> </a:t>
+            </a:r>
+            <a:r>
+              <a:rPr lang="en-US" sz="4000" dirty="0" err="1">
+                <a:solidFill>
+                  <a:schemeClr val="tx2"/>
+                </a:solidFill>
+                <a:latin typeface="Lato" panose="020F0502020204030203" pitchFamily="34" charset="0"/>
+              </a:rPr>
+              <a:t>makna</a:t>
+            </a:r>
+            <a:r>
+              <a:rPr lang="en-US" sz="4000" dirty="0">
+                <a:solidFill>
+                  <a:schemeClr val="tx2"/>
+                </a:solidFill>
+                <a:latin typeface="Lato" panose="020F0502020204030203" pitchFamily="34" charset="0"/>
+              </a:rPr>
+              <a:t> </a:t>
+            </a:r>
+            <a:r>
+              <a:rPr lang="en-US" sz="4000" dirty="0" err="1">
+                <a:solidFill>
+                  <a:schemeClr val="tx2"/>
+                </a:solidFill>
+                <a:latin typeface="Lato" panose="020F0502020204030203" pitchFamily="34" charset="0"/>
+              </a:rPr>
+              <a:t>semantik</a:t>
+            </a:r>
+            <a:r>
+              <a:rPr lang="en-US" sz="4000" dirty="0">
+                <a:solidFill>
+                  <a:schemeClr val="tx2"/>
+                </a:solidFill>
+                <a:latin typeface="Lato" panose="020F0502020204030203" pitchFamily="34" charset="0"/>
+              </a:rPr>
+              <a:t> pada </a:t>
+            </a:r>
+            <a:r>
+              <a:rPr lang="en-US" sz="4000" dirty="0" err="1">
+                <a:solidFill>
+                  <a:schemeClr val="tx2"/>
+                </a:solidFill>
+                <a:latin typeface="Lato" panose="020F0502020204030203" pitchFamily="34" charset="0"/>
+              </a:rPr>
+              <a:t>hasilnya</a:t>
+            </a:r>
+            <a:r>
+              <a:rPr lang="en-US" sz="4000" dirty="0">
+                <a:solidFill>
+                  <a:schemeClr val="tx2"/>
+                </a:solidFill>
+                <a:latin typeface="Lato" panose="020F0502020204030203" pitchFamily="34" charset="0"/>
+              </a:rPr>
+              <a:t>. </a:t>
+            </a:r>
+            <a:r>
+              <a:rPr lang="en-US" sz="4000" dirty="0" err="1">
+                <a:solidFill>
+                  <a:schemeClr val="tx2"/>
+                </a:solidFill>
+                <a:latin typeface="Lato" panose="020F0502020204030203" pitchFamily="34" charset="0"/>
+              </a:rPr>
+              <a:t>Aplikasi</a:t>
+            </a:r>
+            <a:r>
+              <a:rPr lang="en-US" sz="4000" dirty="0">
+                <a:solidFill>
+                  <a:schemeClr val="tx2"/>
+                </a:solidFill>
+                <a:latin typeface="Lato" panose="020F0502020204030203" pitchFamily="34" charset="0"/>
+              </a:rPr>
+              <a:t> </a:t>
+            </a:r>
+            <a:r>
+              <a:rPr lang="en-US" sz="4000" dirty="0" err="1">
+                <a:solidFill>
+                  <a:schemeClr val="tx2"/>
+                </a:solidFill>
+                <a:latin typeface="Lato" panose="020F0502020204030203" pitchFamily="34" charset="0"/>
+              </a:rPr>
+              <a:t>ini</a:t>
+            </a:r>
+            <a:r>
+              <a:rPr lang="en-US" sz="4000" dirty="0">
+                <a:solidFill>
+                  <a:schemeClr val="tx2"/>
+                </a:solidFill>
+                <a:latin typeface="Lato" panose="020F0502020204030203" pitchFamily="34" charset="0"/>
+              </a:rPr>
+              <a:t> </a:t>
+            </a:r>
+            <a:r>
+              <a:rPr lang="en-US" sz="4000" dirty="0" err="1">
+                <a:solidFill>
+                  <a:schemeClr val="tx2"/>
+                </a:solidFill>
+                <a:latin typeface="Lato" panose="020F0502020204030203" pitchFamily="34" charset="0"/>
+              </a:rPr>
+              <a:t>dapat</a:t>
+            </a:r>
+            <a:r>
+              <a:rPr lang="en-US" sz="4000" dirty="0">
+                <a:solidFill>
+                  <a:schemeClr val="tx2"/>
+                </a:solidFill>
+                <a:latin typeface="Lato" panose="020F0502020204030203" pitchFamily="34" charset="0"/>
+              </a:rPr>
+              <a:t> </a:t>
+            </a:r>
+            <a:r>
+              <a:rPr lang="en-US" sz="4000" dirty="0" err="1">
+                <a:solidFill>
+                  <a:schemeClr val="tx2"/>
+                </a:solidFill>
+                <a:latin typeface="Lato" panose="020F0502020204030203" pitchFamily="34" charset="0"/>
+              </a:rPr>
+              <a:t>digunakan</a:t>
+            </a:r>
+            <a:r>
+              <a:rPr lang="en-US" sz="4000" dirty="0">
+                <a:solidFill>
+                  <a:schemeClr val="tx2"/>
+                </a:solidFill>
+                <a:latin typeface="Lato" panose="020F0502020204030203" pitchFamily="34" charset="0"/>
+              </a:rPr>
+              <a:t> </a:t>
+            </a:r>
+            <a:r>
+              <a:rPr lang="en-US" sz="4000" dirty="0" err="1">
+                <a:solidFill>
+                  <a:schemeClr val="tx2"/>
+                </a:solidFill>
+                <a:latin typeface="Lato" panose="020F0502020204030203" pitchFamily="34" charset="0"/>
+              </a:rPr>
+              <a:t>dalam</a:t>
+            </a:r>
+            <a:r>
+              <a:rPr lang="en-US" sz="4000" dirty="0">
+                <a:solidFill>
+                  <a:schemeClr val="tx2"/>
+                </a:solidFill>
+                <a:latin typeface="Lato" panose="020F0502020204030203" pitchFamily="34" charset="0"/>
+              </a:rPr>
+              <a:t> </a:t>
+            </a:r>
+            <a:r>
+              <a:rPr lang="en-US" sz="4000" dirty="0" err="1">
+                <a:solidFill>
+                  <a:schemeClr val="tx2"/>
+                </a:solidFill>
+                <a:latin typeface="Lato" panose="020F0502020204030203" pitchFamily="34" charset="0"/>
+              </a:rPr>
+              <a:t>lingkungan</a:t>
+            </a:r>
+            <a:r>
+              <a:rPr lang="en-US" sz="4000" dirty="0">
+                <a:solidFill>
+                  <a:schemeClr val="tx2"/>
+                </a:solidFill>
+                <a:latin typeface="Lato" panose="020F0502020204030203" pitchFamily="34" charset="0"/>
+              </a:rPr>
+              <a:t> </a:t>
+            </a:r>
+            <a:r>
+              <a:rPr lang="en-US" sz="4000" dirty="0" err="1">
+                <a:solidFill>
+                  <a:schemeClr val="tx2"/>
+                </a:solidFill>
+                <a:latin typeface="Lato" panose="020F0502020204030203" pitchFamily="34" charset="0"/>
+              </a:rPr>
+              <a:t>Matlab</a:t>
+            </a:r>
+            <a:r>
+              <a:rPr lang="en-US" sz="4000" dirty="0">
+                <a:solidFill>
+                  <a:schemeClr val="tx2"/>
+                </a:solidFill>
+                <a:latin typeface="Lato" panose="020F0502020204030203" pitchFamily="34" charset="0"/>
+              </a:rPr>
+              <a:t> dan </a:t>
+            </a:r>
+            <a:r>
+              <a:rPr lang="en-US" sz="4000" dirty="0" err="1">
+                <a:solidFill>
+                  <a:schemeClr val="tx2"/>
+                </a:solidFill>
+                <a:latin typeface="Lato" panose="020F0502020204030203" pitchFamily="34" charset="0"/>
+              </a:rPr>
+              <a:t>merupakan</a:t>
+            </a:r>
+            <a:r>
+              <a:rPr lang="en-US" sz="4000" dirty="0">
+                <a:solidFill>
+                  <a:schemeClr val="tx2"/>
+                </a:solidFill>
+                <a:latin typeface="Lato" panose="020F0502020204030203" pitchFamily="34" charset="0"/>
+              </a:rPr>
+              <a:t> </a:t>
+            </a:r>
+            <a:r>
+              <a:rPr lang="en-US" sz="4000" dirty="0" err="1">
+                <a:solidFill>
+                  <a:schemeClr val="tx2"/>
+                </a:solidFill>
+                <a:latin typeface="Lato" panose="020F0502020204030203" pitchFamily="34" charset="0"/>
+              </a:rPr>
+              <a:t>aplikasi</a:t>
+            </a:r>
+            <a:r>
+              <a:rPr lang="en-US" sz="4000" dirty="0">
+                <a:solidFill>
+                  <a:schemeClr val="tx2"/>
+                </a:solidFill>
+                <a:latin typeface="Lato" panose="020F0502020204030203" pitchFamily="34" charset="0"/>
+              </a:rPr>
+              <a:t> open source di </a:t>
+            </a:r>
+            <a:r>
+              <a:rPr lang="en-US" sz="4000" dirty="0" err="1">
+                <a:solidFill>
+                  <a:schemeClr val="tx2"/>
+                </a:solidFill>
+                <a:latin typeface="Lato" panose="020F0502020204030203" pitchFamily="34" charset="0"/>
+              </a:rPr>
+              <a:t>bawah</a:t>
+            </a:r>
+            <a:r>
+              <a:rPr lang="en-US" sz="4000" dirty="0">
+                <a:solidFill>
+                  <a:schemeClr val="tx2"/>
+                </a:solidFill>
+                <a:latin typeface="Lato" panose="020F0502020204030203" pitchFamily="34" charset="0"/>
+              </a:rPr>
+              <a:t> </a:t>
+            </a:r>
+            <a:r>
+              <a:rPr lang="en-US" sz="4000" dirty="0" err="1">
+                <a:solidFill>
+                  <a:schemeClr val="tx2"/>
+                </a:solidFill>
+                <a:latin typeface="Lato" panose="020F0502020204030203" pitchFamily="34" charset="0"/>
+              </a:rPr>
+              <a:t>lisensi</a:t>
+            </a:r>
+            <a:r>
+              <a:rPr lang="en-US" sz="4000" dirty="0">
+                <a:solidFill>
+                  <a:schemeClr val="tx2"/>
+                </a:solidFill>
+                <a:latin typeface="Lato" panose="020F0502020204030203" pitchFamily="34" charset="0"/>
+              </a:rPr>
+              <a:t> GNU.</a:t>
+            </a:r>
+          </a:p>
+        </p:txBody>
+      </p:sp>
+    </p:spTree>
+    <p:extLst>
+      <p:ext uri="{BB962C8B-B14F-4D97-AF65-F5344CB8AC3E}">
+        <p14:creationId xmlns:p14="http://schemas.microsoft.com/office/powerpoint/2010/main" val="644218948"/>
+      </p:ext>
+    </p:extLst>
+  </p:cSld>
+  <p:clrMapOvr>
+    <a:masterClrMapping/>
+  </p:clrMapOvr>
+</p:sld>
+</file>
+
+<file path=ppt/slides/slide8.xml><?xml version="1.0" encoding="utf-8"?>
+<p:sld xmlns:a="http://schemas.openxmlformats.org/drawingml/2006/main" xmlns:r="http://schemas.openxmlformats.org/officeDocument/2006/relationships" xmlns:p="http://schemas.openxmlformats.org/presentationml/2006/main">
+  <p:cSld>
+    <p:spTree>
+      <p:nvGrpSpPr>
+        <p:cNvPr id="1" name=""/>
+        <p:cNvGrpSpPr/>
+        <p:nvPr/>
+      </p:nvGrpSpPr>
+      <p:grpSpPr>
+        <a:xfrm>
+          <a:off x="0" y="0"/>
+          <a:ext cx="0" cy="0"/>
+          <a:chOff x="0" y="0"/>
+          <a:chExt cx="0" cy="0"/>
+        </a:xfrm>
+      </p:grpSpPr>
+      <p:sp>
+        <p:nvSpPr>
+          <p:cNvPr id="8" name="Rectangle 7"/>
+          <p:cNvSpPr/>
+          <p:nvPr/>
+        </p:nvSpPr>
+        <p:spPr>
+          <a:xfrm>
+            <a:off x="0" y="0"/>
+            <a:ext cx="24377650" cy="13716000"/>
+          </a:xfrm>
+          <a:prstGeom prst="rect">
+            <a:avLst/>
+          </a:prstGeom>
+          <a:solidFill>
+            <a:schemeClr val="accent1"/>
+          </a:solidFill>
+          <a:ln>
+            <a:noFill/>
+          </a:ln>
+        </p:spPr>
+        <p:style>
+          <a:lnRef idx="2">
+            <a:schemeClr val="accent1">
+              <a:shade val="50000"/>
+            </a:schemeClr>
+          </a:lnRef>
+          <a:fillRef idx="1">
+            <a:schemeClr val="accent1"/>
+          </a:fillRef>
+          <a:effectRef idx="0">
+            <a:schemeClr val="accent1"/>
+          </a:effectRef>
+          <a:fontRef idx="minor">
+            <a:schemeClr val="lt1"/>
+          </a:fontRef>
+        </p:style>
+        <p:txBody>
+          <a:bodyPr rtlCol="0" anchor="ctr"/>
+          <a:lstStyle/>
+          <a:p>
+            <a:pPr algn="ctr"/>
+            <a:endParaRPr lang="en-US"/>
+          </a:p>
+        </p:txBody>
+      </p:sp>
+      <p:grpSp>
+        <p:nvGrpSpPr>
+          <p:cNvPr id="17" name="Group 16"/>
+          <p:cNvGrpSpPr/>
+          <p:nvPr/>
+        </p:nvGrpSpPr>
+        <p:grpSpPr>
+          <a:xfrm>
+            <a:off x="0" y="838200"/>
+            <a:ext cx="7266215" cy="1118191"/>
+            <a:chOff x="0" y="838200"/>
+            <a:chExt cx="7266215" cy="1118191"/>
+          </a:xfrm>
+        </p:grpSpPr>
+        <p:sp>
+          <p:nvSpPr>
+            <p:cNvPr id="18" name="Rectangle 17"/>
+            <p:cNvSpPr/>
+            <p:nvPr/>
+          </p:nvSpPr>
+          <p:spPr>
+            <a:xfrm>
+              <a:off x="1" y="838200"/>
+              <a:ext cx="7266214" cy="629093"/>
+            </a:xfrm>
+            <a:prstGeom prst="rect">
+              <a:avLst/>
+            </a:prstGeom>
+            <a:solidFill>
+              <a:schemeClr val="accent2"/>
+            </a:solidFill>
+            <a:ln>
+              <a:noFill/>
+            </a:ln>
+          </p:spPr>
+          <p:style>
+            <a:lnRef idx="2">
+              <a:schemeClr val="accent1">
+                <a:shade val="50000"/>
+              </a:schemeClr>
+            </a:lnRef>
+            <a:fillRef idx="1">
+              <a:schemeClr val="accent1"/>
+            </a:fillRef>
+            <a:effectRef idx="0">
+              <a:schemeClr val="accent1"/>
+            </a:effectRef>
+            <a:fontRef idx="minor">
+              <a:schemeClr val="lt1"/>
+            </a:fontRef>
+          </p:style>
+          <p:txBody>
+            <a:bodyPr rtlCol="0" anchor="ctr"/>
+            <a:lstStyle/>
+            <a:p>
+              <a:pPr algn="ctr"/>
+              <a:endParaRPr lang="en-US"/>
+            </a:p>
+          </p:txBody>
+        </p:sp>
+        <p:sp>
+          <p:nvSpPr>
+            <p:cNvPr id="19" name="Rectangle 18"/>
+            <p:cNvSpPr/>
+            <p:nvPr/>
+          </p:nvSpPr>
+          <p:spPr>
+            <a:xfrm>
+              <a:off x="0" y="1667540"/>
+              <a:ext cx="4678878" cy="288851"/>
+            </a:xfrm>
+            <a:prstGeom prst="rect">
+              <a:avLst/>
+            </a:prstGeom>
+            <a:solidFill>
+              <a:schemeClr val="accent3"/>
+            </a:solidFill>
+            <a:ln>
+              <a:noFill/>
+            </a:ln>
+          </p:spPr>
+          <p:style>
+            <a:lnRef idx="2">
+              <a:schemeClr val="accent1">
+                <a:shade val="50000"/>
+              </a:schemeClr>
+            </a:lnRef>
+            <a:fillRef idx="1">
+              <a:schemeClr val="accent1"/>
+            </a:fillRef>
+            <a:effectRef idx="0">
+              <a:schemeClr val="accent1"/>
+            </a:effectRef>
+            <a:fontRef idx="minor">
+              <a:schemeClr val="lt1"/>
+            </a:fontRef>
+          </p:style>
+          <p:txBody>
+            <a:bodyPr rtlCol="0" anchor="ctr"/>
+            <a:lstStyle/>
+            <a:p>
+              <a:pPr algn="ctr"/>
+              <a:endParaRPr lang="en-US"/>
+            </a:p>
+          </p:txBody>
+        </p:sp>
+      </p:grpSp>
+      <p:grpSp>
+        <p:nvGrpSpPr>
+          <p:cNvPr id="20" name="Group 19"/>
+          <p:cNvGrpSpPr/>
+          <p:nvPr/>
+        </p:nvGrpSpPr>
+        <p:grpSpPr>
+          <a:xfrm rot="10800000">
+            <a:off x="17111435" y="11759609"/>
+            <a:ext cx="7266215" cy="1118191"/>
+            <a:chOff x="0" y="838200"/>
+            <a:chExt cx="7266215" cy="1118191"/>
+          </a:xfrm>
+        </p:grpSpPr>
+        <p:sp>
+          <p:nvSpPr>
+            <p:cNvPr id="21" name="Rectangle 20"/>
+            <p:cNvSpPr/>
+            <p:nvPr/>
+          </p:nvSpPr>
+          <p:spPr>
+            <a:xfrm>
+              <a:off x="1" y="838200"/>
+              <a:ext cx="7266214" cy="629093"/>
+            </a:xfrm>
+            <a:prstGeom prst="rect">
+              <a:avLst/>
+            </a:prstGeom>
+            <a:solidFill>
+              <a:schemeClr val="accent2"/>
+            </a:solidFill>
+            <a:ln>
+              <a:noFill/>
+            </a:ln>
+          </p:spPr>
+          <p:style>
+            <a:lnRef idx="2">
+              <a:schemeClr val="accent1">
+                <a:shade val="50000"/>
+              </a:schemeClr>
+            </a:lnRef>
+            <a:fillRef idx="1">
+              <a:schemeClr val="accent1"/>
+            </a:fillRef>
+            <a:effectRef idx="0">
+              <a:schemeClr val="accent1"/>
+            </a:effectRef>
+            <a:fontRef idx="minor">
+              <a:schemeClr val="lt1"/>
+            </a:fontRef>
+          </p:style>
+          <p:txBody>
+            <a:bodyPr rtlCol="0" anchor="ctr"/>
+            <a:lstStyle/>
+            <a:p>
+              <a:pPr algn="ctr"/>
+              <a:endParaRPr lang="en-US"/>
+            </a:p>
+          </p:txBody>
+        </p:sp>
+        <p:sp>
+          <p:nvSpPr>
+            <p:cNvPr id="22" name="Rectangle 21"/>
+            <p:cNvSpPr/>
+            <p:nvPr/>
+          </p:nvSpPr>
+          <p:spPr>
+            <a:xfrm>
+              <a:off x="0" y="1667540"/>
+              <a:ext cx="4678878" cy="288851"/>
+            </a:xfrm>
+            <a:prstGeom prst="rect">
+              <a:avLst/>
+            </a:prstGeom>
+            <a:solidFill>
+              <a:schemeClr val="accent3"/>
+            </a:solidFill>
+            <a:ln>
+              <a:noFill/>
+            </a:ln>
+          </p:spPr>
+          <p:style>
+            <a:lnRef idx="2">
+              <a:schemeClr val="accent1">
+                <a:shade val="50000"/>
+              </a:schemeClr>
+            </a:lnRef>
+            <a:fillRef idx="1">
+              <a:schemeClr val="accent1"/>
+            </a:fillRef>
+            <a:effectRef idx="0">
+              <a:schemeClr val="accent1"/>
+            </a:effectRef>
+            <a:fontRef idx="minor">
+              <a:schemeClr val="lt1"/>
+            </a:fontRef>
+          </p:style>
+          <p:txBody>
+            <a:bodyPr rtlCol="0" anchor="ctr"/>
+            <a:lstStyle/>
+            <a:p>
+              <a:pPr algn="ctr"/>
+              <a:endParaRPr lang="en-US"/>
+            </a:p>
+          </p:txBody>
+        </p:sp>
+      </p:grpSp>
+      <p:sp>
+        <p:nvSpPr>
+          <p:cNvPr id="13" name="TextBox 12"/>
+          <p:cNvSpPr txBox="1"/>
+          <p:nvPr/>
+        </p:nvSpPr>
+        <p:spPr>
+          <a:xfrm>
+            <a:off x="8435284" y="780323"/>
+            <a:ext cx="9239291" cy="1015663"/>
+          </a:xfrm>
+          <a:prstGeom prst="rect">
+            <a:avLst/>
+          </a:prstGeom>
+          <a:noFill/>
+        </p:spPr>
+        <p:txBody>
+          <a:bodyPr wrap="square" rtlCol="0">
+            <a:spAutoFit/>
+          </a:bodyPr>
+          <a:lstStyle/>
+          <a:p>
+            <a:r>
+              <a:rPr lang="en-US" sz="6000" b="1" dirty="0" err="1">
+                <a:solidFill>
+                  <a:schemeClr val="accent2"/>
+                </a:solidFill>
+                <a:latin typeface="Lato" charset="0"/>
+                <a:ea typeface="Lato" charset="0"/>
+                <a:cs typeface="Lato" charset="0"/>
+              </a:rPr>
+              <a:t>Penggunaan</a:t>
+            </a:r>
+            <a:r>
+              <a:rPr lang="en-US" sz="6000" b="1" dirty="0">
+                <a:solidFill>
+                  <a:schemeClr val="accent2"/>
+                </a:solidFill>
+                <a:latin typeface="Lato" charset="0"/>
+                <a:ea typeface="Lato" charset="0"/>
+                <a:cs typeface="Lato" charset="0"/>
+              </a:rPr>
+              <a:t> </a:t>
+            </a:r>
+            <a:r>
+              <a:rPr lang="en-US" sz="6000" b="1" dirty="0" err="1">
+                <a:solidFill>
+                  <a:schemeClr val="accent2"/>
+                </a:solidFill>
+                <a:latin typeface="Lato" charset="0"/>
+                <a:ea typeface="Lato" charset="0"/>
+                <a:cs typeface="Lato" charset="0"/>
+              </a:rPr>
+              <a:t>eFSLab</a:t>
+            </a:r>
+            <a:endParaRPr lang="en-US" sz="6000" b="1" dirty="0">
+              <a:solidFill>
+                <a:schemeClr val="accent2"/>
+              </a:solidFill>
+              <a:latin typeface="Lato" charset="0"/>
+              <a:ea typeface="Lato" charset="0"/>
+              <a:cs typeface="Lato" charset="0"/>
+            </a:endParaRPr>
+          </a:p>
+        </p:txBody>
+      </p:sp>
+      <p:sp>
+        <p:nvSpPr>
+          <p:cNvPr id="30" name="TextBox 29"/>
+          <p:cNvSpPr txBox="1"/>
+          <p:nvPr/>
+        </p:nvSpPr>
+        <p:spPr>
+          <a:xfrm>
+            <a:off x="925051" y="2764743"/>
+            <a:ext cx="15832323" cy="10248960"/>
+          </a:xfrm>
+          <a:prstGeom prst="rect">
+            <a:avLst/>
+          </a:prstGeom>
+          <a:noFill/>
+        </p:spPr>
+        <p:txBody>
+          <a:bodyPr wrap="square" rtlCol="0">
+            <a:spAutoFit/>
+          </a:bodyPr>
+          <a:lstStyle/>
+          <a:p>
+            <a:r>
+              <a:rPr lang="en-US" sz="4400" dirty="0">
+                <a:solidFill>
+                  <a:schemeClr val="tx2"/>
+                </a:solidFill>
+                <a:latin typeface="Lato" panose="020F0502020204030203" pitchFamily="34" charset="0"/>
+              </a:rPr>
+              <a:t>3. </a:t>
+            </a:r>
+            <a:r>
+              <a:rPr lang="id-ID" sz="4400" dirty="0">
+                <a:solidFill>
+                  <a:schemeClr val="tx2"/>
+                </a:solidFill>
+                <a:latin typeface="Lato" panose="020F0502020204030203" pitchFamily="34" charset="0"/>
+              </a:rPr>
+              <a:t>Pengaturan nilai parameter lainnya</a:t>
+            </a:r>
+            <a:endParaRPr lang="en-US" sz="4400" dirty="0">
+              <a:solidFill>
+                <a:schemeClr val="tx2"/>
+              </a:solidFill>
+              <a:latin typeface="Lato" panose="020F0502020204030203" pitchFamily="34" charset="0"/>
+            </a:endParaRPr>
+          </a:p>
+          <a:p>
+            <a:pPr marL="742950" indent="-742950">
+              <a:buAutoNum type="arabicPeriod"/>
+            </a:pPr>
+            <a:endParaRPr lang="en-US" sz="4400" dirty="0">
+              <a:solidFill>
+                <a:schemeClr val="tx2"/>
+              </a:solidFill>
+              <a:latin typeface="Lato" panose="020F0502020204030203" pitchFamily="34" charset="0"/>
+            </a:endParaRPr>
+          </a:p>
+          <a:p>
+            <a:pPr marL="742950" indent="-742950">
+              <a:buAutoNum type="arabicPeriod"/>
+            </a:pPr>
+            <a:endParaRPr lang="en-US" sz="4400" dirty="0">
+              <a:solidFill>
+                <a:schemeClr val="tx2"/>
+              </a:solidFill>
+              <a:latin typeface="Lato" panose="020F0502020204030203" pitchFamily="34" charset="0"/>
+            </a:endParaRPr>
+          </a:p>
+          <a:p>
+            <a:pPr marL="742950" indent="-742950">
+              <a:buAutoNum type="arabicPeriod"/>
+            </a:pPr>
+            <a:endParaRPr lang="en-US" sz="4400" dirty="0">
+              <a:solidFill>
+                <a:schemeClr val="tx2"/>
+              </a:solidFill>
+              <a:latin typeface="Lato" panose="020F0502020204030203" pitchFamily="34" charset="0"/>
+            </a:endParaRPr>
+          </a:p>
+          <a:p>
+            <a:pPr marL="742950" indent="-742950">
+              <a:buAutoNum type="arabicPeriod"/>
+            </a:pPr>
+            <a:endParaRPr lang="en-US" sz="4400" dirty="0">
+              <a:solidFill>
+                <a:schemeClr val="tx2"/>
+              </a:solidFill>
+              <a:latin typeface="Lato" panose="020F0502020204030203" pitchFamily="34" charset="0"/>
+            </a:endParaRPr>
+          </a:p>
+          <a:p>
+            <a:endParaRPr lang="en-US" sz="4400" dirty="0">
+              <a:solidFill>
+                <a:schemeClr val="tx2"/>
+              </a:solidFill>
+              <a:latin typeface="Lato" panose="020F0502020204030203" pitchFamily="34" charset="0"/>
+            </a:endParaRPr>
+          </a:p>
+          <a:p>
+            <a:endParaRPr lang="en-US" sz="4400" dirty="0">
+              <a:solidFill>
+                <a:schemeClr val="tx2"/>
+              </a:solidFill>
+              <a:latin typeface="Lato" panose="020F0502020204030203" pitchFamily="34" charset="0"/>
+            </a:endParaRPr>
+          </a:p>
+          <a:p>
+            <a:endParaRPr lang="en-US" sz="4400" dirty="0">
+              <a:solidFill>
+                <a:schemeClr val="tx2"/>
+              </a:solidFill>
+              <a:latin typeface="Lato" panose="020F0502020204030203" pitchFamily="34" charset="0"/>
+            </a:endParaRPr>
+          </a:p>
+          <a:p>
+            <a:r>
+              <a:rPr lang="en-US" sz="4400" dirty="0">
+                <a:solidFill>
+                  <a:schemeClr val="tx2"/>
+                </a:solidFill>
+                <a:latin typeface="Lato" panose="020F0502020204030203" pitchFamily="34" charset="0"/>
+              </a:rPr>
+              <a:t>4. </a:t>
+            </a:r>
+            <a:r>
+              <a:rPr lang="id-ID" sz="4400" dirty="0">
+                <a:solidFill>
+                  <a:schemeClr val="tx2"/>
+                </a:solidFill>
+                <a:latin typeface="Lato" panose="020F0502020204030203" pitchFamily="34" charset="0"/>
+              </a:rPr>
+              <a:t>Ketentuan untuk substitusi dan </a:t>
+            </a:r>
+            <a:endParaRPr lang="en-US" sz="4400" dirty="0">
+              <a:solidFill>
+                <a:schemeClr val="tx2"/>
+              </a:solidFill>
+              <a:latin typeface="Lato" panose="020F0502020204030203" pitchFamily="34" charset="0"/>
+            </a:endParaRPr>
+          </a:p>
+          <a:p>
+            <a:r>
+              <a:rPr lang="id-ID" sz="4400" dirty="0">
+                <a:solidFill>
+                  <a:schemeClr val="tx2"/>
+                </a:solidFill>
+                <a:latin typeface="Lato" panose="020F0502020204030203" pitchFamily="34" charset="0"/>
+              </a:rPr>
+              <a:t>pembuatan peraturan</a:t>
+            </a:r>
+            <a:endParaRPr lang="en-US" sz="4400" dirty="0">
+              <a:solidFill>
+                <a:schemeClr val="tx2"/>
+              </a:solidFill>
+              <a:latin typeface="Lato" panose="020F0502020204030203" pitchFamily="34" charset="0"/>
+            </a:endParaRPr>
+          </a:p>
+          <a:p>
+            <a:pPr lvl="0" algn="just"/>
+            <a:r>
+              <a:rPr lang="en-US" sz="4400" dirty="0">
+                <a:solidFill>
+                  <a:schemeClr val="tx2"/>
+                </a:solidFill>
+                <a:latin typeface="Lato" panose="020F0502020204030203" pitchFamily="34" charset="0"/>
+              </a:rPr>
+              <a:t>5. </a:t>
+            </a:r>
+            <a:r>
+              <a:rPr lang="id-ID" sz="4400" dirty="0">
+                <a:solidFill>
+                  <a:schemeClr val="tx2"/>
+                </a:solidFill>
+                <a:latin typeface="Lato" panose="020F0502020204030203" pitchFamily="34" charset="0"/>
+              </a:rPr>
+              <a:t>Pembuatan Model </a:t>
+            </a:r>
+            <a:r>
+              <a:rPr lang="id-ID" sz="4400" dirty="0" err="1">
+                <a:solidFill>
+                  <a:schemeClr val="tx2"/>
+                </a:solidFill>
+                <a:latin typeface="Lato" panose="020F0502020204030203" pitchFamily="34" charset="0"/>
+              </a:rPr>
+              <a:t>Fuzzy</a:t>
+            </a:r>
+            <a:endParaRPr lang="en-US" sz="4400" dirty="0">
+              <a:solidFill>
+                <a:schemeClr val="tx2"/>
+              </a:solidFill>
+              <a:latin typeface="Lato" panose="020F0502020204030203" pitchFamily="34" charset="0"/>
+            </a:endParaRPr>
+          </a:p>
+          <a:p>
+            <a:pPr lvl="0" algn="just"/>
+            <a:r>
+              <a:rPr lang="en-US" sz="4400" dirty="0">
+                <a:solidFill>
+                  <a:schemeClr val="tx2"/>
+                </a:solidFill>
+                <a:latin typeface="Lato" panose="020F0502020204030203" pitchFamily="34" charset="0"/>
+              </a:rPr>
+              <a:t>6. </a:t>
+            </a:r>
+            <a:r>
+              <a:rPr lang="id-ID" sz="4400" dirty="0">
+                <a:solidFill>
+                  <a:schemeClr val="tx2"/>
+                </a:solidFill>
+                <a:latin typeface="Lato" panose="020F0502020204030203" pitchFamily="34" charset="0"/>
+              </a:rPr>
+              <a:t>Konsultasi Hasil</a:t>
+            </a:r>
+            <a:endParaRPr lang="en-US" sz="4400" dirty="0">
+              <a:solidFill>
+                <a:schemeClr val="tx2"/>
+              </a:solidFill>
+              <a:latin typeface="Lato" panose="020F0502020204030203" pitchFamily="34" charset="0"/>
+            </a:endParaRPr>
+          </a:p>
+          <a:p>
+            <a:pPr lvl="0" algn="just"/>
+            <a:r>
+              <a:rPr lang="en-US" sz="4400" dirty="0">
+                <a:solidFill>
+                  <a:schemeClr val="tx2"/>
+                </a:solidFill>
+                <a:latin typeface="Lato" panose="020F0502020204030203" pitchFamily="34" charset="0"/>
+              </a:rPr>
+              <a:t>7. </a:t>
+            </a:r>
+            <a:r>
+              <a:rPr lang="id-ID" sz="4400" dirty="0">
+                <a:solidFill>
+                  <a:schemeClr val="tx2"/>
+                </a:solidFill>
+                <a:latin typeface="Lato" panose="020F0502020204030203" pitchFamily="34" charset="0"/>
+              </a:rPr>
+              <a:t>Menganalisis sifat-sifat sistem </a:t>
+            </a:r>
+            <a:r>
+              <a:rPr lang="id-ID" sz="4400" dirty="0" err="1">
+                <a:solidFill>
+                  <a:schemeClr val="tx2"/>
+                </a:solidFill>
+                <a:latin typeface="Lato" panose="020F0502020204030203" pitchFamily="34" charset="0"/>
+              </a:rPr>
+              <a:t>fuzzy</a:t>
+            </a:r>
+            <a:r>
+              <a:rPr lang="id-ID" sz="4400" dirty="0">
+                <a:solidFill>
+                  <a:schemeClr val="tx2"/>
+                </a:solidFill>
+                <a:latin typeface="Lato" panose="020F0502020204030203" pitchFamily="34" charset="0"/>
+              </a:rPr>
+              <a:t> yang dibuat</a:t>
+            </a:r>
+            <a:endParaRPr lang="en-US" sz="4400" dirty="0">
+              <a:solidFill>
+                <a:schemeClr val="tx2"/>
+              </a:solidFill>
+              <a:latin typeface="Lato" panose="020F0502020204030203" pitchFamily="34" charset="0"/>
+            </a:endParaRPr>
+          </a:p>
+          <a:p>
+            <a:pPr algn="just"/>
+            <a:r>
+              <a:rPr lang="en-US" sz="4400" dirty="0">
+                <a:solidFill>
+                  <a:schemeClr val="tx2"/>
+                </a:solidFill>
+                <a:latin typeface="Lato" panose="020F0502020204030203" pitchFamily="34" charset="0"/>
+              </a:rPr>
+              <a:t>8. </a:t>
+            </a:r>
+            <a:r>
+              <a:rPr lang="id-ID" sz="4400" dirty="0">
+                <a:solidFill>
+                  <a:schemeClr val="tx2"/>
+                </a:solidFill>
+                <a:latin typeface="Lato" panose="020F0502020204030203" pitchFamily="34" charset="0"/>
+              </a:rPr>
+              <a:t>Transformasi </a:t>
+            </a:r>
+            <a:r>
+              <a:rPr lang="id-ID" sz="4400" dirty="0" err="1">
+                <a:solidFill>
+                  <a:schemeClr val="tx2"/>
+                </a:solidFill>
+                <a:latin typeface="Lato" panose="020F0502020204030203" pitchFamily="34" charset="0"/>
+              </a:rPr>
+              <a:t>Sugeno</a:t>
+            </a:r>
+            <a:r>
+              <a:rPr lang="id-ID" sz="4400" dirty="0">
+                <a:solidFill>
+                  <a:schemeClr val="tx2"/>
+                </a:solidFill>
+                <a:latin typeface="Lato" panose="020F0502020204030203" pitchFamily="34" charset="0"/>
+              </a:rPr>
+              <a:t> ke </a:t>
+            </a:r>
+            <a:r>
+              <a:rPr lang="id-ID" sz="4400" dirty="0" err="1">
+                <a:solidFill>
+                  <a:schemeClr val="tx2"/>
+                </a:solidFill>
+                <a:latin typeface="Lato" panose="020F0502020204030203" pitchFamily="34" charset="0"/>
+              </a:rPr>
+              <a:t>Mamdani</a:t>
+            </a:r>
+            <a:endParaRPr lang="en-US" sz="4400" dirty="0">
+              <a:solidFill>
+                <a:schemeClr val="tx2"/>
+              </a:solidFill>
+              <a:latin typeface="Lato" panose="020F0502020204030203" pitchFamily="34" charset="0"/>
+            </a:endParaRPr>
+          </a:p>
+          <a:p>
+            <a:endParaRPr lang="en-US" sz="4400" dirty="0">
+              <a:solidFill>
+                <a:schemeClr val="tx2"/>
+              </a:solidFill>
+              <a:latin typeface="Lato" panose="020F0502020204030203" pitchFamily="34" charset="0"/>
+            </a:endParaRPr>
+          </a:p>
+        </p:txBody>
+      </p:sp>
+      <p:pic>
+        <p:nvPicPr>
+          <p:cNvPr id="14" name="image1.png">
+            <a:extLst>
+              <a:ext uri="{FF2B5EF4-FFF2-40B4-BE49-F238E27FC236}">
+                <a16:creationId xmlns:a16="http://schemas.microsoft.com/office/drawing/2014/main" id="{C20D5225-432C-4F06-A4D0-DD006B519A8F}"/>
+              </a:ext>
+            </a:extLst>
+          </p:cNvPr>
+          <p:cNvPicPr/>
+          <p:nvPr/>
+        </p:nvPicPr>
+        <p:blipFill>
+          <a:blip r:embed="rId2"/>
+          <a:srcRect/>
+          <a:stretch>
+            <a:fillRect/>
+          </a:stretch>
+        </p:blipFill>
+        <p:spPr>
+          <a:xfrm>
+            <a:off x="1650347" y="3847756"/>
+            <a:ext cx="7838523" cy="3499341"/>
+          </a:xfrm>
+          <a:prstGeom prst="rect">
+            <a:avLst/>
+          </a:prstGeom>
+          <a:ln/>
+        </p:spPr>
+      </p:pic>
+      <p:pic>
+        <p:nvPicPr>
+          <p:cNvPr id="16" name="image2.png">
+            <a:extLst>
+              <a:ext uri="{FF2B5EF4-FFF2-40B4-BE49-F238E27FC236}">
+                <a16:creationId xmlns:a16="http://schemas.microsoft.com/office/drawing/2014/main" id="{D1EEAFFB-8D5A-4451-A583-08B5A295419D}"/>
+              </a:ext>
+            </a:extLst>
+          </p:cNvPr>
+          <p:cNvPicPr/>
+          <p:nvPr/>
+        </p:nvPicPr>
+        <p:blipFill>
+          <a:blip r:embed="rId3"/>
+          <a:srcRect/>
+          <a:stretch>
+            <a:fillRect/>
+          </a:stretch>
+        </p:blipFill>
+        <p:spPr>
+          <a:xfrm>
+            <a:off x="9859872" y="3847756"/>
+            <a:ext cx="13972047" cy="6287422"/>
+          </a:xfrm>
+          <a:prstGeom prst="rect">
+            <a:avLst/>
+          </a:prstGeom>
+          <a:ln/>
+        </p:spPr>
+      </p:pic>
+    </p:spTree>
+    <p:extLst>
+      <p:ext uri="{BB962C8B-B14F-4D97-AF65-F5344CB8AC3E}">
+        <p14:creationId xmlns:p14="http://schemas.microsoft.com/office/powerpoint/2010/main" val="3436423515"/>
+      </p:ext>
+    </p:extLst>
+  </p:cSld>
+  <p:clrMapOvr>
+    <a:masterClrMapping/>
+  </p:clrMapOvr>
+</p:sld>
+</file>
+
+<file path=ppt/slides/slide9.xml><?xml version="1.0" encoding="utf-8"?>
+<p:sld xmlns:a="http://schemas.openxmlformats.org/drawingml/2006/main" xmlns:r="http://schemas.openxmlformats.org/officeDocument/2006/relationships" xmlns:p="http://schemas.openxmlformats.org/presentationml/2006/main">
+  <p:cSld>
+    <p:spTree>
+      <p:nvGrpSpPr>
+        <p:cNvPr id="1" name=""/>
+        <p:cNvGrpSpPr/>
+        <p:nvPr/>
+      </p:nvGrpSpPr>
+      <p:grpSpPr>
+        <a:xfrm>
+          <a:off x="0" y="0"/>
+          <a:ext cx="0" cy="0"/>
+          <a:chOff x="0" y="0"/>
+          <a:chExt cx="0" cy="0"/>
+        </a:xfrm>
+      </p:grpSpPr>
+      <p:sp>
+        <p:nvSpPr>
           <p:cNvPr id="42" name="Rectangle 41"/>
           <p:cNvSpPr/>
           <p:nvPr/>
@@ -11427,1478 +18178,6 @@
     <p:extLst>
       <p:ext uri="{BB962C8B-B14F-4D97-AF65-F5344CB8AC3E}">
         <p14:creationId xmlns:p14="http://schemas.microsoft.com/office/powerpoint/2010/main" val="3925923142"/>
-      </p:ext>
-    </p:extLst>
-  </p:cSld>
-  <p:clrMapOvr>
-    <a:masterClrMapping/>
-  </p:clrMapOvr>
-</p:sld>
-</file>
-
-<file path=ppt/slides/slide8.xml><?xml version="1.0" encoding="utf-8"?>
-<p:sld xmlns:a="http://schemas.openxmlformats.org/drawingml/2006/main" xmlns:r="http://schemas.openxmlformats.org/officeDocument/2006/relationships" xmlns:p="http://schemas.openxmlformats.org/presentationml/2006/main">
-  <p:cSld>
-    <p:spTree>
-      <p:nvGrpSpPr>
-        <p:cNvPr id="1" name=""/>
-        <p:cNvGrpSpPr/>
-        <p:nvPr/>
-      </p:nvGrpSpPr>
-      <p:grpSpPr>
-        <a:xfrm>
-          <a:off x="0" y="0"/>
-          <a:ext cx="0" cy="0"/>
-          <a:chOff x="0" y="0"/>
-          <a:chExt cx="0" cy="0"/>
-        </a:xfrm>
-      </p:grpSpPr>
-      <p:sp>
-        <p:nvSpPr>
-          <p:cNvPr id="42" name="Rectangle 41"/>
-          <p:cNvSpPr/>
-          <p:nvPr/>
-        </p:nvSpPr>
-        <p:spPr>
-          <a:xfrm>
-            <a:off x="1" y="0"/>
-            <a:ext cx="24377650" cy="13715998"/>
-          </a:xfrm>
-          <a:prstGeom prst="rect">
-            <a:avLst/>
-          </a:prstGeom>
-          <a:solidFill>
-            <a:schemeClr val="accent1"/>
-          </a:solidFill>
-          <a:ln>
-            <a:noFill/>
-          </a:ln>
-        </p:spPr>
-        <p:style>
-          <a:lnRef idx="2">
-            <a:schemeClr val="accent1">
-              <a:shade val="50000"/>
-            </a:schemeClr>
-          </a:lnRef>
-          <a:fillRef idx="1">
-            <a:schemeClr val="accent1"/>
-          </a:fillRef>
-          <a:effectRef idx="0">
-            <a:schemeClr val="accent1"/>
-          </a:effectRef>
-          <a:fontRef idx="minor">
-            <a:schemeClr val="lt1"/>
-          </a:fontRef>
-        </p:style>
-        <p:txBody>
-          <a:bodyPr rtlCol="0" anchor="ctr"/>
-          <a:lstStyle/>
-          <a:p>
-            <a:pPr marL="0" marR="0" lvl="0" indent="0" algn="ctr" defTabSz="1828434" rtl="0" eaLnBrk="1" fontAlgn="auto" latinLnBrk="0" hangingPunct="1">
-              <a:lnSpc>
-                <a:spcPct val="100000"/>
-              </a:lnSpc>
-              <a:spcBef>
-                <a:spcPts val="0"/>
-              </a:spcBef>
-              <a:spcAft>
-                <a:spcPts val="0"/>
-              </a:spcAft>
-              <a:buClrTx/>
-              <a:buSzTx/>
-              <a:buFontTx/>
-              <a:buNone/>
-              <a:tabLst/>
-              <a:defRPr/>
-            </a:pPr>
-            <a:endParaRPr kumimoji="0" lang="en-US" sz="3600" b="0" i="0" u="none" strike="noStrike" kern="1200" cap="none" spc="0" normalizeH="0" baseline="0" noProof="0">
-              <a:ln>
-                <a:noFill/>
-              </a:ln>
-              <a:solidFill>
-                <a:srgbClr val="FFFFFF"/>
-              </a:solidFill>
-              <a:effectLst/>
-              <a:uLnTx/>
-              <a:uFillTx/>
-              <a:latin typeface="Calibri" panose="020F0502020204030204"/>
-              <a:ea typeface="+mn-ea"/>
-              <a:cs typeface="+mn-cs"/>
-            </a:endParaRPr>
-          </a:p>
-        </p:txBody>
-      </p:sp>
-      <p:sp>
-        <p:nvSpPr>
-          <p:cNvPr id="10" name="TextBox 9"/>
-          <p:cNvSpPr txBox="1"/>
-          <p:nvPr/>
-        </p:nvSpPr>
-        <p:spPr>
-          <a:xfrm>
-            <a:off x="1206613" y="11483623"/>
-            <a:ext cx="6944530" cy="1015663"/>
-          </a:xfrm>
-          <a:prstGeom prst="rect">
-            <a:avLst/>
-          </a:prstGeom>
-          <a:noFill/>
-        </p:spPr>
-        <p:txBody>
-          <a:bodyPr wrap="none" rtlCol="0">
-            <a:spAutoFit/>
-          </a:bodyPr>
-          <a:lstStyle/>
-          <a:p>
-            <a:pPr marL="0" marR="0" lvl="0" indent="0" algn="l" defTabSz="1828434" rtl="0" eaLnBrk="1" fontAlgn="auto" latinLnBrk="0" hangingPunct="1">
-              <a:lnSpc>
-                <a:spcPct val="100000"/>
-              </a:lnSpc>
-              <a:spcBef>
-                <a:spcPts val="0"/>
-              </a:spcBef>
-              <a:spcAft>
-                <a:spcPts val="0"/>
-              </a:spcAft>
-              <a:buClrTx/>
-              <a:buSzTx/>
-              <a:buFontTx/>
-              <a:buNone/>
-              <a:tabLst/>
-              <a:defRPr/>
-            </a:pPr>
-            <a:r>
-              <a:rPr lang="en-US" sz="6000" b="1" dirty="0">
-                <a:solidFill>
-                  <a:srgbClr val="3D5476"/>
-                </a:solidFill>
-                <a:latin typeface="Lato" charset="0"/>
-                <a:ea typeface="Lato" charset="0"/>
-                <a:cs typeface="Lato" charset="0"/>
-              </a:rPr>
-              <a:t>HASIL PENELITIAN</a:t>
-            </a:r>
-            <a:endParaRPr kumimoji="0" lang="en-US" sz="6000" b="1" i="0" u="none" strike="noStrike" kern="1200" cap="none" spc="0" normalizeH="0" baseline="0" noProof="0" dirty="0">
-              <a:ln>
-                <a:noFill/>
-              </a:ln>
-              <a:solidFill>
-                <a:srgbClr val="3D5476"/>
-              </a:solidFill>
-              <a:effectLst/>
-              <a:uLnTx/>
-              <a:uFillTx/>
-              <a:latin typeface="Lato" charset="0"/>
-              <a:ea typeface="Lato" charset="0"/>
-              <a:cs typeface="Lato" charset="0"/>
-            </a:endParaRPr>
-          </a:p>
-        </p:txBody>
-      </p:sp>
-      <p:grpSp>
-        <p:nvGrpSpPr>
-          <p:cNvPr id="12" name="Group 11"/>
-          <p:cNvGrpSpPr/>
-          <p:nvPr/>
-        </p:nvGrpSpPr>
-        <p:grpSpPr>
-          <a:xfrm>
-            <a:off x="0" y="838200"/>
-            <a:ext cx="7266215" cy="1118191"/>
-            <a:chOff x="0" y="838200"/>
-            <a:chExt cx="7266215" cy="1118191"/>
-          </a:xfrm>
-        </p:grpSpPr>
-        <p:sp>
-          <p:nvSpPr>
-            <p:cNvPr id="13" name="Rectangle 12"/>
-            <p:cNvSpPr/>
-            <p:nvPr/>
-          </p:nvSpPr>
-          <p:spPr>
-            <a:xfrm>
-              <a:off x="1" y="838200"/>
-              <a:ext cx="7266214" cy="629093"/>
-            </a:xfrm>
-            <a:prstGeom prst="rect">
-              <a:avLst/>
-            </a:prstGeom>
-            <a:solidFill>
-              <a:schemeClr val="accent2"/>
-            </a:solidFill>
-            <a:ln>
-              <a:noFill/>
-            </a:ln>
-          </p:spPr>
-          <p:style>
-            <a:lnRef idx="2">
-              <a:schemeClr val="accent1">
-                <a:shade val="50000"/>
-              </a:schemeClr>
-            </a:lnRef>
-            <a:fillRef idx="1">
-              <a:schemeClr val="accent1"/>
-            </a:fillRef>
-            <a:effectRef idx="0">
-              <a:schemeClr val="accent1"/>
-            </a:effectRef>
-            <a:fontRef idx="minor">
-              <a:schemeClr val="lt1"/>
-            </a:fontRef>
-          </p:style>
-          <p:txBody>
-            <a:bodyPr rtlCol="0" anchor="ctr"/>
-            <a:lstStyle/>
-            <a:p>
-              <a:pPr marL="0" marR="0" lvl="0" indent="0" algn="ctr" defTabSz="1828434" rtl="0" eaLnBrk="1" fontAlgn="auto" latinLnBrk="0" hangingPunct="1">
-                <a:lnSpc>
-                  <a:spcPct val="100000"/>
-                </a:lnSpc>
-                <a:spcBef>
-                  <a:spcPts val="0"/>
-                </a:spcBef>
-                <a:spcAft>
-                  <a:spcPts val="0"/>
-                </a:spcAft>
-                <a:buClrTx/>
-                <a:buSzTx/>
-                <a:buFontTx/>
-                <a:buNone/>
-                <a:tabLst/>
-                <a:defRPr/>
-              </a:pPr>
-              <a:endParaRPr kumimoji="0" lang="en-US" sz="3600" b="0" i="0" u="none" strike="noStrike" kern="1200" cap="none" spc="0" normalizeH="0" baseline="0" noProof="0">
-                <a:ln>
-                  <a:noFill/>
-                </a:ln>
-                <a:solidFill>
-                  <a:srgbClr val="FFFFFF"/>
-                </a:solidFill>
-                <a:effectLst/>
-                <a:uLnTx/>
-                <a:uFillTx/>
-                <a:latin typeface="Calibri" panose="020F0502020204030204"/>
-                <a:ea typeface="+mn-ea"/>
-                <a:cs typeface="+mn-cs"/>
-              </a:endParaRPr>
-            </a:p>
-          </p:txBody>
-        </p:sp>
-        <p:sp>
-          <p:nvSpPr>
-            <p:cNvPr id="14" name="Rectangle 13"/>
-            <p:cNvSpPr/>
-            <p:nvPr/>
-          </p:nvSpPr>
-          <p:spPr>
-            <a:xfrm>
-              <a:off x="0" y="1667540"/>
-              <a:ext cx="4678878" cy="288851"/>
-            </a:xfrm>
-            <a:prstGeom prst="rect">
-              <a:avLst/>
-            </a:prstGeom>
-            <a:solidFill>
-              <a:schemeClr val="accent3"/>
-            </a:solidFill>
-            <a:ln>
-              <a:noFill/>
-            </a:ln>
-          </p:spPr>
-          <p:style>
-            <a:lnRef idx="2">
-              <a:schemeClr val="accent1">
-                <a:shade val="50000"/>
-              </a:schemeClr>
-            </a:lnRef>
-            <a:fillRef idx="1">
-              <a:schemeClr val="accent1"/>
-            </a:fillRef>
-            <a:effectRef idx="0">
-              <a:schemeClr val="accent1"/>
-            </a:effectRef>
-            <a:fontRef idx="minor">
-              <a:schemeClr val="lt1"/>
-            </a:fontRef>
-          </p:style>
-          <p:txBody>
-            <a:bodyPr rtlCol="0" anchor="ctr"/>
-            <a:lstStyle/>
-            <a:p>
-              <a:pPr marL="0" marR="0" lvl="0" indent="0" algn="ctr" defTabSz="1828434" rtl="0" eaLnBrk="1" fontAlgn="auto" latinLnBrk="0" hangingPunct="1">
-                <a:lnSpc>
-                  <a:spcPct val="100000"/>
-                </a:lnSpc>
-                <a:spcBef>
-                  <a:spcPts val="0"/>
-                </a:spcBef>
-                <a:spcAft>
-                  <a:spcPts val="0"/>
-                </a:spcAft>
-                <a:buClrTx/>
-                <a:buSzTx/>
-                <a:buFontTx/>
-                <a:buNone/>
-                <a:tabLst/>
-                <a:defRPr/>
-              </a:pPr>
-              <a:endParaRPr kumimoji="0" lang="en-US" sz="3600" b="0" i="0" u="none" strike="noStrike" kern="1200" cap="none" spc="0" normalizeH="0" baseline="0" noProof="0">
-                <a:ln>
-                  <a:noFill/>
-                </a:ln>
-                <a:solidFill>
-                  <a:srgbClr val="FFFFFF"/>
-                </a:solidFill>
-                <a:effectLst/>
-                <a:uLnTx/>
-                <a:uFillTx/>
-                <a:latin typeface="Calibri" panose="020F0502020204030204"/>
-                <a:ea typeface="+mn-ea"/>
-                <a:cs typeface="+mn-cs"/>
-              </a:endParaRPr>
-            </a:p>
-          </p:txBody>
-        </p:sp>
-      </p:grpSp>
-      <p:grpSp>
-        <p:nvGrpSpPr>
-          <p:cNvPr id="15" name="Group 14"/>
-          <p:cNvGrpSpPr/>
-          <p:nvPr/>
-        </p:nvGrpSpPr>
-        <p:grpSpPr>
-          <a:xfrm rot="10800000">
-            <a:off x="17111435" y="11759609"/>
-            <a:ext cx="7266215" cy="1118191"/>
-            <a:chOff x="0" y="838200"/>
-            <a:chExt cx="7266215" cy="1118191"/>
-          </a:xfrm>
-        </p:grpSpPr>
-        <p:sp>
-          <p:nvSpPr>
-            <p:cNvPr id="16" name="Rectangle 15"/>
-            <p:cNvSpPr/>
-            <p:nvPr/>
-          </p:nvSpPr>
-          <p:spPr>
-            <a:xfrm>
-              <a:off x="1" y="838200"/>
-              <a:ext cx="7266214" cy="629093"/>
-            </a:xfrm>
-            <a:prstGeom prst="rect">
-              <a:avLst/>
-            </a:prstGeom>
-            <a:solidFill>
-              <a:schemeClr val="accent2"/>
-            </a:solidFill>
-            <a:ln>
-              <a:noFill/>
-            </a:ln>
-          </p:spPr>
-          <p:style>
-            <a:lnRef idx="2">
-              <a:schemeClr val="accent1">
-                <a:shade val="50000"/>
-              </a:schemeClr>
-            </a:lnRef>
-            <a:fillRef idx="1">
-              <a:schemeClr val="accent1"/>
-            </a:fillRef>
-            <a:effectRef idx="0">
-              <a:schemeClr val="accent1"/>
-            </a:effectRef>
-            <a:fontRef idx="minor">
-              <a:schemeClr val="lt1"/>
-            </a:fontRef>
-          </p:style>
-          <p:txBody>
-            <a:bodyPr rtlCol="0" anchor="ctr"/>
-            <a:lstStyle/>
-            <a:p>
-              <a:pPr marL="0" marR="0" lvl="0" indent="0" algn="ctr" defTabSz="1828434" rtl="0" eaLnBrk="1" fontAlgn="auto" latinLnBrk="0" hangingPunct="1">
-                <a:lnSpc>
-                  <a:spcPct val="100000"/>
-                </a:lnSpc>
-                <a:spcBef>
-                  <a:spcPts val="0"/>
-                </a:spcBef>
-                <a:spcAft>
-                  <a:spcPts val="0"/>
-                </a:spcAft>
-                <a:buClrTx/>
-                <a:buSzTx/>
-                <a:buFontTx/>
-                <a:buNone/>
-                <a:tabLst/>
-                <a:defRPr/>
-              </a:pPr>
-              <a:endParaRPr kumimoji="0" lang="en-US" sz="3600" b="0" i="0" u="none" strike="noStrike" kern="1200" cap="none" spc="0" normalizeH="0" baseline="0" noProof="0">
-                <a:ln>
-                  <a:noFill/>
-                </a:ln>
-                <a:solidFill>
-                  <a:srgbClr val="FFFFFF"/>
-                </a:solidFill>
-                <a:effectLst/>
-                <a:uLnTx/>
-                <a:uFillTx/>
-                <a:latin typeface="Calibri" panose="020F0502020204030204"/>
-                <a:ea typeface="+mn-ea"/>
-                <a:cs typeface="+mn-cs"/>
-              </a:endParaRPr>
-            </a:p>
-          </p:txBody>
-        </p:sp>
-        <p:sp>
-          <p:nvSpPr>
-            <p:cNvPr id="17" name="Rectangle 16"/>
-            <p:cNvSpPr/>
-            <p:nvPr/>
-          </p:nvSpPr>
-          <p:spPr>
-            <a:xfrm>
-              <a:off x="0" y="1667540"/>
-              <a:ext cx="4678878" cy="288851"/>
-            </a:xfrm>
-            <a:prstGeom prst="rect">
-              <a:avLst/>
-            </a:prstGeom>
-            <a:solidFill>
-              <a:schemeClr val="accent3"/>
-            </a:solidFill>
-            <a:ln>
-              <a:noFill/>
-            </a:ln>
-          </p:spPr>
-          <p:style>
-            <a:lnRef idx="2">
-              <a:schemeClr val="accent1">
-                <a:shade val="50000"/>
-              </a:schemeClr>
-            </a:lnRef>
-            <a:fillRef idx="1">
-              <a:schemeClr val="accent1"/>
-            </a:fillRef>
-            <a:effectRef idx="0">
-              <a:schemeClr val="accent1"/>
-            </a:effectRef>
-            <a:fontRef idx="minor">
-              <a:schemeClr val="lt1"/>
-            </a:fontRef>
-          </p:style>
-          <p:txBody>
-            <a:bodyPr rtlCol="0" anchor="ctr"/>
-            <a:lstStyle/>
-            <a:p>
-              <a:pPr marL="0" marR="0" lvl="0" indent="0" algn="ctr" defTabSz="1828434" rtl="0" eaLnBrk="1" fontAlgn="auto" latinLnBrk="0" hangingPunct="1">
-                <a:lnSpc>
-                  <a:spcPct val="100000"/>
-                </a:lnSpc>
-                <a:spcBef>
-                  <a:spcPts val="0"/>
-                </a:spcBef>
-                <a:spcAft>
-                  <a:spcPts val="0"/>
-                </a:spcAft>
-                <a:buClrTx/>
-                <a:buSzTx/>
-                <a:buFontTx/>
-                <a:buNone/>
-                <a:tabLst/>
-                <a:defRPr/>
-              </a:pPr>
-              <a:endParaRPr kumimoji="0" lang="en-US" sz="3600" b="0" i="0" u="none" strike="noStrike" kern="1200" cap="none" spc="0" normalizeH="0" baseline="0" noProof="0">
-                <a:ln>
-                  <a:noFill/>
-                </a:ln>
-                <a:solidFill>
-                  <a:srgbClr val="FFFFFF"/>
-                </a:solidFill>
-                <a:effectLst/>
-                <a:uLnTx/>
-                <a:uFillTx/>
-                <a:latin typeface="Calibri" panose="020F0502020204030204"/>
-                <a:ea typeface="+mn-ea"/>
-                <a:cs typeface="+mn-cs"/>
-              </a:endParaRPr>
-            </a:p>
-          </p:txBody>
-        </p:sp>
-      </p:grpSp>
-      <p:sp>
-        <p:nvSpPr>
-          <p:cNvPr id="3" name="Rectangle 2">
-            <a:extLst>
-              <a:ext uri="{FF2B5EF4-FFF2-40B4-BE49-F238E27FC236}">
-                <a16:creationId xmlns:a16="http://schemas.microsoft.com/office/drawing/2014/main" id="{6B897D3A-FD2E-4329-BE36-323BCDE79BF6}"/>
-              </a:ext>
-            </a:extLst>
-          </p:cNvPr>
-          <p:cNvSpPr/>
-          <p:nvPr/>
-        </p:nvSpPr>
-        <p:spPr>
-          <a:xfrm>
-            <a:off x="366873" y="2972066"/>
-            <a:ext cx="5960286" cy="769441"/>
-          </a:xfrm>
-          <a:prstGeom prst="rect">
-            <a:avLst/>
-          </a:prstGeom>
-        </p:spPr>
-        <p:txBody>
-          <a:bodyPr wrap="none">
-            <a:spAutoFit/>
-          </a:bodyPr>
-          <a:lstStyle/>
-          <a:p>
-            <a:pPr marL="228600" algn="just"/>
-            <a:r>
-              <a:rPr lang="en-US" sz="4400" b="1" dirty="0">
-                <a:solidFill>
-                  <a:srgbClr val="3D5476"/>
-                </a:solidFill>
-                <a:latin typeface="Lato" panose="020F0502020204030203" pitchFamily="34" charset="0"/>
-                <a:ea typeface="Times New Roman" panose="02020603050405020304" pitchFamily="18" charset="0"/>
-              </a:rPr>
-              <a:t>3. </a:t>
-            </a:r>
-            <a:r>
-              <a:rPr lang="en-US" sz="4400" b="1" u="sng" dirty="0">
-                <a:solidFill>
-                  <a:srgbClr val="3D5476"/>
-                </a:solidFill>
-                <a:latin typeface="Lato" panose="020F0502020204030203" pitchFamily="34" charset="0"/>
-              </a:rPr>
-              <a:t>Kumpulan </a:t>
-            </a:r>
-            <a:r>
-              <a:rPr lang="en-US" sz="4400" b="1" u="sng" dirty="0" err="1">
-                <a:solidFill>
-                  <a:srgbClr val="3D5476"/>
-                </a:solidFill>
-                <a:latin typeface="Lato" panose="020F0502020204030203" pitchFamily="34" charset="0"/>
-              </a:rPr>
-              <a:t>hasil</a:t>
-            </a:r>
-            <a:r>
-              <a:rPr lang="en-US" sz="4400" b="1" u="sng" dirty="0">
-                <a:solidFill>
-                  <a:srgbClr val="3D5476"/>
-                </a:solidFill>
-                <a:latin typeface="Lato" panose="020F0502020204030203" pitchFamily="34" charset="0"/>
-              </a:rPr>
-              <a:t> rule</a:t>
-            </a:r>
-            <a:endParaRPr lang="en-US" sz="4400" b="1" dirty="0">
-              <a:solidFill>
-                <a:srgbClr val="3D5476"/>
-              </a:solidFill>
-              <a:latin typeface="Lato" panose="020F0502020204030203" pitchFamily="34" charset="0"/>
-            </a:endParaRPr>
-          </a:p>
-        </p:txBody>
-      </p:sp>
-      <p:sp>
-        <p:nvSpPr>
-          <p:cNvPr id="4" name="Rectangle 3">
-            <a:extLst>
-              <a:ext uri="{FF2B5EF4-FFF2-40B4-BE49-F238E27FC236}">
-                <a16:creationId xmlns:a16="http://schemas.microsoft.com/office/drawing/2014/main" id="{9C0FD315-2862-482C-8240-AF044DF9DC5C}"/>
-              </a:ext>
-            </a:extLst>
-          </p:cNvPr>
-          <p:cNvSpPr/>
-          <p:nvPr/>
-        </p:nvSpPr>
-        <p:spPr>
-          <a:xfrm>
-            <a:off x="12944199" y="888425"/>
-            <a:ext cx="10068782" cy="769441"/>
-          </a:xfrm>
-          <a:prstGeom prst="rect">
-            <a:avLst/>
-          </a:prstGeom>
-        </p:spPr>
-        <p:txBody>
-          <a:bodyPr wrap="none">
-            <a:spAutoFit/>
-          </a:bodyPr>
-          <a:lstStyle/>
-          <a:p>
-            <a:pPr marL="228600" algn="just"/>
-            <a:r>
-              <a:rPr lang="en-US" sz="4400" b="1" dirty="0">
-                <a:solidFill>
-                  <a:srgbClr val="3D5476"/>
-                </a:solidFill>
-                <a:latin typeface="Lato" panose="020F0502020204030203" pitchFamily="34" charset="0"/>
-                <a:ea typeface="Times New Roman" panose="02020603050405020304" pitchFamily="18" charset="0"/>
-              </a:rPr>
-              <a:t>4. </a:t>
-            </a:r>
-            <a:r>
-              <a:rPr lang="en-US" sz="4400" b="1" u="sng" dirty="0">
-                <a:solidFill>
-                  <a:srgbClr val="3D5476"/>
-                </a:solidFill>
-                <a:latin typeface="Lato" panose="020F0502020204030203" pitchFamily="34" charset="0"/>
-              </a:rPr>
-              <a:t>Membership Function </a:t>
-            </a:r>
-            <a:r>
-              <a:rPr lang="en-US" sz="4400" b="1" u="sng" dirty="0" err="1">
-                <a:solidFill>
-                  <a:srgbClr val="3D5476"/>
-                </a:solidFill>
-                <a:latin typeface="Lato" panose="020F0502020204030203" pitchFamily="34" charset="0"/>
-              </a:rPr>
-              <a:t>untuk</a:t>
-            </a:r>
-            <a:r>
-              <a:rPr lang="en-US" sz="4400" b="1" u="sng" dirty="0">
-                <a:solidFill>
-                  <a:srgbClr val="3D5476"/>
-                </a:solidFill>
-                <a:latin typeface="Lato" panose="020F0502020204030203" pitchFamily="34" charset="0"/>
-              </a:rPr>
-              <a:t> input 1</a:t>
-            </a:r>
-            <a:endParaRPr lang="en-US" sz="4400" b="1" dirty="0">
-              <a:solidFill>
-                <a:srgbClr val="3D5476"/>
-              </a:solidFill>
-              <a:latin typeface="Lato" panose="020F0502020204030203" pitchFamily="34" charset="0"/>
-            </a:endParaRPr>
-          </a:p>
-        </p:txBody>
-      </p:sp>
-      <p:pic>
-        <p:nvPicPr>
-          <p:cNvPr id="20" name="Picture 19" descr="https://lh4.googleusercontent.com/3qqlfYoadMD7nxzwJjS9PwmeOLztFOodLbBO1y3eWWu4kQr9plSMgSF3mkMByDpWz0pWKbxEjFbMa3aEnNDcHpeBYmBmnrxcD-ksVzM31uunRk03fENTlv4e5lLFPA">
-            <a:extLst>
-              <a:ext uri="{FF2B5EF4-FFF2-40B4-BE49-F238E27FC236}">
-                <a16:creationId xmlns:a16="http://schemas.microsoft.com/office/drawing/2014/main" id="{15800D22-9ACF-4BC5-84B4-733A1267149F}"/>
-              </a:ext>
-            </a:extLst>
-          </p:cNvPr>
-          <p:cNvPicPr/>
-          <p:nvPr/>
-        </p:nvPicPr>
-        <p:blipFill>
-          <a:blip r:embed="rId2">
-            <a:extLst>
-              <a:ext uri="{28A0092B-C50C-407E-A947-70E740481C1C}">
-                <a14:useLocalDpi xmlns:a14="http://schemas.microsoft.com/office/drawing/2010/main" val="0"/>
-              </a:ext>
-            </a:extLst>
-          </a:blip>
-          <a:srcRect/>
-          <a:stretch>
-            <a:fillRect/>
-          </a:stretch>
-        </p:blipFill>
-        <p:spPr bwMode="auto">
-          <a:xfrm>
-            <a:off x="553264" y="4082617"/>
-            <a:ext cx="12074556" cy="6184294"/>
-          </a:xfrm>
-          <a:prstGeom prst="rect">
-            <a:avLst/>
-          </a:prstGeom>
-          <a:noFill/>
-          <a:ln>
-            <a:noFill/>
-          </a:ln>
-        </p:spPr>
-      </p:pic>
-      <p:pic>
-        <p:nvPicPr>
-          <p:cNvPr id="21" name="Picture 20">
-            <a:extLst>
-              <a:ext uri="{FF2B5EF4-FFF2-40B4-BE49-F238E27FC236}">
-                <a16:creationId xmlns:a16="http://schemas.microsoft.com/office/drawing/2014/main" id="{A044EF2D-0753-47E6-A30B-EA4FF6B7D705}"/>
-              </a:ext>
-            </a:extLst>
-          </p:cNvPr>
-          <p:cNvPicPr/>
-          <p:nvPr/>
-        </p:nvPicPr>
-        <p:blipFill>
-          <a:blip r:embed="rId3">
-            <a:extLst>
-              <a:ext uri="{28A0092B-C50C-407E-A947-70E740481C1C}">
-                <a14:useLocalDpi xmlns:a14="http://schemas.microsoft.com/office/drawing/2010/main" val="0"/>
-              </a:ext>
-            </a:extLst>
-          </a:blip>
-          <a:srcRect/>
-          <a:stretch>
-            <a:fillRect/>
-          </a:stretch>
-        </p:blipFill>
-        <p:spPr bwMode="auto">
-          <a:xfrm>
-            <a:off x="13619162" y="2370751"/>
-            <a:ext cx="10113319" cy="8675973"/>
-          </a:xfrm>
-          <a:prstGeom prst="rect">
-            <a:avLst/>
-          </a:prstGeom>
-          <a:noFill/>
-          <a:ln>
-            <a:noFill/>
-          </a:ln>
-        </p:spPr>
-      </p:pic>
-    </p:spTree>
-    <p:extLst>
-      <p:ext uri="{BB962C8B-B14F-4D97-AF65-F5344CB8AC3E}">
-        <p14:creationId xmlns:p14="http://schemas.microsoft.com/office/powerpoint/2010/main" val="562489586"/>
-      </p:ext>
-    </p:extLst>
-  </p:cSld>
-  <p:clrMapOvr>
-    <a:masterClrMapping/>
-  </p:clrMapOvr>
-</p:sld>
-</file>
-
-<file path=ppt/slides/slide9.xml><?xml version="1.0" encoding="utf-8"?>
-<p:sld xmlns:a="http://schemas.openxmlformats.org/drawingml/2006/main" xmlns:r="http://schemas.openxmlformats.org/officeDocument/2006/relationships" xmlns:p="http://schemas.openxmlformats.org/presentationml/2006/main">
-  <p:cSld>
-    <p:spTree>
-      <p:nvGrpSpPr>
-        <p:cNvPr id="1" name=""/>
-        <p:cNvGrpSpPr/>
-        <p:nvPr/>
-      </p:nvGrpSpPr>
-      <p:grpSpPr>
-        <a:xfrm>
-          <a:off x="0" y="0"/>
-          <a:ext cx="0" cy="0"/>
-          <a:chOff x="0" y="0"/>
-          <a:chExt cx="0" cy="0"/>
-        </a:xfrm>
-      </p:grpSpPr>
-      <p:sp>
-        <p:nvSpPr>
-          <p:cNvPr id="42" name="Rectangle 41"/>
-          <p:cNvSpPr/>
-          <p:nvPr/>
-        </p:nvSpPr>
-        <p:spPr>
-          <a:xfrm>
-            <a:off x="1" y="0"/>
-            <a:ext cx="24377650" cy="13715998"/>
-          </a:xfrm>
-          <a:prstGeom prst="rect">
-            <a:avLst/>
-          </a:prstGeom>
-          <a:solidFill>
-            <a:schemeClr val="accent1"/>
-          </a:solidFill>
-          <a:ln>
-            <a:noFill/>
-          </a:ln>
-        </p:spPr>
-        <p:style>
-          <a:lnRef idx="2">
-            <a:schemeClr val="accent1">
-              <a:shade val="50000"/>
-            </a:schemeClr>
-          </a:lnRef>
-          <a:fillRef idx="1">
-            <a:schemeClr val="accent1"/>
-          </a:fillRef>
-          <a:effectRef idx="0">
-            <a:schemeClr val="accent1"/>
-          </a:effectRef>
-          <a:fontRef idx="minor">
-            <a:schemeClr val="lt1"/>
-          </a:fontRef>
-        </p:style>
-        <p:txBody>
-          <a:bodyPr rtlCol="0" anchor="ctr"/>
-          <a:lstStyle/>
-          <a:p>
-            <a:pPr marL="0" marR="0" lvl="0" indent="0" algn="ctr" defTabSz="1828434" rtl="0" eaLnBrk="1" fontAlgn="auto" latinLnBrk="0" hangingPunct="1">
-              <a:lnSpc>
-                <a:spcPct val="100000"/>
-              </a:lnSpc>
-              <a:spcBef>
-                <a:spcPts val="0"/>
-              </a:spcBef>
-              <a:spcAft>
-                <a:spcPts val="0"/>
-              </a:spcAft>
-              <a:buClrTx/>
-              <a:buSzTx/>
-              <a:buFontTx/>
-              <a:buNone/>
-              <a:tabLst/>
-              <a:defRPr/>
-            </a:pPr>
-            <a:endParaRPr kumimoji="0" lang="en-US" sz="3600" b="0" i="0" u="none" strike="noStrike" kern="1200" cap="none" spc="0" normalizeH="0" baseline="0" noProof="0">
-              <a:ln>
-                <a:noFill/>
-              </a:ln>
-              <a:solidFill>
-                <a:srgbClr val="FFFFFF"/>
-              </a:solidFill>
-              <a:effectLst/>
-              <a:uLnTx/>
-              <a:uFillTx/>
-              <a:latin typeface="Calibri" panose="020F0502020204030204"/>
-              <a:ea typeface="+mn-ea"/>
-              <a:cs typeface="+mn-cs"/>
-            </a:endParaRPr>
-          </a:p>
-        </p:txBody>
-      </p:sp>
-      <p:sp>
-        <p:nvSpPr>
-          <p:cNvPr id="10" name="TextBox 9"/>
-          <p:cNvSpPr txBox="1"/>
-          <p:nvPr/>
-        </p:nvSpPr>
-        <p:spPr>
-          <a:xfrm>
-            <a:off x="1206613" y="11483623"/>
-            <a:ext cx="6944530" cy="1015663"/>
-          </a:xfrm>
-          <a:prstGeom prst="rect">
-            <a:avLst/>
-          </a:prstGeom>
-          <a:noFill/>
-        </p:spPr>
-        <p:txBody>
-          <a:bodyPr wrap="none" rtlCol="0">
-            <a:spAutoFit/>
-          </a:bodyPr>
-          <a:lstStyle/>
-          <a:p>
-            <a:pPr marL="0" marR="0" lvl="0" indent="0" algn="l" defTabSz="1828434" rtl="0" eaLnBrk="1" fontAlgn="auto" latinLnBrk="0" hangingPunct="1">
-              <a:lnSpc>
-                <a:spcPct val="100000"/>
-              </a:lnSpc>
-              <a:spcBef>
-                <a:spcPts val="0"/>
-              </a:spcBef>
-              <a:spcAft>
-                <a:spcPts val="0"/>
-              </a:spcAft>
-              <a:buClrTx/>
-              <a:buSzTx/>
-              <a:buFontTx/>
-              <a:buNone/>
-              <a:tabLst/>
-              <a:defRPr/>
-            </a:pPr>
-            <a:r>
-              <a:rPr lang="en-US" sz="6000" b="1" dirty="0">
-                <a:solidFill>
-                  <a:srgbClr val="3D5476"/>
-                </a:solidFill>
-                <a:latin typeface="Lato" charset="0"/>
-                <a:ea typeface="Lato" charset="0"/>
-                <a:cs typeface="Lato" charset="0"/>
-              </a:rPr>
-              <a:t>HASIL PENELITIAN</a:t>
-            </a:r>
-            <a:endParaRPr kumimoji="0" lang="en-US" sz="6000" b="1" i="0" u="none" strike="noStrike" kern="1200" cap="none" spc="0" normalizeH="0" baseline="0" noProof="0" dirty="0">
-              <a:ln>
-                <a:noFill/>
-              </a:ln>
-              <a:solidFill>
-                <a:srgbClr val="3D5476"/>
-              </a:solidFill>
-              <a:effectLst/>
-              <a:uLnTx/>
-              <a:uFillTx/>
-              <a:latin typeface="Lato" charset="0"/>
-              <a:ea typeface="Lato" charset="0"/>
-              <a:cs typeface="Lato" charset="0"/>
-            </a:endParaRPr>
-          </a:p>
-        </p:txBody>
-      </p:sp>
-      <p:grpSp>
-        <p:nvGrpSpPr>
-          <p:cNvPr id="12" name="Group 11"/>
-          <p:cNvGrpSpPr/>
-          <p:nvPr/>
-        </p:nvGrpSpPr>
-        <p:grpSpPr>
-          <a:xfrm>
-            <a:off x="0" y="838200"/>
-            <a:ext cx="7266215" cy="1118191"/>
-            <a:chOff x="0" y="838200"/>
-            <a:chExt cx="7266215" cy="1118191"/>
-          </a:xfrm>
-        </p:grpSpPr>
-        <p:sp>
-          <p:nvSpPr>
-            <p:cNvPr id="13" name="Rectangle 12"/>
-            <p:cNvSpPr/>
-            <p:nvPr/>
-          </p:nvSpPr>
-          <p:spPr>
-            <a:xfrm>
-              <a:off x="1" y="838200"/>
-              <a:ext cx="7266214" cy="629093"/>
-            </a:xfrm>
-            <a:prstGeom prst="rect">
-              <a:avLst/>
-            </a:prstGeom>
-            <a:solidFill>
-              <a:schemeClr val="accent2"/>
-            </a:solidFill>
-            <a:ln>
-              <a:noFill/>
-            </a:ln>
-          </p:spPr>
-          <p:style>
-            <a:lnRef idx="2">
-              <a:schemeClr val="accent1">
-                <a:shade val="50000"/>
-              </a:schemeClr>
-            </a:lnRef>
-            <a:fillRef idx="1">
-              <a:schemeClr val="accent1"/>
-            </a:fillRef>
-            <a:effectRef idx="0">
-              <a:schemeClr val="accent1"/>
-            </a:effectRef>
-            <a:fontRef idx="minor">
-              <a:schemeClr val="lt1"/>
-            </a:fontRef>
-          </p:style>
-          <p:txBody>
-            <a:bodyPr rtlCol="0" anchor="ctr"/>
-            <a:lstStyle/>
-            <a:p>
-              <a:pPr marL="0" marR="0" lvl="0" indent="0" algn="ctr" defTabSz="1828434" rtl="0" eaLnBrk="1" fontAlgn="auto" latinLnBrk="0" hangingPunct="1">
-                <a:lnSpc>
-                  <a:spcPct val="100000"/>
-                </a:lnSpc>
-                <a:spcBef>
-                  <a:spcPts val="0"/>
-                </a:spcBef>
-                <a:spcAft>
-                  <a:spcPts val="0"/>
-                </a:spcAft>
-                <a:buClrTx/>
-                <a:buSzTx/>
-                <a:buFontTx/>
-                <a:buNone/>
-                <a:tabLst/>
-                <a:defRPr/>
-              </a:pPr>
-              <a:endParaRPr kumimoji="0" lang="en-US" sz="3600" b="0" i="0" u="none" strike="noStrike" kern="1200" cap="none" spc="0" normalizeH="0" baseline="0" noProof="0">
-                <a:ln>
-                  <a:noFill/>
-                </a:ln>
-                <a:solidFill>
-                  <a:srgbClr val="FFFFFF"/>
-                </a:solidFill>
-                <a:effectLst/>
-                <a:uLnTx/>
-                <a:uFillTx/>
-                <a:latin typeface="Calibri" panose="020F0502020204030204"/>
-                <a:ea typeface="+mn-ea"/>
-                <a:cs typeface="+mn-cs"/>
-              </a:endParaRPr>
-            </a:p>
-          </p:txBody>
-        </p:sp>
-        <p:sp>
-          <p:nvSpPr>
-            <p:cNvPr id="14" name="Rectangle 13"/>
-            <p:cNvSpPr/>
-            <p:nvPr/>
-          </p:nvSpPr>
-          <p:spPr>
-            <a:xfrm>
-              <a:off x="0" y="1667540"/>
-              <a:ext cx="4678878" cy="288851"/>
-            </a:xfrm>
-            <a:prstGeom prst="rect">
-              <a:avLst/>
-            </a:prstGeom>
-            <a:solidFill>
-              <a:schemeClr val="accent3"/>
-            </a:solidFill>
-            <a:ln>
-              <a:noFill/>
-            </a:ln>
-          </p:spPr>
-          <p:style>
-            <a:lnRef idx="2">
-              <a:schemeClr val="accent1">
-                <a:shade val="50000"/>
-              </a:schemeClr>
-            </a:lnRef>
-            <a:fillRef idx="1">
-              <a:schemeClr val="accent1"/>
-            </a:fillRef>
-            <a:effectRef idx="0">
-              <a:schemeClr val="accent1"/>
-            </a:effectRef>
-            <a:fontRef idx="minor">
-              <a:schemeClr val="lt1"/>
-            </a:fontRef>
-          </p:style>
-          <p:txBody>
-            <a:bodyPr rtlCol="0" anchor="ctr"/>
-            <a:lstStyle/>
-            <a:p>
-              <a:pPr marL="0" marR="0" lvl="0" indent="0" algn="ctr" defTabSz="1828434" rtl="0" eaLnBrk="1" fontAlgn="auto" latinLnBrk="0" hangingPunct="1">
-                <a:lnSpc>
-                  <a:spcPct val="100000"/>
-                </a:lnSpc>
-                <a:spcBef>
-                  <a:spcPts val="0"/>
-                </a:spcBef>
-                <a:spcAft>
-                  <a:spcPts val="0"/>
-                </a:spcAft>
-                <a:buClrTx/>
-                <a:buSzTx/>
-                <a:buFontTx/>
-                <a:buNone/>
-                <a:tabLst/>
-                <a:defRPr/>
-              </a:pPr>
-              <a:endParaRPr kumimoji="0" lang="en-US" sz="3600" b="0" i="0" u="none" strike="noStrike" kern="1200" cap="none" spc="0" normalizeH="0" baseline="0" noProof="0">
-                <a:ln>
-                  <a:noFill/>
-                </a:ln>
-                <a:solidFill>
-                  <a:srgbClr val="FFFFFF"/>
-                </a:solidFill>
-                <a:effectLst/>
-                <a:uLnTx/>
-                <a:uFillTx/>
-                <a:latin typeface="Calibri" panose="020F0502020204030204"/>
-                <a:ea typeface="+mn-ea"/>
-                <a:cs typeface="+mn-cs"/>
-              </a:endParaRPr>
-            </a:p>
-          </p:txBody>
-        </p:sp>
-      </p:grpSp>
-      <p:grpSp>
-        <p:nvGrpSpPr>
-          <p:cNvPr id="15" name="Group 14"/>
-          <p:cNvGrpSpPr/>
-          <p:nvPr/>
-        </p:nvGrpSpPr>
-        <p:grpSpPr>
-          <a:xfrm rot="10800000">
-            <a:off x="17111435" y="11759609"/>
-            <a:ext cx="7266215" cy="1118191"/>
-            <a:chOff x="0" y="838200"/>
-            <a:chExt cx="7266215" cy="1118191"/>
-          </a:xfrm>
-        </p:grpSpPr>
-        <p:sp>
-          <p:nvSpPr>
-            <p:cNvPr id="16" name="Rectangle 15"/>
-            <p:cNvSpPr/>
-            <p:nvPr/>
-          </p:nvSpPr>
-          <p:spPr>
-            <a:xfrm>
-              <a:off x="1" y="838200"/>
-              <a:ext cx="7266214" cy="629093"/>
-            </a:xfrm>
-            <a:prstGeom prst="rect">
-              <a:avLst/>
-            </a:prstGeom>
-            <a:solidFill>
-              <a:schemeClr val="accent2"/>
-            </a:solidFill>
-            <a:ln>
-              <a:noFill/>
-            </a:ln>
-          </p:spPr>
-          <p:style>
-            <a:lnRef idx="2">
-              <a:schemeClr val="accent1">
-                <a:shade val="50000"/>
-              </a:schemeClr>
-            </a:lnRef>
-            <a:fillRef idx="1">
-              <a:schemeClr val="accent1"/>
-            </a:fillRef>
-            <a:effectRef idx="0">
-              <a:schemeClr val="accent1"/>
-            </a:effectRef>
-            <a:fontRef idx="minor">
-              <a:schemeClr val="lt1"/>
-            </a:fontRef>
-          </p:style>
-          <p:txBody>
-            <a:bodyPr rtlCol="0" anchor="ctr"/>
-            <a:lstStyle/>
-            <a:p>
-              <a:pPr marL="0" marR="0" lvl="0" indent="0" algn="ctr" defTabSz="1828434" rtl="0" eaLnBrk="1" fontAlgn="auto" latinLnBrk="0" hangingPunct="1">
-                <a:lnSpc>
-                  <a:spcPct val="100000"/>
-                </a:lnSpc>
-                <a:spcBef>
-                  <a:spcPts val="0"/>
-                </a:spcBef>
-                <a:spcAft>
-                  <a:spcPts val="0"/>
-                </a:spcAft>
-                <a:buClrTx/>
-                <a:buSzTx/>
-                <a:buFontTx/>
-                <a:buNone/>
-                <a:tabLst/>
-                <a:defRPr/>
-              </a:pPr>
-              <a:endParaRPr kumimoji="0" lang="en-US" sz="3600" b="0" i="0" u="none" strike="noStrike" kern="1200" cap="none" spc="0" normalizeH="0" baseline="0" noProof="0">
-                <a:ln>
-                  <a:noFill/>
-                </a:ln>
-                <a:solidFill>
-                  <a:srgbClr val="FFFFFF"/>
-                </a:solidFill>
-                <a:effectLst/>
-                <a:uLnTx/>
-                <a:uFillTx/>
-                <a:latin typeface="Calibri" panose="020F0502020204030204"/>
-                <a:ea typeface="+mn-ea"/>
-                <a:cs typeface="+mn-cs"/>
-              </a:endParaRPr>
-            </a:p>
-          </p:txBody>
-        </p:sp>
-        <p:sp>
-          <p:nvSpPr>
-            <p:cNvPr id="17" name="Rectangle 16"/>
-            <p:cNvSpPr/>
-            <p:nvPr/>
-          </p:nvSpPr>
-          <p:spPr>
-            <a:xfrm>
-              <a:off x="0" y="1667540"/>
-              <a:ext cx="4678878" cy="288851"/>
-            </a:xfrm>
-            <a:prstGeom prst="rect">
-              <a:avLst/>
-            </a:prstGeom>
-            <a:solidFill>
-              <a:schemeClr val="accent3"/>
-            </a:solidFill>
-            <a:ln>
-              <a:noFill/>
-            </a:ln>
-          </p:spPr>
-          <p:style>
-            <a:lnRef idx="2">
-              <a:schemeClr val="accent1">
-                <a:shade val="50000"/>
-              </a:schemeClr>
-            </a:lnRef>
-            <a:fillRef idx="1">
-              <a:schemeClr val="accent1"/>
-            </a:fillRef>
-            <a:effectRef idx="0">
-              <a:schemeClr val="accent1"/>
-            </a:effectRef>
-            <a:fontRef idx="minor">
-              <a:schemeClr val="lt1"/>
-            </a:fontRef>
-          </p:style>
-          <p:txBody>
-            <a:bodyPr rtlCol="0" anchor="ctr"/>
-            <a:lstStyle/>
-            <a:p>
-              <a:pPr marL="0" marR="0" lvl="0" indent="0" algn="ctr" defTabSz="1828434" rtl="0" eaLnBrk="1" fontAlgn="auto" latinLnBrk="0" hangingPunct="1">
-                <a:lnSpc>
-                  <a:spcPct val="100000"/>
-                </a:lnSpc>
-                <a:spcBef>
-                  <a:spcPts val="0"/>
-                </a:spcBef>
-                <a:spcAft>
-                  <a:spcPts val="0"/>
-                </a:spcAft>
-                <a:buClrTx/>
-                <a:buSzTx/>
-                <a:buFontTx/>
-                <a:buNone/>
-                <a:tabLst/>
-                <a:defRPr/>
-              </a:pPr>
-              <a:endParaRPr kumimoji="0" lang="en-US" sz="3600" b="0" i="0" u="none" strike="noStrike" kern="1200" cap="none" spc="0" normalizeH="0" baseline="0" noProof="0">
-                <a:ln>
-                  <a:noFill/>
-                </a:ln>
-                <a:solidFill>
-                  <a:srgbClr val="FFFFFF"/>
-                </a:solidFill>
-                <a:effectLst/>
-                <a:uLnTx/>
-                <a:uFillTx/>
-                <a:latin typeface="Calibri" panose="020F0502020204030204"/>
-                <a:ea typeface="+mn-ea"/>
-                <a:cs typeface="+mn-cs"/>
-              </a:endParaRPr>
-            </a:p>
-          </p:txBody>
-        </p:sp>
-      </p:grpSp>
-      <p:sp>
-        <p:nvSpPr>
-          <p:cNvPr id="3" name="Rectangle 2">
-            <a:extLst>
-              <a:ext uri="{FF2B5EF4-FFF2-40B4-BE49-F238E27FC236}">
-                <a16:creationId xmlns:a16="http://schemas.microsoft.com/office/drawing/2014/main" id="{6B897D3A-FD2E-4329-BE36-323BCDE79BF6}"/>
-              </a:ext>
-            </a:extLst>
-          </p:cNvPr>
-          <p:cNvSpPr/>
-          <p:nvPr/>
-        </p:nvSpPr>
-        <p:spPr>
-          <a:xfrm>
-            <a:off x="645169" y="2423752"/>
-            <a:ext cx="11463395" cy="769441"/>
-          </a:xfrm>
-          <a:prstGeom prst="rect">
-            <a:avLst/>
-          </a:prstGeom>
-        </p:spPr>
-        <p:txBody>
-          <a:bodyPr wrap="none">
-            <a:spAutoFit/>
-          </a:bodyPr>
-          <a:lstStyle/>
-          <a:p>
-            <a:pPr marL="228600" algn="just"/>
-            <a:r>
-              <a:rPr lang="en-US" sz="4400" b="1" dirty="0">
-                <a:solidFill>
-                  <a:srgbClr val="3D5476"/>
-                </a:solidFill>
-                <a:latin typeface="Lato" panose="020F0502020204030203" pitchFamily="34" charset="0"/>
-                <a:ea typeface="Times New Roman" panose="02020603050405020304" pitchFamily="18" charset="0"/>
-              </a:rPr>
-              <a:t>3. </a:t>
-            </a:r>
-            <a:r>
-              <a:rPr lang="en-US" sz="4400" b="1" u="sng" dirty="0" err="1">
-                <a:solidFill>
-                  <a:srgbClr val="3D5476"/>
-                </a:solidFill>
-                <a:latin typeface="Lato" panose="020F0502020204030203" pitchFamily="34" charset="0"/>
-              </a:rPr>
-              <a:t>Transformasi</a:t>
-            </a:r>
-            <a:r>
-              <a:rPr lang="en-US" sz="4400" b="1" u="sng" dirty="0">
-                <a:solidFill>
-                  <a:srgbClr val="3D5476"/>
-                </a:solidFill>
-                <a:latin typeface="Lato" panose="020F0502020204030203" pitchFamily="34" charset="0"/>
-              </a:rPr>
-              <a:t> </a:t>
-            </a:r>
-            <a:r>
-              <a:rPr lang="en-US" sz="4400" b="1" u="sng" dirty="0" err="1">
-                <a:solidFill>
-                  <a:srgbClr val="3D5476"/>
-                </a:solidFill>
-                <a:latin typeface="Lato" panose="020F0502020204030203" pitchFamily="34" charset="0"/>
-              </a:rPr>
-              <a:t>bentuk</a:t>
-            </a:r>
-            <a:r>
-              <a:rPr lang="en-US" sz="4400" b="1" u="sng" dirty="0">
-                <a:solidFill>
-                  <a:srgbClr val="3D5476"/>
-                </a:solidFill>
-                <a:latin typeface="Lato" panose="020F0502020204030203" pitchFamily="34" charset="0"/>
-              </a:rPr>
-              <a:t> </a:t>
-            </a:r>
-            <a:r>
-              <a:rPr lang="en-US" sz="4400" b="1" u="sng" dirty="0" err="1">
-                <a:solidFill>
-                  <a:srgbClr val="3D5476"/>
-                </a:solidFill>
-                <a:latin typeface="Lato" panose="020F0502020204030203" pitchFamily="34" charset="0"/>
-              </a:rPr>
-              <a:t>Sugeno</a:t>
-            </a:r>
-            <a:r>
-              <a:rPr lang="en-US" sz="4400" b="1" u="sng" dirty="0">
-                <a:solidFill>
-                  <a:srgbClr val="3D5476"/>
-                </a:solidFill>
-                <a:latin typeface="Lato" panose="020F0502020204030203" pitchFamily="34" charset="0"/>
-              </a:rPr>
-              <a:t> </a:t>
-            </a:r>
-            <a:r>
-              <a:rPr lang="en-US" sz="4400" b="1" u="sng" dirty="0" err="1">
-                <a:solidFill>
-                  <a:srgbClr val="3D5476"/>
-                </a:solidFill>
-                <a:latin typeface="Lato" panose="020F0502020204030203" pitchFamily="34" charset="0"/>
-              </a:rPr>
-              <a:t>ke</a:t>
-            </a:r>
-            <a:r>
-              <a:rPr lang="en-US" sz="4400" b="1" u="sng" dirty="0">
-                <a:solidFill>
-                  <a:srgbClr val="3D5476"/>
-                </a:solidFill>
-                <a:latin typeface="Lato" panose="020F0502020204030203" pitchFamily="34" charset="0"/>
-              </a:rPr>
-              <a:t> Mamdani</a:t>
-            </a:r>
-            <a:endParaRPr lang="en-US" sz="4400" b="1" dirty="0">
-              <a:solidFill>
-                <a:srgbClr val="3D5476"/>
-              </a:solidFill>
-              <a:latin typeface="Lato" panose="020F0502020204030203" pitchFamily="34" charset="0"/>
-            </a:endParaRPr>
-          </a:p>
-        </p:txBody>
-      </p:sp>
-      <p:sp>
-        <p:nvSpPr>
-          <p:cNvPr id="4" name="Rectangle 3">
-            <a:extLst>
-              <a:ext uri="{FF2B5EF4-FFF2-40B4-BE49-F238E27FC236}">
-                <a16:creationId xmlns:a16="http://schemas.microsoft.com/office/drawing/2014/main" id="{9C0FD315-2862-482C-8240-AF044DF9DC5C}"/>
-              </a:ext>
-            </a:extLst>
-          </p:cNvPr>
-          <p:cNvSpPr/>
-          <p:nvPr/>
-        </p:nvSpPr>
-        <p:spPr>
-          <a:xfrm>
-            <a:off x="15388703" y="2930976"/>
-            <a:ext cx="6574236" cy="769441"/>
-          </a:xfrm>
-          <a:prstGeom prst="rect">
-            <a:avLst/>
-          </a:prstGeom>
-        </p:spPr>
-        <p:txBody>
-          <a:bodyPr wrap="none">
-            <a:spAutoFit/>
-          </a:bodyPr>
-          <a:lstStyle/>
-          <a:p>
-            <a:pPr marL="228600" algn="just"/>
-            <a:r>
-              <a:rPr lang="en-US" sz="4400" b="1" dirty="0">
-                <a:solidFill>
-                  <a:srgbClr val="3D5476"/>
-                </a:solidFill>
-                <a:latin typeface="Lato" panose="020F0502020204030203" pitchFamily="34" charset="0"/>
-                <a:ea typeface="Times New Roman" panose="02020603050405020304" pitchFamily="18" charset="0"/>
-              </a:rPr>
-              <a:t>4. </a:t>
-            </a:r>
-            <a:r>
-              <a:rPr lang="en-US" sz="4400" b="1" u="sng" dirty="0">
-                <a:solidFill>
-                  <a:srgbClr val="3D5476"/>
-                </a:solidFill>
-                <a:latin typeface="Lato" panose="020F0502020204030203" pitchFamily="34" charset="0"/>
-              </a:rPr>
-              <a:t>Rule Viewer Mamdani</a:t>
-            </a:r>
-            <a:endParaRPr lang="en-US" sz="4400" b="1" dirty="0">
-              <a:solidFill>
-                <a:srgbClr val="3D5476"/>
-              </a:solidFill>
-              <a:latin typeface="Lato" panose="020F0502020204030203" pitchFamily="34" charset="0"/>
-            </a:endParaRPr>
-          </a:p>
-        </p:txBody>
-      </p:sp>
-      <p:pic>
-        <p:nvPicPr>
-          <p:cNvPr id="18" name="Picture 17" descr="https://lh5.googleusercontent.com/idZIzgLS-sDD1Yhs__aLYwDcKkGpbkmGoO9Iml1LwQDLQS82PZiNgbyoh2lPTJ77tIJez6kvsRIKuXfLAOFYuMLcCXu7DT3p6eN3wqeyBy_7Jm8ahgyD4Sf41RwqMg">
-            <a:extLst>
-              <a:ext uri="{FF2B5EF4-FFF2-40B4-BE49-F238E27FC236}">
-                <a16:creationId xmlns:a16="http://schemas.microsoft.com/office/drawing/2014/main" id="{248D8EED-32FD-4260-9721-52436E75C452}"/>
-              </a:ext>
-            </a:extLst>
-          </p:cNvPr>
-          <p:cNvPicPr/>
-          <p:nvPr/>
-        </p:nvPicPr>
-        <p:blipFill>
-          <a:blip r:embed="rId2">
-            <a:extLst>
-              <a:ext uri="{28A0092B-C50C-407E-A947-70E740481C1C}">
-                <a14:useLocalDpi xmlns:a14="http://schemas.microsoft.com/office/drawing/2010/main" val="0"/>
-              </a:ext>
-            </a:extLst>
-          </a:blip>
-          <a:srcRect/>
-          <a:stretch>
-            <a:fillRect/>
-          </a:stretch>
-        </p:blipFill>
-        <p:spPr bwMode="auto">
-          <a:xfrm>
-            <a:off x="1590261" y="3716957"/>
-            <a:ext cx="7991061" cy="6613160"/>
-          </a:xfrm>
-          <a:prstGeom prst="rect">
-            <a:avLst/>
-          </a:prstGeom>
-          <a:noFill/>
-          <a:ln>
-            <a:noFill/>
-          </a:ln>
-        </p:spPr>
-      </p:pic>
-      <p:pic>
-        <p:nvPicPr>
-          <p:cNvPr id="19" name="Picture 18">
-            <a:extLst>
-              <a:ext uri="{FF2B5EF4-FFF2-40B4-BE49-F238E27FC236}">
-                <a16:creationId xmlns:a16="http://schemas.microsoft.com/office/drawing/2014/main" id="{3F268E8B-2899-4642-B6BB-5394E1592A06}"/>
-              </a:ext>
-            </a:extLst>
-          </p:cNvPr>
-          <p:cNvPicPr/>
-          <p:nvPr/>
-        </p:nvPicPr>
-        <p:blipFill>
-          <a:blip r:embed="rId3"/>
-          <a:stretch>
-            <a:fillRect/>
-          </a:stretch>
-        </p:blipFill>
-        <p:spPr>
-          <a:xfrm>
-            <a:off x="11587991" y="4265349"/>
-            <a:ext cx="12067140" cy="6661974"/>
-          </a:xfrm>
-          <a:prstGeom prst="rect">
-            <a:avLst/>
-          </a:prstGeom>
-        </p:spPr>
-      </p:pic>
-    </p:spTree>
-    <p:extLst>
-      <p:ext uri="{BB962C8B-B14F-4D97-AF65-F5344CB8AC3E}">
-        <p14:creationId xmlns:p14="http://schemas.microsoft.com/office/powerpoint/2010/main" val="2956644739"/>
       </p:ext>
     </p:extLst>
   </p:cSld>
